--- a/HTML CSS JS.pptx
+++ b/HTML CSS JS.pptx
@@ -44,6 +44,81 @@
     <p:sldId id="292" r:id="rId38"/>
     <p:sldId id="293" r:id="rId39"/>
     <p:sldId id="294" r:id="rId40"/>
+    <p:sldId id="295" r:id="rId41"/>
+    <p:sldId id="296" r:id="rId42"/>
+    <p:sldId id="297" r:id="rId43"/>
+    <p:sldId id="298" r:id="rId44"/>
+    <p:sldId id="299" r:id="rId45"/>
+    <p:sldId id="300" r:id="rId46"/>
+    <p:sldId id="301" r:id="rId47"/>
+    <p:sldId id="302" r:id="rId48"/>
+    <p:sldId id="303" r:id="rId49"/>
+    <p:sldId id="304" r:id="rId50"/>
+    <p:sldId id="305" r:id="rId51"/>
+    <p:sldId id="306" r:id="rId52"/>
+    <p:sldId id="307" r:id="rId53"/>
+    <p:sldId id="308" r:id="rId54"/>
+    <p:sldId id="309" r:id="rId55"/>
+    <p:sldId id="310" r:id="rId56"/>
+    <p:sldId id="311" r:id="rId57"/>
+    <p:sldId id="312" r:id="rId58"/>
+    <p:sldId id="313" r:id="rId59"/>
+    <p:sldId id="314" r:id="rId60"/>
+    <p:sldId id="315" r:id="rId61"/>
+    <p:sldId id="316" r:id="rId62"/>
+    <p:sldId id="317" r:id="rId63"/>
+    <p:sldId id="318" r:id="rId64"/>
+    <p:sldId id="319" r:id="rId65"/>
+    <p:sldId id="320" r:id="rId66"/>
+    <p:sldId id="321" r:id="rId67"/>
+    <p:sldId id="322" r:id="rId68"/>
+    <p:sldId id="323" r:id="rId69"/>
+    <p:sldId id="324" r:id="rId70"/>
+    <p:sldId id="325" r:id="rId71"/>
+    <p:sldId id="326" r:id="rId72"/>
+    <p:sldId id="327" r:id="rId73"/>
+    <p:sldId id="328" r:id="rId74"/>
+    <p:sldId id="329" r:id="rId75"/>
+    <p:sldId id="330" r:id="rId76"/>
+    <p:sldId id="331" r:id="rId77"/>
+    <p:sldId id="332" r:id="rId78"/>
+    <p:sldId id="333" r:id="rId79"/>
+    <p:sldId id="334" r:id="rId80"/>
+    <p:sldId id="335" r:id="rId81"/>
+    <p:sldId id="336" r:id="rId82"/>
+    <p:sldId id="337" r:id="rId83"/>
+    <p:sldId id="338" r:id="rId84"/>
+    <p:sldId id="339" r:id="rId85"/>
+    <p:sldId id="340" r:id="rId86"/>
+    <p:sldId id="341" r:id="rId87"/>
+    <p:sldId id="342" r:id="rId88"/>
+    <p:sldId id="343" r:id="rId89"/>
+    <p:sldId id="344" r:id="rId90"/>
+    <p:sldId id="345" r:id="rId91"/>
+    <p:sldId id="346" r:id="rId92"/>
+    <p:sldId id="347" r:id="rId93"/>
+    <p:sldId id="348" r:id="rId94"/>
+    <p:sldId id="349" r:id="rId95"/>
+    <p:sldId id="350" r:id="rId96"/>
+    <p:sldId id="351" r:id="rId97"/>
+    <p:sldId id="352" r:id="rId98"/>
+    <p:sldId id="353" r:id="rId99"/>
+    <p:sldId id="354" r:id="rId100"/>
+    <p:sldId id="355" r:id="rId101"/>
+    <p:sldId id="356" r:id="rId102"/>
+    <p:sldId id="357" r:id="rId103"/>
+    <p:sldId id="358" r:id="rId104"/>
+    <p:sldId id="359" r:id="rId105"/>
+    <p:sldId id="360" r:id="rId106"/>
+    <p:sldId id="361" r:id="rId107"/>
+    <p:sldId id="362" r:id="rId108"/>
+    <p:sldId id="363" r:id="rId109"/>
+    <p:sldId id="364" r:id="rId110"/>
+    <p:sldId id="365" r:id="rId111"/>
+    <p:sldId id="366" r:id="rId112"/>
+    <p:sldId id="367" r:id="rId113"/>
+    <p:sldId id="368" r:id="rId114"/>
+    <p:sldId id="369" r:id="rId115"/>
   </p:sldIdLst>
   <p:sldSz cx="12192000" cy="6858000"/>
   <p:notesSz cx="6858000" cy="9144000"/>
@@ -884,7 +959,7 @@
           <a:p>
             <a:fld id="{51A48B9A-BD19-4C2A-9336-280312A26A2B}" type="datetimeFigureOut">
               <a:rPr lang="en-US" smtClean="0"/>
-              <a:t>6/15/2021</a:t>
+              <a:t>6/29/2021</a:t>
             </a:fld>
             <a:endParaRPr lang="en-US" dirty="0"/>
           </a:p>
@@ -1135,7 +1210,7 @@
           <a:p>
             <a:fld id="{51A48B9A-BD19-4C2A-9336-280312A26A2B}" type="datetimeFigureOut">
               <a:rPr lang="en-US" smtClean="0"/>
-              <a:t>6/15/2021</a:t>
+              <a:t>6/29/2021</a:t>
             </a:fld>
             <a:endParaRPr lang="en-US" dirty="0"/>
           </a:p>
@@ -1449,7 +1524,7 @@
           <a:p>
             <a:fld id="{51A48B9A-BD19-4C2A-9336-280312A26A2B}" type="datetimeFigureOut">
               <a:rPr lang="en-US" smtClean="0"/>
-              <a:t>6/15/2021</a:t>
+              <a:t>6/29/2021</a:t>
             </a:fld>
             <a:endParaRPr lang="en-US" dirty="0"/>
           </a:p>
@@ -1790,7 +1865,7 @@
           <a:p>
             <a:fld id="{51A48B9A-BD19-4C2A-9336-280312A26A2B}" type="datetimeFigureOut">
               <a:rPr lang="en-US" smtClean="0"/>
-              <a:t>6/15/2021</a:t>
+              <a:t>6/29/2021</a:t>
             </a:fld>
             <a:endParaRPr lang="en-US" dirty="0"/>
           </a:p>
@@ -2104,7 +2179,7 @@
           <a:p>
             <a:fld id="{51A48B9A-BD19-4C2A-9336-280312A26A2B}" type="datetimeFigureOut">
               <a:rPr lang="en-US" smtClean="0"/>
-              <a:t>6/15/2021</a:t>
+              <a:t>6/29/2021</a:t>
             </a:fld>
             <a:endParaRPr lang="en-US" dirty="0"/>
           </a:p>
@@ -2497,7 +2572,7 @@
           <a:p>
             <a:fld id="{51A48B9A-BD19-4C2A-9336-280312A26A2B}" type="datetimeFigureOut">
               <a:rPr lang="en-US" smtClean="0"/>
-              <a:t>6/15/2021</a:t>
+              <a:t>6/29/2021</a:t>
             </a:fld>
             <a:endParaRPr lang="en-US" dirty="0"/>
           </a:p>
@@ -2667,7 +2742,7 @@
           <a:p>
             <a:fld id="{51A48B9A-BD19-4C2A-9336-280312A26A2B}" type="datetimeFigureOut">
               <a:rPr lang="en-US" smtClean="0"/>
-              <a:t>6/15/2021</a:t>
+              <a:t>6/29/2021</a:t>
             </a:fld>
             <a:endParaRPr lang="en-US" dirty="0"/>
           </a:p>
@@ -2847,7 +2922,7 @@
           <a:p>
             <a:fld id="{51A48B9A-BD19-4C2A-9336-280312A26A2B}" type="datetimeFigureOut">
               <a:rPr lang="en-US" smtClean="0"/>
-              <a:t>6/15/2021</a:t>
+              <a:t>6/29/2021</a:t>
             </a:fld>
             <a:endParaRPr lang="en-US" dirty="0"/>
           </a:p>
@@ -3023,7 +3098,7 @@
           <a:p>
             <a:fld id="{51A48B9A-BD19-4C2A-9336-280312A26A2B}" type="datetimeFigureOut">
               <a:rPr lang="en-US" smtClean="0"/>
-              <a:t>6/15/2021</a:t>
+              <a:t>6/29/2021</a:t>
             </a:fld>
             <a:endParaRPr lang="en-US" dirty="0"/>
           </a:p>
@@ -3270,7 +3345,7 @@
           <a:p>
             <a:fld id="{51A48B9A-BD19-4C2A-9336-280312A26A2B}" type="datetimeFigureOut">
               <a:rPr lang="en-US" smtClean="0"/>
-              <a:t>6/15/2021</a:t>
+              <a:t>6/29/2021</a:t>
             </a:fld>
             <a:endParaRPr lang="en-US" dirty="0"/>
           </a:p>
@@ -3502,7 +3577,7 @@
           <a:p>
             <a:fld id="{51A48B9A-BD19-4C2A-9336-280312A26A2B}" type="datetimeFigureOut">
               <a:rPr lang="en-US" smtClean="0"/>
-              <a:t>6/15/2021</a:t>
+              <a:t>6/29/2021</a:t>
             </a:fld>
             <a:endParaRPr lang="en-US" dirty="0"/>
           </a:p>
@@ -3876,7 +3951,7 @@
           <a:p>
             <a:fld id="{51A48B9A-BD19-4C2A-9336-280312A26A2B}" type="datetimeFigureOut">
               <a:rPr lang="en-US" smtClean="0"/>
-              <a:t>6/15/2021</a:t>
+              <a:t>6/29/2021</a:t>
             </a:fld>
             <a:endParaRPr lang="en-US" dirty="0"/>
           </a:p>
@@ -3999,7 +4074,7 @@
           <a:p>
             <a:fld id="{51A48B9A-BD19-4C2A-9336-280312A26A2B}" type="datetimeFigureOut">
               <a:rPr lang="en-US" smtClean="0"/>
-              <a:t>6/15/2021</a:t>
+              <a:t>6/29/2021</a:t>
             </a:fld>
             <a:endParaRPr lang="en-US" dirty="0"/>
           </a:p>
@@ -4094,7 +4169,7 @@
           <a:p>
             <a:fld id="{51A48B9A-BD19-4C2A-9336-280312A26A2B}" type="datetimeFigureOut">
               <a:rPr lang="en-US" smtClean="0"/>
-              <a:t>6/15/2021</a:t>
+              <a:t>6/29/2021</a:t>
             </a:fld>
             <a:endParaRPr lang="en-US" dirty="0"/>
           </a:p>
@@ -4349,7 +4424,7 @@
           <a:p>
             <a:fld id="{51A48B9A-BD19-4C2A-9336-280312A26A2B}" type="datetimeFigureOut">
               <a:rPr lang="en-US" smtClean="0"/>
-              <a:t>6/15/2021</a:t>
+              <a:t>6/29/2021</a:t>
             </a:fld>
             <a:endParaRPr lang="en-US" dirty="0"/>
           </a:p>
@@ -4612,7 +4687,7 @@
           <a:p>
             <a:fld id="{51A48B9A-BD19-4C2A-9336-280312A26A2B}" type="datetimeFigureOut">
               <a:rPr lang="en-US" smtClean="0"/>
-              <a:t>6/15/2021</a:t>
+              <a:t>6/29/2021</a:t>
             </a:fld>
             <a:endParaRPr lang="en-US" dirty="0"/>
           </a:p>
@@ -5355,7 +5430,7 @@
           <a:p>
             <a:fld id="{51A48B9A-BD19-4C2A-9336-280312A26A2B}" type="datetimeFigureOut">
               <a:rPr lang="en-US" smtClean="0"/>
-              <a:t>6/15/2021</a:t>
+              <a:t>6/29/2021</a:t>
             </a:fld>
             <a:endParaRPr lang="en-US" dirty="0"/>
           </a:p>
@@ -6208,6 +6283,636 @@
 </p:sld>
 </file>
 
+<file path=ppt/slides/slide100.xml><?xml version="1.0" encoding="utf-8"?>
+<p:sld xmlns:a="http://schemas.openxmlformats.org/drawingml/2006/main" xmlns:r="http://schemas.openxmlformats.org/officeDocument/2006/relationships" xmlns:p="http://schemas.openxmlformats.org/presentationml/2006/main">
+  <p:cSld>
+    <p:spTree>
+      <p:nvGrpSpPr>
+        <p:cNvPr id="1" name=""/>
+        <p:cNvGrpSpPr/>
+        <p:nvPr/>
+      </p:nvGrpSpPr>
+      <p:grpSpPr>
+        <a:xfrm>
+          <a:off x="0" y="0"/>
+          <a:ext cx="0" cy="0"/>
+          <a:chOff x="0" y="0"/>
+          <a:chExt cx="0" cy="0"/>
+        </a:xfrm>
+      </p:grpSpPr>
+      <p:pic>
+        <p:nvPicPr>
+          <p:cNvPr id="3" name="Picture 2">
+            <a:extLst>
+              <a:ext uri="{FF2B5EF4-FFF2-40B4-BE49-F238E27FC236}">
+                <a16:creationId xmlns:a16="http://schemas.microsoft.com/office/drawing/2014/main" id="{D033997C-04C5-454C-9374-1B96306B3F21}"/>
+              </a:ext>
+            </a:extLst>
+          </p:cNvPr>
+          <p:cNvPicPr>
+            <a:picLocks noChangeAspect="1"/>
+          </p:cNvPicPr>
+          <p:nvPr/>
+        </p:nvPicPr>
+        <p:blipFill>
+          <a:blip r:embed="rId2"/>
+          <a:stretch>
+            <a:fillRect/>
+          </a:stretch>
+        </p:blipFill>
+        <p:spPr>
+          <a:xfrm>
+            <a:off x="203051" y="385763"/>
+            <a:ext cx="11855599" cy="6057899"/>
+          </a:xfrm>
+          <a:prstGeom prst="rect">
+            <a:avLst/>
+          </a:prstGeom>
+        </p:spPr>
+      </p:pic>
+    </p:spTree>
+    <p:extLst>
+      <p:ext uri="{BB962C8B-B14F-4D97-AF65-F5344CB8AC3E}">
+        <p14:creationId xmlns:p14="http://schemas.microsoft.com/office/powerpoint/2010/main" val="918735013"/>
+      </p:ext>
+    </p:extLst>
+  </p:cSld>
+  <p:clrMapOvr>
+    <a:masterClrMapping/>
+  </p:clrMapOvr>
+</p:sld>
+</file>
+
+<file path=ppt/slides/slide101.xml><?xml version="1.0" encoding="utf-8"?>
+<p:sld xmlns:a="http://schemas.openxmlformats.org/drawingml/2006/main" xmlns:r="http://schemas.openxmlformats.org/officeDocument/2006/relationships" xmlns:p="http://schemas.openxmlformats.org/presentationml/2006/main">
+  <p:cSld>
+    <p:spTree>
+      <p:nvGrpSpPr>
+        <p:cNvPr id="1" name=""/>
+        <p:cNvGrpSpPr/>
+        <p:nvPr/>
+      </p:nvGrpSpPr>
+      <p:grpSpPr>
+        <a:xfrm>
+          <a:off x="0" y="0"/>
+          <a:ext cx="0" cy="0"/>
+          <a:chOff x="0" y="0"/>
+          <a:chExt cx="0" cy="0"/>
+        </a:xfrm>
+      </p:grpSpPr>
+      <p:pic>
+        <p:nvPicPr>
+          <p:cNvPr id="3" name="Picture 2">
+            <a:extLst>
+              <a:ext uri="{FF2B5EF4-FFF2-40B4-BE49-F238E27FC236}">
+                <a16:creationId xmlns:a16="http://schemas.microsoft.com/office/drawing/2014/main" id="{B5E8576B-B684-4656-BBFC-3DF3B91802CE}"/>
+              </a:ext>
+            </a:extLst>
+          </p:cNvPr>
+          <p:cNvPicPr>
+            <a:picLocks noChangeAspect="1"/>
+          </p:cNvPicPr>
+          <p:nvPr/>
+        </p:nvPicPr>
+        <p:blipFill>
+          <a:blip r:embed="rId2"/>
+          <a:stretch>
+            <a:fillRect/>
+          </a:stretch>
+        </p:blipFill>
+        <p:spPr>
+          <a:xfrm>
+            <a:off x="-26193" y="0"/>
+            <a:ext cx="10203656" cy="6857999"/>
+          </a:xfrm>
+          <a:prstGeom prst="rect">
+            <a:avLst/>
+          </a:prstGeom>
+        </p:spPr>
+      </p:pic>
+    </p:spTree>
+    <p:extLst>
+      <p:ext uri="{BB962C8B-B14F-4D97-AF65-F5344CB8AC3E}">
+        <p14:creationId xmlns:p14="http://schemas.microsoft.com/office/powerpoint/2010/main" val="22040368"/>
+      </p:ext>
+    </p:extLst>
+  </p:cSld>
+  <p:clrMapOvr>
+    <a:masterClrMapping/>
+  </p:clrMapOvr>
+</p:sld>
+</file>
+
+<file path=ppt/slides/slide102.xml><?xml version="1.0" encoding="utf-8"?>
+<p:sld xmlns:a="http://schemas.openxmlformats.org/drawingml/2006/main" xmlns:r="http://schemas.openxmlformats.org/officeDocument/2006/relationships" xmlns:p="http://schemas.openxmlformats.org/presentationml/2006/main">
+  <p:cSld>
+    <p:spTree>
+      <p:nvGrpSpPr>
+        <p:cNvPr id="1" name=""/>
+        <p:cNvGrpSpPr/>
+        <p:nvPr/>
+      </p:nvGrpSpPr>
+      <p:grpSpPr>
+        <a:xfrm>
+          <a:off x="0" y="0"/>
+          <a:ext cx="0" cy="0"/>
+          <a:chOff x="0" y="0"/>
+          <a:chExt cx="0" cy="0"/>
+        </a:xfrm>
+      </p:grpSpPr>
+      <p:pic>
+        <p:nvPicPr>
+          <p:cNvPr id="3" name="Picture 2">
+            <a:extLst>
+              <a:ext uri="{FF2B5EF4-FFF2-40B4-BE49-F238E27FC236}">
+                <a16:creationId xmlns:a16="http://schemas.microsoft.com/office/drawing/2014/main" id="{948CF34C-3250-49EA-AEE9-5120725F7E43}"/>
+              </a:ext>
+            </a:extLst>
+          </p:cNvPr>
+          <p:cNvPicPr>
+            <a:picLocks noChangeAspect="1"/>
+          </p:cNvPicPr>
+          <p:nvPr/>
+        </p:nvPicPr>
+        <p:blipFill>
+          <a:blip r:embed="rId2"/>
+          <a:stretch>
+            <a:fillRect/>
+          </a:stretch>
+        </p:blipFill>
+        <p:spPr>
+          <a:xfrm>
+            <a:off x="271463" y="200026"/>
+            <a:ext cx="9867899" cy="6543674"/>
+          </a:xfrm>
+          <a:prstGeom prst="rect">
+            <a:avLst/>
+          </a:prstGeom>
+        </p:spPr>
+      </p:pic>
+    </p:spTree>
+    <p:extLst>
+      <p:ext uri="{BB962C8B-B14F-4D97-AF65-F5344CB8AC3E}">
+        <p14:creationId xmlns:p14="http://schemas.microsoft.com/office/powerpoint/2010/main" val="3123947181"/>
+      </p:ext>
+    </p:extLst>
+  </p:cSld>
+  <p:clrMapOvr>
+    <a:masterClrMapping/>
+  </p:clrMapOvr>
+</p:sld>
+</file>
+
+<file path=ppt/slides/slide103.xml><?xml version="1.0" encoding="utf-8"?>
+<p:sld xmlns:a="http://schemas.openxmlformats.org/drawingml/2006/main" xmlns:r="http://schemas.openxmlformats.org/officeDocument/2006/relationships" xmlns:p="http://schemas.openxmlformats.org/presentationml/2006/main">
+  <p:cSld>
+    <p:spTree>
+      <p:nvGrpSpPr>
+        <p:cNvPr id="1" name=""/>
+        <p:cNvGrpSpPr/>
+        <p:nvPr/>
+      </p:nvGrpSpPr>
+      <p:grpSpPr>
+        <a:xfrm>
+          <a:off x="0" y="0"/>
+          <a:ext cx="0" cy="0"/>
+          <a:chOff x="0" y="0"/>
+          <a:chExt cx="0" cy="0"/>
+        </a:xfrm>
+      </p:grpSpPr>
+      <p:pic>
+        <p:nvPicPr>
+          <p:cNvPr id="3" name="Picture 2">
+            <a:extLst>
+              <a:ext uri="{FF2B5EF4-FFF2-40B4-BE49-F238E27FC236}">
+                <a16:creationId xmlns:a16="http://schemas.microsoft.com/office/drawing/2014/main" id="{2D65FF87-097B-4101-AF35-B9A7268FCD7F}"/>
+              </a:ext>
+            </a:extLst>
+          </p:cNvPr>
+          <p:cNvPicPr>
+            <a:picLocks noChangeAspect="1"/>
+          </p:cNvPicPr>
+          <p:nvPr/>
+        </p:nvPicPr>
+        <p:blipFill>
+          <a:blip r:embed="rId2"/>
+          <a:stretch>
+            <a:fillRect/>
+          </a:stretch>
+        </p:blipFill>
+        <p:spPr>
+          <a:xfrm>
+            <a:off x="0" y="676275"/>
+            <a:ext cx="10248900" cy="5505450"/>
+          </a:xfrm>
+          <a:prstGeom prst="rect">
+            <a:avLst/>
+          </a:prstGeom>
+        </p:spPr>
+      </p:pic>
+    </p:spTree>
+    <p:extLst>
+      <p:ext uri="{BB962C8B-B14F-4D97-AF65-F5344CB8AC3E}">
+        <p14:creationId xmlns:p14="http://schemas.microsoft.com/office/powerpoint/2010/main" val="3652997702"/>
+      </p:ext>
+    </p:extLst>
+  </p:cSld>
+  <p:clrMapOvr>
+    <a:masterClrMapping/>
+  </p:clrMapOvr>
+</p:sld>
+</file>
+
+<file path=ppt/slides/slide104.xml><?xml version="1.0" encoding="utf-8"?>
+<p:sld xmlns:a="http://schemas.openxmlformats.org/drawingml/2006/main" xmlns:r="http://schemas.openxmlformats.org/officeDocument/2006/relationships" xmlns:p="http://schemas.openxmlformats.org/presentationml/2006/main">
+  <p:cSld>
+    <p:spTree>
+      <p:nvGrpSpPr>
+        <p:cNvPr id="1" name=""/>
+        <p:cNvGrpSpPr/>
+        <p:nvPr/>
+      </p:nvGrpSpPr>
+      <p:grpSpPr>
+        <a:xfrm>
+          <a:off x="0" y="0"/>
+          <a:ext cx="0" cy="0"/>
+          <a:chOff x="0" y="0"/>
+          <a:chExt cx="0" cy="0"/>
+        </a:xfrm>
+      </p:grpSpPr>
+      <p:pic>
+        <p:nvPicPr>
+          <p:cNvPr id="3" name="Picture 2">
+            <a:extLst>
+              <a:ext uri="{FF2B5EF4-FFF2-40B4-BE49-F238E27FC236}">
+                <a16:creationId xmlns:a16="http://schemas.microsoft.com/office/drawing/2014/main" id="{70C2D4AA-9750-4398-ABB9-583EFBF66CF6}"/>
+              </a:ext>
+            </a:extLst>
+          </p:cNvPr>
+          <p:cNvPicPr>
+            <a:picLocks noChangeAspect="1"/>
+          </p:cNvPicPr>
+          <p:nvPr/>
+        </p:nvPicPr>
+        <p:blipFill>
+          <a:blip r:embed="rId2"/>
+          <a:stretch>
+            <a:fillRect/>
+          </a:stretch>
+        </p:blipFill>
+        <p:spPr>
+          <a:xfrm>
+            <a:off x="-147638" y="-790575"/>
+            <a:ext cx="8143875" cy="2776538"/>
+          </a:xfrm>
+          <a:prstGeom prst="rect">
+            <a:avLst/>
+          </a:prstGeom>
+        </p:spPr>
+      </p:pic>
+      <p:pic>
+        <p:nvPicPr>
+          <p:cNvPr id="5" name="Picture 4">
+            <a:extLst>
+              <a:ext uri="{FF2B5EF4-FFF2-40B4-BE49-F238E27FC236}">
+                <a16:creationId xmlns:a16="http://schemas.microsoft.com/office/drawing/2014/main" id="{A9B266D0-08D2-4E06-989E-2B18F8760AA9}"/>
+              </a:ext>
+            </a:extLst>
+          </p:cNvPr>
+          <p:cNvPicPr>
+            <a:picLocks noChangeAspect="1"/>
+          </p:cNvPicPr>
+          <p:nvPr/>
+        </p:nvPicPr>
+        <p:blipFill>
+          <a:blip r:embed="rId3"/>
+          <a:stretch>
+            <a:fillRect/>
+          </a:stretch>
+        </p:blipFill>
+        <p:spPr>
+          <a:xfrm>
+            <a:off x="-61913" y="1657350"/>
+            <a:ext cx="8058150" cy="2257425"/>
+          </a:xfrm>
+          <a:prstGeom prst="rect">
+            <a:avLst/>
+          </a:prstGeom>
+        </p:spPr>
+      </p:pic>
+    </p:spTree>
+    <p:extLst>
+      <p:ext uri="{BB962C8B-B14F-4D97-AF65-F5344CB8AC3E}">
+        <p14:creationId xmlns:p14="http://schemas.microsoft.com/office/powerpoint/2010/main" val="1403205100"/>
+      </p:ext>
+    </p:extLst>
+  </p:cSld>
+  <p:clrMapOvr>
+    <a:masterClrMapping/>
+  </p:clrMapOvr>
+</p:sld>
+</file>
+
+<file path=ppt/slides/slide105.xml><?xml version="1.0" encoding="utf-8"?>
+<p:sld xmlns:a="http://schemas.openxmlformats.org/drawingml/2006/main" xmlns:r="http://schemas.openxmlformats.org/officeDocument/2006/relationships" xmlns:p="http://schemas.openxmlformats.org/presentationml/2006/main">
+  <p:cSld>
+    <p:spTree>
+      <p:nvGrpSpPr>
+        <p:cNvPr id="1" name=""/>
+        <p:cNvGrpSpPr/>
+        <p:nvPr/>
+      </p:nvGrpSpPr>
+      <p:grpSpPr>
+        <a:xfrm>
+          <a:off x="0" y="0"/>
+          <a:ext cx="0" cy="0"/>
+          <a:chOff x="0" y="0"/>
+          <a:chExt cx="0" cy="0"/>
+        </a:xfrm>
+      </p:grpSpPr>
+      <p:pic>
+        <p:nvPicPr>
+          <p:cNvPr id="3" name="Picture 2">
+            <a:extLst>
+              <a:ext uri="{FF2B5EF4-FFF2-40B4-BE49-F238E27FC236}">
+                <a16:creationId xmlns:a16="http://schemas.microsoft.com/office/drawing/2014/main" id="{E80BE6F0-83B2-4886-BD28-84A1D1C26B81}"/>
+              </a:ext>
+            </a:extLst>
+          </p:cNvPr>
+          <p:cNvPicPr>
+            <a:picLocks noChangeAspect="1"/>
+          </p:cNvPicPr>
+          <p:nvPr/>
+        </p:nvPicPr>
+        <p:blipFill>
+          <a:blip r:embed="rId2"/>
+          <a:stretch>
+            <a:fillRect/>
+          </a:stretch>
+        </p:blipFill>
+        <p:spPr>
+          <a:xfrm>
+            <a:off x="-190500" y="0"/>
+            <a:ext cx="7943850" cy="3581400"/>
+          </a:xfrm>
+          <a:prstGeom prst="rect">
+            <a:avLst/>
+          </a:prstGeom>
+        </p:spPr>
+      </p:pic>
+    </p:spTree>
+    <p:extLst>
+      <p:ext uri="{BB962C8B-B14F-4D97-AF65-F5344CB8AC3E}">
+        <p14:creationId xmlns:p14="http://schemas.microsoft.com/office/powerpoint/2010/main" val="170334393"/>
+      </p:ext>
+    </p:extLst>
+  </p:cSld>
+  <p:clrMapOvr>
+    <a:masterClrMapping/>
+  </p:clrMapOvr>
+</p:sld>
+</file>
+
+<file path=ppt/slides/slide106.xml><?xml version="1.0" encoding="utf-8"?>
+<p:sld xmlns:a="http://schemas.openxmlformats.org/drawingml/2006/main" xmlns:r="http://schemas.openxmlformats.org/officeDocument/2006/relationships" xmlns:p="http://schemas.openxmlformats.org/presentationml/2006/main">
+  <p:cSld>
+    <p:spTree>
+      <p:nvGrpSpPr>
+        <p:cNvPr id="1" name=""/>
+        <p:cNvGrpSpPr/>
+        <p:nvPr/>
+      </p:nvGrpSpPr>
+      <p:grpSpPr>
+        <a:xfrm>
+          <a:off x="0" y="0"/>
+          <a:ext cx="0" cy="0"/>
+          <a:chOff x="0" y="0"/>
+          <a:chExt cx="0" cy="0"/>
+        </a:xfrm>
+      </p:grpSpPr>
+      <p:pic>
+        <p:nvPicPr>
+          <p:cNvPr id="3" name="Picture 2">
+            <a:extLst>
+              <a:ext uri="{FF2B5EF4-FFF2-40B4-BE49-F238E27FC236}">
+                <a16:creationId xmlns:a16="http://schemas.microsoft.com/office/drawing/2014/main" id="{397232C4-0774-4AC9-9EE8-AB99EC973476}"/>
+              </a:ext>
+            </a:extLst>
+          </p:cNvPr>
+          <p:cNvPicPr>
+            <a:picLocks noChangeAspect="1"/>
+          </p:cNvPicPr>
+          <p:nvPr/>
+        </p:nvPicPr>
+        <p:blipFill>
+          <a:blip r:embed="rId2"/>
+          <a:stretch>
+            <a:fillRect/>
+          </a:stretch>
+        </p:blipFill>
+        <p:spPr>
+          <a:xfrm>
+            <a:off x="89764" y="457200"/>
+            <a:ext cx="10116274" cy="6257925"/>
+          </a:xfrm>
+          <a:prstGeom prst="rect">
+            <a:avLst/>
+          </a:prstGeom>
+        </p:spPr>
+      </p:pic>
+    </p:spTree>
+    <p:extLst>
+      <p:ext uri="{BB962C8B-B14F-4D97-AF65-F5344CB8AC3E}">
+        <p14:creationId xmlns:p14="http://schemas.microsoft.com/office/powerpoint/2010/main" val="1668615578"/>
+      </p:ext>
+    </p:extLst>
+  </p:cSld>
+  <p:clrMapOvr>
+    <a:masterClrMapping/>
+  </p:clrMapOvr>
+</p:sld>
+</file>
+
+<file path=ppt/slides/slide107.xml><?xml version="1.0" encoding="utf-8"?>
+<p:sld xmlns:a="http://schemas.openxmlformats.org/drawingml/2006/main" xmlns:r="http://schemas.openxmlformats.org/officeDocument/2006/relationships" xmlns:p="http://schemas.openxmlformats.org/presentationml/2006/main">
+  <p:cSld>
+    <p:spTree>
+      <p:nvGrpSpPr>
+        <p:cNvPr id="1" name=""/>
+        <p:cNvGrpSpPr/>
+        <p:nvPr/>
+      </p:nvGrpSpPr>
+      <p:grpSpPr>
+        <a:xfrm>
+          <a:off x="0" y="0"/>
+          <a:ext cx="0" cy="0"/>
+          <a:chOff x="0" y="0"/>
+          <a:chExt cx="0" cy="0"/>
+        </a:xfrm>
+      </p:grpSpPr>
+      <p:pic>
+        <p:nvPicPr>
+          <p:cNvPr id="3" name="Picture 2">
+            <a:extLst>
+              <a:ext uri="{FF2B5EF4-FFF2-40B4-BE49-F238E27FC236}">
+                <a16:creationId xmlns:a16="http://schemas.microsoft.com/office/drawing/2014/main" id="{5F9DCB63-6E73-4073-A9D4-0F8BA01D42DB}"/>
+              </a:ext>
+            </a:extLst>
+          </p:cNvPr>
+          <p:cNvPicPr>
+            <a:picLocks noChangeAspect="1"/>
+          </p:cNvPicPr>
+          <p:nvPr/>
+        </p:nvPicPr>
+        <p:blipFill>
+          <a:blip r:embed="rId2"/>
+          <a:stretch>
+            <a:fillRect/>
+          </a:stretch>
+        </p:blipFill>
+        <p:spPr>
+          <a:xfrm>
+            <a:off x="228600" y="97742"/>
+            <a:ext cx="9944100" cy="6431645"/>
+          </a:xfrm>
+          <a:prstGeom prst="rect">
+            <a:avLst/>
+          </a:prstGeom>
+        </p:spPr>
+      </p:pic>
+    </p:spTree>
+    <p:extLst>
+      <p:ext uri="{BB962C8B-B14F-4D97-AF65-F5344CB8AC3E}">
+        <p14:creationId xmlns:p14="http://schemas.microsoft.com/office/powerpoint/2010/main" val="2103134604"/>
+      </p:ext>
+    </p:extLst>
+  </p:cSld>
+  <p:clrMapOvr>
+    <a:masterClrMapping/>
+  </p:clrMapOvr>
+</p:sld>
+</file>
+
+<file path=ppt/slides/slide108.xml><?xml version="1.0" encoding="utf-8"?>
+<p:sld xmlns:a="http://schemas.openxmlformats.org/drawingml/2006/main" xmlns:r="http://schemas.openxmlformats.org/officeDocument/2006/relationships" xmlns:p="http://schemas.openxmlformats.org/presentationml/2006/main">
+  <p:cSld>
+    <p:spTree>
+      <p:nvGrpSpPr>
+        <p:cNvPr id="1" name=""/>
+        <p:cNvGrpSpPr/>
+        <p:nvPr/>
+      </p:nvGrpSpPr>
+      <p:grpSpPr>
+        <a:xfrm>
+          <a:off x="0" y="0"/>
+          <a:ext cx="0" cy="0"/>
+          <a:chOff x="0" y="0"/>
+          <a:chExt cx="0" cy="0"/>
+        </a:xfrm>
+      </p:grpSpPr>
+      <p:pic>
+        <p:nvPicPr>
+          <p:cNvPr id="3" name="Picture 2">
+            <a:extLst>
+              <a:ext uri="{FF2B5EF4-FFF2-40B4-BE49-F238E27FC236}">
+                <a16:creationId xmlns:a16="http://schemas.microsoft.com/office/drawing/2014/main" id="{CBD65464-D796-40B5-BB08-BD2189DA816D}"/>
+              </a:ext>
+            </a:extLst>
+          </p:cNvPr>
+          <p:cNvPicPr>
+            <a:picLocks noChangeAspect="1"/>
+          </p:cNvPicPr>
+          <p:nvPr/>
+        </p:nvPicPr>
+        <p:blipFill>
+          <a:blip r:embed="rId2"/>
+          <a:stretch>
+            <a:fillRect/>
+          </a:stretch>
+        </p:blipFill>
+        <p:spPr>
+          <a:xfrm>
+            <a:off x="500064" y="257175"/>
+            <a:ext cx="9096374" cy="5981699"/>
+          </a:xfrm>
+          <a:prstGeom prst="rect">
+            <a:avLst/>
+          </a:prstGeom>
+        </p:spPr>
+      </p:pic>
+    </p:spTree>
+    <p:extLst>
+      <p:ext uri="{BB962C8B-B14F-4D97-AF65-F5344CB8AC3E}">
+        <p14:creationId xmlns:p14="http://schemas.microsoft.com/office/powerpoint/2010/main" val="2012655098"/>
+      </p:ext>
+    </p:extLst>
+  </p:cSld>
+  <p:clrMapOvr>
+    <a:masterClrMapping/>
+  </p:clrMapOvr>
+</p:sld>
+</file>
+
+<file path=ppt/slides/slide109.xml><?xml version="1.0" encoding="utf-8"?>
+<p:sld xmlns:a="http://schemas.openxmlformats.org/drawingml/2006/main" xmlns:r="http://schemas.openxmlformats.org/officeDocument/2006/relationships" xmlns:p="http://schemas.openxmlformats.org/presentationml/2006/main">
+  <p:cSld>
+    <p:spTree>
+      <p:nvGrpSpPr>
+        <p:cNvPr id="1" name=""/>
+        <p:cNvGrpSpPr/>
+        <p:nvPr/>
+      </p:nvGrpSpPr>
+      <p:grpSpPr>
+        <a:xfrm>
+          <a:off x="0" y="0"/>
+          <a:ext cx="0" cy="0"/>
+          <a:chOff x="0" y="0"/>
+          <a:chExt cx="0" cy="0"/>
+        </a:xfrm>
+      </p:grpSpPr>
+      <p:pic>
+        <p:nvPicPr>
+          <p:cNvPr id="3" name="Picture 2">
+            <a:extLst>
+              <a:ext uri="{FF2B5EF4-FFF2-40B4-BE49-F238E27FC236}">
+                <a16:creationId xmlns:a16="http://schemas.microsoft.com/office/drawing/2014/main" id="{0F03BF92-1391-4674-91A9-A81EDE31C8D4}"/>
+              </a:ext>
+            </a:extLst>
+          </p:cNvPr>
+          <p:cNvPicPr>
+            <a:picLocks noChangeAspect="1"/>
+          </p:cNvPicPr>
+          <p:nvPr/>
+        </p:nvPicPr>
+        <p:blipFill>
+          <a:blip r:embed="rId2"/>
+          <a:stretch>
+            <a:fillRect/>
+          </a:stretch>
+        </p:blipFill>
+        <p:spPr>
+          <a:xfrm>
+            <a:off x="2052637" y="604837"/>
+            <a:ext cx="8086725" cy="5648325"/>
+          </a:xfrm>
+          <a:prstGeom prst="rect">
+            <a:avLst/>
+          </a:prstGeom>
+        </p:spPr>
+      </p:pic>
+    </p:spTree>
+    <p:extLst>
+      <p:ext uri="{BB962C8B-B14F-4D97-AF65-F5344CB8AC3E}">
+        <p14:creationId xmlns:p14="http://schemas.microsoft.com/office/powerpoint/2010/main" val="2066899272"/>
+      </p:ext>
+    </p:extLst>
+  </p:cSld>
+  <p:clrMapOvr>
+    <a:masterClrMapping/>
+  </p:clrMapOvr>
+</p:sld>
+</file>
+
 <file path=ppt/slides/slide11.xml><?xml version="1.0" encoding="utf-8"?>
 <p:sld xmlns:a="http://schemas.openxmlformats.org/drawingml/2006/main" xmlns:r="http://schemas.openxmlformats.org/officeDocument/2006/relationships" xmlns:p="http://schemas.openxmlformats.org/presentationml/2006/main">
   <p:cSld>
@@ -6425,6 +7130,396 @@
     <p:extLst>
       <p:ext uri="{BB962C8B-B14F-4D97-AF65-F5344CB8AC3E}">
         <p14:creationId xmlns:p14="http://schemas.microsoft.com/office/powerpoint/2010/main" val="1554948703"/>
+      </p:ext>
+    </p:extLst>
+  </p:cSld>
+  <p:clrMapOvr>
+    <a:masterClrMapping/>
+  </p:clrMapOvr>
+</p:sld>
+</file>
+
+<file path=ppt/slides/slide110.xml><?xml version="1.0" encoding="utf-8"?>
+<p:sld xmlns:a="http://schemas.openxmlformats.org/drawingml/2006/main" xmlns:r="http://schemas.openxmlformats.org/officeDocument/2006/relationships" xmlns:p="http://schemas.openxmlformats.org/presentationml/2006/main">
+  <p:cSld>
+    <p:spTree>
+      <p:nvGrpSpPr>
+        <p:cNvPr id="1" name=""/>
+        <p:cNvGrpSpPr/>
+        <p:nvPr/>
+      </p:nvGrpSpPr>
+      <p:grpSpPr>
+        <a:xfrm>
+          <a:off x="0" y="0"/>
+          <a:ext cx="0" cy="0"/>
+          <a:chOff x="0" y="0"/>
+          <a:chExt cx="0" cy="0"/>
+        </a:xfrm>
+      </p:grpSpPr>
+      <p:pic>
+        <p:nvPicPr>
+          <p:cNvPr id="3" name="Picture 2">
+            <a:extLst>
+              <a:ext uri="{FF2B5EF4-FFF2-40B4-BE49-F238E27FC236}">
+                <a16:creationId xmlns:a16="http://schemas.microsoft.com/office/drawing/2014/main" id="{3B9EAFBD-32D7-4224-BA3A-0C0AF087F87F}"/>
+              </a:ext>
+            </a:extLst>
+          </p:cNvPr>
+          <p:cNvPicPr>
+            <a:picLocks noChangeAspect="1"/>
+          </p:cNvPicPr>
+          <p:nvPr/>
+        </p:nvPicPr>
+        <p:blipFill>
+          <a:blip r:embed="rId2"/>
+          <a:stretch>
+            <a:fillRect/>
+          </a:stretch>
+        </p:blipFill>
+        <p:spPr>
+          <a:xfrm>
+            <a:off x="0" y="219074"/>
+            <a:ext cx="7210425" cy="1933575"/>
+          </a:xfrm>
+          <a:prstGeom prst="rect">
+            <a:avLst/>
+          </a:prstGeom>
+        </p:spPr>
+      </p:pic>
+      <p:pic>
+        <p:nvPicPr>
+          <p:cNvPr id="5" name="Picture 4">
+            <a:extLst>
+              <a:ext uri="{FF2B5EF4-FFF2-40B4-BE49-F238E27FC236}">
+                <a16:creationId xmlns:a16="http://schemas.microsoft.com/office/drawing/2014/main" id="{81A5526F-D6D9-4C78-A908-0E1EA8B8AFD5}"/>
+              </a:ext>
+            </a:extLst>
+          </p:cNvPr>
+          <p:cNvPicPr>
+            <a:picLocks noChangeAspect="1"/>
+          </p:cNvPicPr>
+          <p:nvPr/>
+        </p:nvPicPr>
+        <p:blipFill>
+          <a:blip r:embed="rId3"/>
+          <a:stretch>
+            <a:fillRect/>
+          </a:stretch>
+        </p:blipFill>
+        <p:spPr>
+          <a:xfrm>
+            <a:off x="233362" y="1876425"/>
+            <a:ext cx="8067675" cy="1552575"/>
+          </a:xfrm>
+          <a:prstGeom prst="rect">
+            <a:avLst/>
+          </a:prstGeom>
+        </p:spPr>
+      </p:pic>
+      <p:pic>
+        <p:nvPicPr>
+          <p:cNvPr id="7" name="Picture 6">
+            <a:extLst>
+              <a:ext uri="{FF2B5EF4-FFF2-40B4-BE49-F238E27FC236}">
+                <a16:creationId xmlns:a16="http://schemas.microsoft.com/office/drawing/2014/main" id="{45469B81-0A10-4BE1-9AAC-FB314B5DAC4E}"/>
+              </a:ext>
+            </a:extLst>
+          </p:cNvPr>
+          <p:cNvPicPr>
+            <a:picLocks noChangeAspect="1"/>
+          </p:cNvPicPr>
+          <p:nvPr/>
+        </p:nvPicPr>
+        <p:blipFill>
+          <a:blip r:embed="rId4"/>
+          <a:stretch>
+            <a:fillRect/>
+          </a:stretch>
+        </p:blipFill>
+        <p:spPr>
+          <a:xfrm>
+            <a:off x="338137" y="3429000"/>
+            <a:ext cx="7962900" cy="1952625"/>
+          </a:xfrm>
+          <a:prstGeom prst="rect">
+            <a:avLst/>
+          </a:prstGeom>
+        </p:spPr>
+      </p:pic>
+    </p:spTree>
+    <p:extLst>
+      <p:ext uri="{BB962C8B-B14F-4D97-AF65-F5344CB8AC3E}">
+        <p14:creationId xmlns:p14="http://schemas.microsoft.com/office/powerpoint/2010/main" val="3615462347"/>
+      </p:ext>
+    </p:extLst>
+  </p:cSld>
+  <p:clrMapOvr>
+    <a:masterClrMapping/>
+  </p:clrMapOvr>
+</p:sld>
+</file>
+
+<file path=ppt/slides/slide111.xml><?xml version="1.0" encoding="utf-8"?>
+<p:sld xmlns:a="http://schemas.openxmlformats.org/drawingml/2006/main" xmlns:r="http://schemas.openxmlformats.org/officeDocument/2006/relationships" xmlns:p="http://schemas.openxmlformats.org/presentationml/2006/main">
+  <p:cSld>
+    <p:spTree>
+      <p:nvGrpSpPr>
+        <p:cNvPr id="1" name=""/>
+        <p:cNvGrpSpPr/>
+        <p:nvPr/>
+      </p:nvGrpSpPr>
+      <p:grpSpPr>
+        <a:xfrm>
+          <a:off x="0" y="0"/>
+          <a:ext cx="0" cy="0"/>
+          <a:chOff x="0" y="0"/>
+          <a:chExt cx="0" cy="0"/>
+        </a:xfrm>
+      </p:grpSpPr>
+      <p:pic>
+        <p:nvPicPr>
+          <p:cNvPr id="3" name="Picture 2">
+            <a:extLst>
+              <a:ext uri="{FF2B5EF4-FFF2-40B4-BE49-F238E27FC236}">
+                <a16:creationId xmlns:a16="http://schemas.microsoft.com/office/drawing/2014/main" id="{00FA85EC-AAFF-4912-BA93-9B571145BA8A}"/>
+              </a:ext>
+            </a:extLst>
+          </p:cNvPr>
+          <p:cNvPicPr>
+            <a:picLocks noChangeAspect="1"/>
+          </p:cNvPicPr>
+          <p:nvPr/>
+        </p:nvPicPr>
+        <p:blipFill>
+          <a:blip r:embed="rId2"/>
+          <a:stretch>
+            <a:fillRect/>
+          </a:stretch>
+        </p:blipFill>
+        <p:spPr>
+          <a:xfrm>
+            <a:off x="142875" y="0"/>
+            <a:ext cx="7877175" cy="3619500"/>
+          </a:xfrm>
+          <a:prstGeom prst="rect">
+            <a:avLst/>
+          </a:prstGeom>
+        </p:spPr>
+      </p:pic>
+      <p:pic>
+        <p:nvPicPr>
+          <p:cNvPr id="5" name="Picture 4">
+            <a:extLst>
+              <a:ext uri="{FF2B5EF4-FFF2-40B4-BE49-F238E27FC236}">
+                <a16:creationId xmlns:a16="http://schemas.microsoft.com/office/drawing/2014/main" id="{12BE33B3-A50F-40B3-BE25-CBF3D8684E69}"/>
+              </a:ext>
+            </a:extLst>
+          </p:cNvPr>
+          <p:cNvPicPr>
+            <a:picLocks noChangeAspect="1"/>
+          </p:cNvPicPr>
+          <p:nvPr/>
+        </p:nvPicPr>
+        <p:blipFill>
+          <a:blip r:embed="rId3"/>
+          <a:stretch>
+            <a:fillRect/>
+          </a:stretch>
+        </p:blipFill>
+        <p:spPr>
+          <a:xfrm>
+            <a:off x="0" y="2786063"/>
+            <a:ext cx="8086725" cy="5133975"/>
+          </a:xfrm>
+          <a:prstGeom prst="rect">
+            <a:avLst/>
+          </a:prstGeom>
+        </p:spPr>
+      </p:pic>
+    </p:spTree>
+    <p:extLst>
+      <p:ext uri="{BB962C8B-B14F-4D97-AF65-F5344CB8AC3E}">
+        <p14:creationId xmlns:p14="http://schemas.microsoft.com/office/powerpoint/2010/main" val="3374347765"/>
+      </p:ext>
+    </p:extLst>
+  </p:cSld>
+  <p:clrMapOvr>
+    <a:masterClrMapping/>
+  </p:clrMapOvr>
+</p:sld>
+</file>
+
+<file path=ppt/slides/slide112.xml><?xml version="1.0" encoding="utf-8"?>
+<p:sld xmlns:a="http://schemas.openxmlformats.org/drawingml/2006/main" xmlns:r="http://schemas.openxmlformats.org/officeDocument/2006/relationships" xmlns:p="http://schemas.openxmlformats.org/presentationml/2006/main">
+  <p:cSld>
+    <p:spTree>
+      <p:nvGrpSpPr>
+        <p:cNvPr id="1" name=""/>
+        <p:cNvGrpSpPr/>
+        <p:nvPr/>
+      </p:nvGrpSpPr>
+      <p:grpSpPr>
+        <a:xfrm>
+          <a:off x="0" y="0"/>
+          <a:ext cx="0" cy="0"/>
+          <a:chOff x="0" y="0"/>
+          <a:chExt cx="0" cy="0"/>
+        </a:xfrm>
+      </p:grpSpPr>
+      <p:pic>
+        <p:nvPicPr>
+          <p:cNvPr id="3" name="Picture 2">
+            <a:extLst>
+              <a:ext uri="{FF2B5EF4-FFF2-40B4-BE49-F238E27FC236}">
+                <a16:creationId xmlns:a16="http://schemas.microsoft.com/office/drawing/2014/main" id="{345BDC07-7ED1-4DC3-A6BB-42B03D4A1A15}"/>
+              </a:ext>
+            </a:extLst>
+          </p:cNvPr>
+          <p:cNvPicPr>
+            <a:picLocks noChangeAspect="1"/>
+          </p:cNvPicPr>
+          <p:nvPr/>
+        </p:nvPicPr>
+        <p:blipFill>
+          <a:blip r:embed="rId2"/>
+          <a:stretch>
+            <a:fillRect/>
+          </a:stretch>
+        </p:blipFill>
+        <p:spPr>
+          <a:xfrm>
+            <a:off x="285751" y="400050"/>
+            <a:ext cx="9777412" cy="6457949"/>
+          </a:xfrm>
+          <a:prstGeom prst="rect">
+            <a:avLst/>
+          </a:prstGeom>
+        </p:spPr>
+      </p:pic>
+    </p:spTree>
+    <p:extLst>
+      <p:ext uri="{BB962C8B-B14F-4D97-AF65-F5344CB8AC3E}">
+        <p14:creationId xmlns:p14="http://schemas.microsoft.com/office/powerpoint/2010/main" val="3888703357"/>
+      </p:ext>
+    </p:extLst>
+  </p:cSld>
+  <p:clrMapOvr>
+    <a:masterClrMapping/>
+  </p:clrMapOvr>
+</p:sld>
+</file>
+
+<file path=ppt/slides/slide113.xml><?xml version="1.0" encoding="utf-8"?>
+<p:sld xmlns:a="http://schemas.openxmlformats.org/drawingml/2006/main" xmlns:r="http://schemas.openxmlformats.org/officeDocument/2006/relationships" xmlns:p="http://schemas.openxmlformats.org/presentationml/2006/main">
+  <p:cSld>
+    <p:spTree>
+      <p:nvGrpSpPr>
+        <p:cNvPr id="1" name=""/>
+        <p:cNvGrpSpPr/>
+        <p:nvPr/>
+      </p:nvGrpSpPr>
+      <p:grpSpPr>
+        <a:xfrm>
+          <a:off x="0" y="0"/>
+          <a:ext cx="0" cy="0"/>
+          <a:chOff x="0" y="0"/>
+          <a:chExt cx="0" cy="0"/>
+        </a:xfrm>
+      </p:grpSpPr>
+      <p:pic>
+        <p:nvPicPr>
+          <p:cNvPr id="3" name="Picture 2">
+            <a:extLst>
+              <a:ext uri="{FF2B5EF4-FFF2-40B4-BE49-F238E27FC236}">
+                <a16:creationId xmlns:a16="http://schemas.microsoft.com/office/drawing/2014/main" id="{5035EF5C-A1F0-41CE-A6CF-BF91801CE56D}"/>
+              </a:ext>
+            </a:extLst>
+          </p:cNvPr>
+          <p:cNvPicPr>
+            <a:picLocks noChangeAspect="1"/>
+          </p:cNvPicPr>
+          <p:nvPr/>
+        </p:nvPicPr>
+        <p:blipFill>
+          <a:blip r:embed="rId2"/>
+          <a:stretch>
+            <a:fillRect/>
+          </a:stretch>
+        </p:blipFill>
+        <p:spPr>
+          <a:xfrm>
+            <a:off x="171451" y="847725"/>
+            <a:ext cx="10177462" cy="5810250"/>
+          </a:xfrm>
+          <a:prstGeom prst="rect">
+            <a:avLst/>
+          </a:prstGeom>
+        </p:spPr>
+      </p:pic>
+    </p:spTree>
+    <p:extLst>
+      <p:ext uri="{BB962C8B-B14F-4D97-AF65-F5344CB8AC3E}">
+        <p14:creationId xmlns:p14="http://schemas.microsoft.com/office/powerpoint/2010/main" val="2210060599"/>
+      </p:ext>
+    </p:extLst>
+  </p:cSld>
+  <p:clrMapOvr>
+    <a:masterClrMapping/>
+  </p:clrMapOvr>
+</p:sld>
+</file>
+
+<file path=ppt/slides/slide114.xml><?xml version="1.0" encoding="utf-8"?>
+<p:sld xmlns:a="http://schemas.openxmlformats.org/drawingml/2006/main" xmlns:r="http://schemas.openxmlformats.org/officeDocument/2006/relationships" xmlns:p="http://schemas.openxmlformats.org/presentationml/2006/main">
+  <p:cSld>
+    <p:spTree>
+      <p:nvGrpSpPr>
+        <p:cNvPr id="1" name=""/>
+        <p:cNvGrpSpPr/>
+        <p:nvPr/>
+      </p:nvGrpSpPr>
+      <p:grpSpPr>
+        <a:xfrm>
+          <a:off x="0" y="0"/>
+          <a:ext cx="0" cy="0"/>
+          <a:chOff x="0" y="0"/>
+          <a:chExt cx="0" cy="0"/>
+        </a:xfrm>
+      </p:grpSpPr>
+      <p:pic>
+        <p:nvPicPr>
+          <p:cNvPr id="3" name="Picture 2">
+            <a:extLst>
+              <a:ext uri="{FF2B5EF4-FFF2-40B4-BE49-F238E27FC236}">
+                <a16:creationId xmlns:a16="http://schemas.microsoft.com/office/drawing/2014/main" id="{DC3DFCF6-E747-42E7-8320-C9C9F5D6D850}"/>
+              </a:ext>
+            </a:extLst>
+          </p:cNvPr>
+          <p:cNvPicPr>
+            <a:picLocks noChangeAspect="1"/>
+          </p:cNvPicPr>
+          <p:nvPr/>
+        </p:nvPicPr>
+        <p:blipFill>
+          <a:blip r:embed="rId2"/>
+          <a:stretch>
+            <a:fillRect/>
+          </a:stretch>
+        </p:blipFill>
+        <p:spPr>
+          <a:xfrm>
+            <a:off x="-357903" y="0"/>
+            <a:ext cx="10840165" cy="6000750"/>
+          </a:xfrm>
+          <a:prstGeom prst="rect">
+            <a:avLst/>
+          </a:prstGeom>
+        </p:spPr>
+      </p:pic>
+    </p:spTree>
+    <p:extLst>
+      <p:ext uri="{BB962C8B-B14F-4D97-AF65-F5344CB8AC3E}">
+        <p14:creationId xmlns:p14="http://schemas.microsoft.com/office/powerpoint/2010/main" val="3031656943"/>
       </p:ext>
     </p:extLst>
   </p:cSld>
@@ -10769,6 +11864,306 @@
 </p:sld>
 </file>
 
+<file path=ppt/slides/slide40.xml><?xml version="1.0" encoding="utf-8"?>
+<p:sld xmlns:a="http://schemas.openxmlformats.org/drawingml/2006/main" xmlns:r="http://schemas.openxmlformats.org/officeDocument/2006/relationships" xmlns:p="http://schemas.openxmlformats.org/presentationml/2006/main">
+  <p:cSld>
+    <p:spTree>
+      <p:nvGrpSpPr>
+        <p:cNvPr id="1" name=""/>
+        <p:cNvGrpSpPr/>
+        <p:nvPr/>
+      </p:nvGrpSpPr>
+      <p:grpSpPr>
+        <a:xfrm>
+          <a:off x="0" y="0"/>
+          <a:ext cx="0" cy="0"/>
+          <a:chOff x="0" y="0"/>
+          <a:chExt cx="0" cy="0"/>
+        </a:xfrm>
+      </p:grpSpPr>
+    </p:spTree>
+    <p:extLst>
+      <p:ext uri="{BB962C8B-B14F-4D97-AF65-F5344CB8AC3E}">
+        <p14:creationId xmlns:p14="http://schemas.microsoft.com/office/powerpoint/2010/main" val="2844329578"/>
+      </p:ext>
+    </p:extLst>
+  </p:cSld>
+  <p:clrMapOvr>
+    <a:masterClrMapping/>
+  </p:clrMapOvr>
+</p:sld>
+</file>
+
+<file path=ppt/slides/slide41.xml><?xml version="1.0" encoding="utf-8"?>
+<p:sld xmlns:a="http://schemas.openxmlformats.org/drawingml/2006/main" xmlns:r="http://schemas.openxmlformats.org/officeDocument/2006/relationships" xmlns:p="http://schemas.openxmlformats.org/presentationml/2006/main">
+  <p:cSld>
+    <p:spTree>
+      <p:nvGrpSpPr>
+        <p:cNvPr id="1" name=""/>
+        <p:cNvGrpSpPr/>
+        <p:nvPr/>
+      </p:nvGrpSpPr>
+      <p:grpSpPr>
+        <a:xfrm>
+          <a:off x="0" y="0"/>
+          <a:ext cx="0" cy="0"/>
+          <a:chOff x="0" y="0"/>
+          <a:chExt cx="0" cy="0"/>
+        </a:xfrm>
+      </p:grpSpPr>
+    </p:spTree>
+    <p:extLst>
+      <p:ext uri="{BB962C8B-B14F-4D97-AF65-F5344CB8AC3E}">
+        <p14:creationId xmlns:p14="http://schemas.microsoft.com/office/powerpoint/2010/main" val="1210811377"/>
+      </p:ext>
+    </p:extLst>
+  </p:cSld>
+  <p:clrMapOvr>
+    <a:masterClrMapping/>
+  </p:clrMapOvr>
+</p:sld>
+</file>
+
+<file path=ppt/slides/slide42.xml><?xml version="1.0" encoding="utf-8"?>
+<p:sld xmlns:a="http://schemas.openxmlformats.org/drawingml/2006/main" xmlns:r="http://schemas.openxmlformats.org/officeDocument/2006/relationships" xmlns:p="http://schemas.openxmlformats.org/presentationml/2006/main">
+  <p:cSld>
+    <p:spTree>
+      <p:nvGrpSpPr>
+        <p:cNvPr id="1" name=""/>
+        <p:cNvGrpSpPr/>
+        <p:nvPr/>
+      </p:nvGrpSpPr>
+      <p:grpSpPr>
+        <a:xfrm>
+          <a:off x="0" y="0"/>
+          <a:ext cx="0" cy="0"/>
+          <a:chOff x="0" y="0"/>
+          <a:chExt cx="0" cy="0"/>
+        </a:xfrm>
+      </p:grpSpPr>
+    </p:spTree>
+    <p:extLst>
+      <p:ext uri="{BB962C8B-B14F-4D97-AF65-F5344CB8AC3E}">
+        <p14:creationId xmlns:p14="http://schemas.microsoft.com/office/powerpoint/2010/main" val="3761808361"/>
+      </p:ext>
+    </p:extLst>
+  </p:cSld>
+  <p:clrMapOvr>
+    <a:masterClrMapping/>
+  </p:clrMapOvr>
+</p:sld>
+</file>
+
+<file path=ppt/slides/slide43.xml><?xml version="1.0" encoding="utf-8"?>
+<p:sld xmlns:a="http://schemas.openxmlformats.org/drawingml/2006/main" xmlns:r="http://schemas.openxmlformats.org/officeDocument/2006/relationships" xmlns:p="http://schemas.openxmlformats.org/presentationml/2006/main">
+  <p:cSld>
+    <p:spTree>
+      <p:nvGrpSpPr>
+        <p:cNvPr id="1" name=""/>
+        <p:cNvGrpSpPr/>
+        <p:nvPr/>
+      </p:nvGrpSpPr>
+      <p:grpSpPr>
+        <a:xfrm>
+          <a:off x="0" y="0"/>
+          <a:ext cx="0" cy="0"/>
+          <a:chOff x="0" y="0"/>
+          <a:chExt cx="0" cy="0"/>
+        </a:xfrm>
+      </p:grpSpPr>
+    </p:spTree>
+    <p:extLst>
+      <p:ext uri="{BB962C8B-B14F-4D97-AF65-F5344CB8AC3E}">
+        <p14:creationId xmlns:p14="http://schemas.microsoft.com/office/powerpoint/2010/main" val="621120449"/>
+      </p:ext>
+    </p:extLst>
+  </p:cSld>
+  <p:clrMapOvr>
+    <a:masterClrMapping/>
+  </p:clrMapOvr>
+</p:sld>
+</file>
+
+<file path=ppt/slides/slide44.xml><?xml version="1.0" encoding="utf-8"?>
+<p:sld xmlns:a="http://schemas.openxmlformats.org/drawingml/2006/main" xmlns:r="http://schemas.openxmlformats.org/officeDocument/2006/relationships" xmlns:p="http://schemas.openxmlformats.org/presentationml/2006/main">
+  <p:cSld>
+    <p:spTree>
+      <p:nvGrpSpPr>
+        <p:cNvPr id="1" name=""/>
+        <p:cNvGrpSpPr/>
+        <p:nvPr/>
+      </p:nvGrpSpPr>
+      <p:grpSpPr>
+        <a:xfrm>
+          <a:off x="0" y="0"/>
+          <a:ext cx="0" cy="0"/>
+          <a:chOff x="0" y="0"/>
+          <a:chExt cx="0" cy="0"/>
+        </a:xfrm>
+      </p:grpSpPr>
+    </p:spTree>
+    <p:extLst>
+      <p:ext uri="{BB962C8B-B14F-4D97-AF65-F5344CB8AC3E}">
+        <p14:creationId xmlns:p14="http://schemas.microsoft.com/office/powerpoint/2010/main" val="2475235475"/>
+      </p:ext>
+    </p:extLst>
+  </p:cSld>
+  <p:clrMapOvr>
+    <a:masterClrMapping/>
+  </p:clrMapOvr>
+</p:sld>
+</file>
+
+<file path=ppt/slides/slide45.xml><?xml version="1.0" encoding="utf-8"?>
+<p:sld xmlns:a="http://schemas.openxmlformats.org/drawingml/2006/main" xmlns:r="http://schemas.openxmlformats.org/officeDocument/2006/relationships" xmlns:p="http://schemas.openxmlformats.org/presentationml/2006/main">
+  <p:cSld>
+    <p:spTree>
+      <p:nvGrpSpPr>
+        <p:cNvPr id="1" name=""/>
+        <p:cNvGrpSpPr/>
+        <p:nvPr/>
+      </p:nvGrpSpPr>
+      <p:grpSpPr>
+        <a:xfrm>
+          <a:off x="0" y="0"/>
+          <a:ext cx="0" cy="0"/>
+          <a:chOff x="0" y="0"/>
+          <a:chExt cx="0" cy="0"/>
+        </a:xfrm>
+      </p:grpSpPr>
+    </p:spTree>
+    <p:extLst>
+      <p:ext uri="{BB962C8B-B14F-4D97-AF65-F5344CB8AC3E}">
+        <p14:creationId xmlns:p14="http://schemas.microsoft.com/office/powerpoint/2010/main" val="2530222878"/>
+      </p:ext>
+    </p:extLst>
+  </p:cSld>
+  <p:clrMapOvr>
+    <a:masterClrMapping/>
+  </p:clrMapOvr>
+</p:sld>
+</file>
+
+<file path=ppt/slides/slide46.xml><?xml version="1.0" encoding="utf-8"?>
+<p:sld xmlns:a="http://schemas.openxmlformats.org/drawingml/2006/main" xmlns:r="http://schemas.openxmlformats.org/officeDocument/2006/relationships" xmlns:p="http://schemas.openxmlformats.org/presentationml/2006/main">
+  <p:cSld>
+    <p:spTree>
+      <p:nvGrpSpPr>
+        <p:cNvPr id="1" name=""/>
+        <p:cNvGrpSpPr/>
+        <p:nvPr/>
+      </p:nvGrpSpPr>
+      <p:grpSpPr>
+        <a:xfrm>
+          <a:off x="0" y="0"/>
+          <a:ext cx="0" cy="0"/>
+          <a:chOff x="0" y="0"/>
+          <a:chExt cx="0" cy="0"/>
+        </a:xfrm>
+      </p:grpSpPr>
+    </p:spTree>
+    <p:extLst>
+      <p:ext uri="{BB962C8B-B14F-4D97-AF65-F5344CB8AC3E}">
+        <p14:creationId xmlns:p14="http://schemas.microsoft.com/office/powerpoint/2010/main" val="155575268"/>
+      </p:ext>
+    </p:extLst>
+  </p:cSld>
+  <p:clrMapOvr>
+    <a:masterClrMapping/>
+  </p:clrMapOvr>
+</p:sld>
+</file>
+
+<file path=ppt/slides/slide47.xml><?xml version="1.0" encoding="utf-8"?>
+<p:sld xmlns:a="http://schemas.openxmlformats.org/drawingml/2006/main" xmlns:r="http://schemas.openxmlformats.org/officeDocument/2006/relationships" xmlns:p="http://schemas.openxmlformats.org/presentationml/2006/main">
+  <p:cSld>
+    <p:spTree>
+      <p:nvGrpSpPr>
+        <p:cNvPr id="1" name=""/>
+        <p:cNvGrpSpPr/>
+        <p:nvPr/>
+      </p:nvGrpSpPr>
+      <p:grpSpPr>
+        <a:xfrm>
+          <a:off x="0" y="0"/>
+          <a:ext cx="0" cy="0"/>
+          <a:chOff x="0" y="0"/>
+          <a:chExt cx="0" cy="0"/>
+        </a:xfrm>
+      </p:grpSpPr>
+    </p:spTree>
+    <p:extLst>
+      <p:ext uri="{BB962C8B-B14F-4D97-AF65-F5344CB8AC3E}">
+        <p14:creationId xmlns:p14="http://schemas.microsoft.com/office/powerpoint/2010/main" val="1117555715"/>
+      </p:ext>
+    </p:extLst>
+  </p:cSld>
+  <p:clrMapOvr>
+    <a:masterClrMapping/>
+  </p:clrMapOvr>
+</p:sld>
+</file>
+
+<file path=ppt/slides/slide48.xml><?xml version="1.0" encoding="utf-8"?>
+<p:sld xmlns:a="http://schemas.openxmlformats.org/drawingml/2006/main" xmlns:r="http://schemas.openxmlformats.org/officeDocument/2006/relationships" xmlns:p="http://schemas.openxmlformats.org/presentationml/2006/main">
+  <p:cSld>
+    <p:spTree>
+      <p:nvGrpSpPr>
+        <p:cNvPr id="1" name=""/>
+        <p:cNvGrpSpPr/>
+        <p:nvPr/>
+      </p:nvGrpSpPr>
+      <p:grpSpPr>
+        <a:xfrm>
+          <a:off x="0" y="0"/>
+          <a:ext cx="0" cy="0"/>
+          <a:chOff x="0" y="0"/>
+          <a:chExt cx="0" cy="0"/>
+        </a:xfrm>
+      </p:grpSpPr>
+    </p:spTree>
+    <p:extLst>
+      <p:ext uri="{BB962C8B-B14F-4D97-AF65-F5344CB8AC3E}">
+        <p14:creationId xmlns:p14="http://schemas.microsoft.com/office/powerpoint/2010/main" val="754996091"/>
+      </p:ext>
+    </p:extLst>
+  </p:cSld>
+  <p:clrMapOvr>
+    <a:masterClrMapping/>
+  </p:clrMapOvr>
+</p:sld>
+</file>
+
+<file path=ppt/slides/slide49.xml><?xml version="1.0" encoding="utf-8"?>
+<p:sld xmlns:a="http://schemas.openxmlformats.org/drawingml/2006/main" xmlns:r="http://schemas.openxmlformats.org/officeDocument/2006/relationships" xmlns:p="http://schemas.openxmlformats.org/presentationml/2006/main">
+  <p:cSld>
+    <p:spTree>
+      <p:nvGrpSpPr>
+        <p:cNvPr id="1" name=""/>
+        <p:cNvGrpSpPr/>
+        <p:nvPr/>
+      </p:nvGrpSpPr>
+      <p:grpSpPr>
+        <a:xfrm>
+          <a:off x="0" y="0"/>
+          <a:ext cx="0" cy="0"/>
+          <a:chOff x="0" y="0"/>
+          <a:chExt cx="0" cy="0"/>
+        </a:xfrm>
+      </p:grpSpPr>
+    </p:spTree>
+    <p:extLst>
+      <p:ext uri="{BB962C8B-B14F-4D97-AF65-F5344CB8AC3E}">
+        <p14:creationId xmlns:p14="http://schemas.microsoft.com/office/powerpoint/2010/main" val="4250456614"/>
+      </p:ext>
+    </p:extLst>
+  </p:cSld>
+  <p:clrMapOvr>
+    <a:masterClrMapping/>
+  </p:clrMapOvr>
+</p:sld>
+</file>
+
 <file path=ppt/slides/slide5.xml><?xml version="1.0" encoding="utf-8"?>
 <p:sld xmlns:a="http://schemas.openxmlformats.org/drawingml/2006/main" xmlns:r="http://schemas.openxmlformats.org/officeDocument/2006/relationships" xmlns:p="http://schemas.openxmlformats.org/presentationml/2006/main">
   <p:cSld>
@@ -10985,6 +12380,306 @@
     <p:extLst>
       <p:ext uri="{BB962C8B-B14F-4D97-AF65-F5344CB8AC3E}">
         <p14:creationId xmlns:p14="http://schemas.microsoft.com/office/powerpoint/2010/main" val="641587773"/>
+      </p:ext>
+    </p:extLst>
+  </p:cSld>
+  <p:clrMapOvr>
+    <a:masterClrMapping/>
+  </p:clrMapOvr>
+</p:sld>
+</file>
+
+<file path=ppt/slides/slide50.xml><?xml version="1.0" encoding="utf-8"?>
+<p:sld xmlns:a="http://schemas.openxmlformats.org/drawingml/2006/main" xmlns:r="http://schemas.openxmlformats.org/officeDocument/2006/relationships" xmlns:p="http://schemas.openxmlformats.org/presentationml/2006/main">
+  <p:cSld>
+    <p:spTree>
+      <p:nvGrpSpPr>
+        <p:cNvPr id="1" name=""/>
+        <p:cNvGrpSpPr/>
+        <p:nvPr/>
+      </p:nvGrpSpPr>
+      <p:grpSpPr>
+        <a:xfrm>
+          <a:off x="0" y="0"/>
+          <a:ext cx="0" cy="0"/>
+          <a:chOff x="0" y="0"/>
+          <a:chExt cx="0" cy="0"/>
+        </a:xfrm>
+      </p:grpSpPr>
+    </p:spTree>
+    <p:extLst>
+      <p:ext uri="{BB962C8B-B14F-4D97-AF65-F5344CB8AC3E}">
+        <p14:creationId xmlns:p14="http://schemas.microsoft.com/office/powerpoint/2010/main" val="934980572"/>
+      </p:ext>
+    </p:extLst>
+  </p:cSld>
+  <p:clrMapOvr>
+    <a:masterClrMapping/>
+  </p:clrMapOvr>
+</p:sld>
+</file>
+
+<file path=ppt/slides/slide51.xml><?xml version="1.0" encoding="utf-8"?>
+<p:sld xmlns:a="http://schemas.openxmlformats.org/drawingml/2006/main" xmlns:r="http://schemas.openxmlformats.org/officeDocument/2006/relationships" xmlns:p="http://schemas.openxmlformats.org/presentationml/2006/main">
+  <p:cSld>
+    <p:spTree>
+      <p:nvGrpSpPr>
+        <p:cNvPr id="1" name=""/>
+        <p:cNvGrpSpPr/>
+        <p:nvPr/>
+      </p:nvGrpSpPr>
+      <p:grpSpPr>
+        <a:xfrm>
+          <a:off x="0" y="0"/>
+          <a:ext cx="0" cy="0"/>
+          <a:chOff x="0" y="0"/>
+          <a:chExt cx="0" cy="0"/>
+        </a:xfrm>
+      </p:grpSpPr>
+    </p:spTree>
+    <p:extLst>
+      <p:ext uri="{BB962C8B-B14F-4D97-AF65-F5344CB8AC3E}">
+        <p14:creationId xmlns:p14="http://schemas.microsoft.com/office/powerpoint/2010/main" val="1361959738"/>
+      </p:ext>
+    </p:extLst>
+  </p:cSld>
+  <p:clrMapOvr>
+    <a:masterClrMapping/>
+  </p:clrMapOvr>
+</p:sld>
+</file>
+
+<file path=ppt/slides/slide52.xml><?xml version="1.0" encoding="utf-8"?>
+<p:sld xmlns:a="http://schemas.openxmlformats.org/drawingml/2006/main" xmlns:r="http://schemas.openxmlformats.org/officeDocument/2006/relationships" xmlns:p="http://schemas.openxmlformats.org/presentationml/2006/main">
+  <p:cSld>
+    <p:spTree>
+      <p:nvGrpSpPr>
+        <p:cNvPr id="1" name=""/>
+        <p:cNvGrpSpPr/>
+        <p:nvPr/>
+      </p:nvGrpSpPr>
+      <p:grpSpPr>
+        <a:xfrm>
+          <a:off x="0" y="0"/>
+          <a:ext cx="0" cy="0"/>
+          <a:chOff x="0" y="0"/>
+          <a:chExt cx="0" cy="0"/>
+        </a:xfrm>
+      </p:grpSpPr>
+    </p:spTree>
+    <p:extLst>
+      <p:ext uri="{BB962C8B-B14F-4D97-AF65-F5344CB8AC3E}">
+        <p14:creationId xmlns:p14="http://schemas.microsoft.com/office/powerpoint/2010/main" val="3828955209"/>
+      </p:ext>
+    </p:extLst>
+  </p:cSld>
+  <p:clrMapOvr>
+    <a:masterClrMapping/>
+  </p:clrMapOvr>
+</p:sld>
+</file>
+
+<file path=ppt/slides/slide53.xml><?xml version="1.0" encoding="utf-8"?>
+<p:sld xmlns:a="http://schemas.openxmlformats.org/drawingml/2006/main" xmlns:r="http://schemas.openxmlformats.org/officeDocument/2006/relationships" xmlns:p="http://schemas.openxmlformats.org/presentationml/2006/main">
+  <p:cSld>
+    <p:spTree>
+      <p:nvGrpSpPr>
+        <p:cNvPr id="1" name=""/>
+        <p:cNvGrpSpPr/>
+        <p:nvPr/>
+      </p:nvGrpSpPr>
+      <p:grpSpPr>
+        <a:xfrm>
+          <a:off x="0" y="0"/>
+          <a:ext cx="0" cy="0"/>
+          <a:chOff x="0" y="0"/>
+          <a:chExt cx="0" cy="0"/>
+        </a:xfrm>
+      </p:grpSpPr>
+    </p:spTree>
+    <p:extLst>
+      <p:ext uri="{BB962C8B-B14F-4D97-AF65-F5344CB8AC3E}">
+        <p14:creationId xmlns:p14="http://schemas.microsoft.com/office/powerpoint/2010/main" val="3888373478"/>
+      </p:ext>
+    </p:extLst>
+  </p:cSld>
+  <p:clrMapOvr>
+    <a:masterClrMapping/>
+  </p:clrMapOvr>
+</p:sld>
+</file>
+
+<file path=ppt/slides/slide54.xml><?xml version="1.0" encoding="utf-8"?>
+<p:sld xmlns:a="http://schemas.openxmlformats.org/drawingml/2006/main" xmlns:r="http://schemas.openxmlformats.org/officeDocument/2006/relationships" xmlns:p="http://schemas.openxmlformats.org/presentationml/2006/main">
+  <p:cSld>
+    <p:spTree>
+      <p:nvGrpSpPr>
+        <p:cNvPr id="1" name=""/>
+        <p:cNvGrpSpPr/>
+        <p:nvPr/>
+      </p:nvGrpSpPr>
+      <p:grpSpPr>
+        <a:xfrm>
+          <a:off x="0" y="0"/>
+          <a:ext cx="0" cy="0"/>
+          <a:chOff x="0" y="0"/>
+          <a:chExt cx="0" cy="0"/>
+        </a:xfrm>
+      </p:grpSpPr>
+    </p:spTree>
+    <p:extLst>
+      <p:ext uri="{BB962C8B-B14F-4D97-AF65-F5344CB8AC3E}">
+        <p14:creationId xmlns:p14="http://schemas.microsoft.com/office/powerpoint/2010/main" val="3222155959"/>
+      </p:ext>
+    </p:extLst>
+  </p:cSld>
+  <p:clrMapOvr>
+    <a:masterClrMapping/>
+  </p:clrMapOvr>
+</p:sld>
+</file>
+
+<file path=ppt/slides/slide55.xml><?xml version="1.0" encoding="utf-8"?>
+<p:sld xmlns:a="http://schemas.openxmlformats.org/drawingml/2006/main" xmlns:r="http://schemas.openxmlformats.org/officeDocument/2006/relationships" xmlns:p="http://schemas.openxmlformats.org/presentationml/2006/main">
+  <p:cSld>
+    <p:spTree>
+      <p:nvGrpSpPr>
+        <p:cNvPr id="1" name=""/>
+        <p:cNvGrpSpPr/>
+        <p:nvPr/>
+      </p:nvGrpSpPr>
+      <p:grpSpPr>
+        <a:xfrm>
+          <a:off x="0" y="0"/>
+          <a:ext cx="0" cy="0"/>
+          <a:chOff x="0" y="0"/>
+          <a:chExt cx="0" cy="0"/>
+        </a:xfrm>
+      </p:grpSpPr>
+    </p:spTree>
+    <p:extLst>
+      <p:ext uri="{BB962C8B-B14F-4D97-AF65-F5344CB8AC3E}">
+        <p14:creationId xmlns:p14="http://schemas.microsoft.com/office/powerpoint/2010/main" val="3891495333"/>
+      </p:ext>
+    </p:extLst>
+  </p:cSld>
+  <p:clrMapOvr>
+    <a:masterClrMapping/>
+  </p:clrMapOvr>
+</p:sld>
+</file>
+
+<file path=ppt/slides/slide56.xml><?xml version="1.0" encoding="utf-8"?>
+<p:sld xmlns:a="http://schemas.openxmlformats.org/drawingml/2006/main" xmlns:r="http://schemas.openxmlformats.org/officeDocument/2006/relationships" xmlns:p="http://schemas.openxmlformats.org/presentationml/2006/main">
+  <p:cSld>
+    <p:spTree>
+      <p:nvGrpSpPr>
+        <p:cNvPr id="1" name=""/>
+        <p:cNvGrpSpPr/>
+        <p:nvPr/>
+      </p:nvGrpSpPr>
+      <p:grpSpPr>
+        <a:xfrm>
+          <a:off x="0" y="0"/>
+          <a:ext cx="0" cy="0"/>
+          <a:chOff x="0" y="0"/>
+          <a:chExt cx="0" cy="0"/>
+        </a:xfrm>
+      </p:grpSpPr>
+    </p:spTree>
+    <p:extLst>
+      <p:ext uri="{BB962C8B-B14F-4D97-AF65-F5344CB8AC3E}">
+        <p14:creationId xmlns:p14="http://schemas.microsoft.com/office/powerpoint/2010/main" val="528855958"/>
+      </p:ext>
+    </p:extLst>
+  </p:cSld>
+  <p:clrMapOvr>
+    <a:masterClrMapping/>
+  </p:clrMapOvr>
+</p:sld>
+</file>
+
+<file path=ppt/slides/slide57.xml><?xml version="1.0" encoding="utf-8"?>
+<p:sld xmlns:a="http://schemas.openxmlformats.org/drawingml/2006/main" xmlns:r="http://schemas.openxmlformats.org/officeDocument/2006/relationships" xmlns:p="http://schemas.openxmlformats.org/presentationml/2006/main">
+  <p:cSld>
+    <p:spTree>
+      <p:nvGrpSpPr>
+        <p:cNvPr id="1" name=""/>
+        <p:cNvGrpSpPr/>
+        <p:nvPr/>
+      </p:nvGrpSpPr>
+      <p:grpSpPr>
+        <a:xfrm>
+          <a:off x="0" y="0"/>
+          <a:ext cx="0" cy="0"/>
+          <a:chOff x="0" y="0"/>
+          <a:chExt cx="0" cy="0"/>
+        </a:xfrm>
+      </p:grpSpPr>
+    </p:spTree>
+    <p:extLst>
+      <p:ext uri="{BB962C8B-B14F-4D97-AF65-F5344CB8AC3E}">
+        <p14:creationId xmlns:p14="http://schemas.microsoft.com/office/powerpoint/2010/main" val="53572680"/>
+      </p:ext>
+    </p:extLst>
+  </p:cSld>
+  <p:clrMapOvr>
+    <a:masterClrMapping/>
+  </p:clrMapOvr>
+</p:sld>
+</file>
+
+<file path=ppt/slides/slide58.xml><?xml version="1.0" encoding="utf-8"?>
+<p:sld xmlns:a="http://schemas.openxmlformats.org/drawingml/2006/main" xmlns:r="http://schemas.openxmlformats.org/officeDocument/2006/relationships" xmlns:p="http://schemas.openxmlformats.org/presentationml/2006/main">
+  <p:cSld>
+    <p:spTree>
+      <p:nvGrpSpPr>
+        <p:cNvPr id="1" name=""/>
+        <p:cNvGrpSpPr/>
+        <p:nvPr/>
+      </p:nvGrpSpPr>
+      <p:grpSpPr>
+        <a:xfrm>
+          <a:off x="0" y="0"/>
+          <a:ext cx="0" cy="0"/>
+          <a:chOff x="0" y="0"/>
+          <a:chExt cx="0" cy="0"/>
+        </a:xfrm>
+      </p:grpSpPr>
+    </p:spTree>
+    <p:extLst>
+      <p:ext uri="{BB962C8B-B14F-4D97-AF65-F5344CB8AC3E}">
+        <p14:creationId xmlns:p14="http://schemas.microsoft.com/office/powerpoint/2010/main" val="154053664"/>
+      </p:ext>
+    </p:extLst>
+  </p:cSld>
+  <p:clrMapOvr>
+    <a:masterClrMapping/>
+  </p:clrMapOvr>
+</p:sld>
+</file>
+
+<file path=ppt/slides/slide59.xml><?xml version="1.0" encoding="utf-8"?>
+<p:sld xmlns:a="http://schemas.openxmlformats.org/drawingml/2006/main" xmlns:r="http://schemas.openxmlformats.org/officeDocument/2006/relationships" xmlns:p="http://schemas.openxmlformats.org/presentationml/2006/main">
+  <p:cSld>
+    <p:spTree>
+      <p:nvGrpSpPr>
+        <p:cNvPr id="1" name=""/>
+        <p:cNvGrpSpPr/>
+        <p:nvPr/>
+      </p:nvGrpSpPr>
+      <p:grpSpPr>
+        <a:xfrm>
+          <a:off x="0" y="0"/>
+          <a:ext cx="0" cy="0"/>
+          <a:chOff x="0" y="0"/>
+          <a:chExt cx="0" cy="0"/>
+        </a:xfrm>
+      </p:grpSpPr>
+    </p:spTree>
+    <p:extLst>
+      <p:ext uri="{BB962C8B-B14F-4D97-AF65-F5344CB8AC3E}">
+        <p14:creationId xmlns:p14="http://schemas.microsoft.com/office/powerpoint/2010/main" val="3934776014"/>
       </p:ext>
     </p:extLst>
   </p:cSld>
@@ -11155,6 +12850,814 @@
 </p:sld>
 </file>
 
+<file path=ppt/slides/slide60.xml><?xml version="1.0" encoding="utf-8"?>
+<p:sld xmlns:a="http://schemas.openxmlformats.org/drawingml/2006/main" xmlns:r="http://schemas.openxmlformats.org/officeDocument/2006/relationships" xmlns:p="http://schemas.openxmlformats.org/presentationml/2006/main">
+  <p:cSld>
+    <p:spTree>
+      <p:nvGrpSpPr>
+        <p:cNvPr id="1" name=""/>
+        <p:cNvGrpSpPr/>
+        <p:nvPr/>
+      </p:nvGrpSpPr>
+      <p:grpSpPr>
+        <a:xfrm>
+          <a:off x="0" y="0"/>
+          <a:ext cx="0" cy="0"/>
+          <a:chOff x="0" y="0"/>
+          <a:chExt cx="0" cy="0"/>
+        </a:xfrm>
+      </p:grpSpPr>
+      <p:sp>
+        <p:nvSpPr>
+          <p:cNvPr id="2" name="TextBox 1">
+            <a:extLst>
+              <a:ext uri="{FF2B5EF4-FFF2-40B4-BE49-F238E27FC236}">
+                <a16:creationId xmlns:a16="http://schemas.microsoft.com/office/drawing/2014/main" id="{A840EE56-B24E-4A04-BBEE-A7286079F31F}"/>
+              </a:ext>
+            </a:extLst>
+          </p:cNvPr>
+          <p:cNvSpPr txBox="1"/>
+          <p:nvPr/>
+        </p:nvSpPr>
+        <p:spPr>
+          <a:xfrm>
+            <a:off x="0" y="-232228"/>
+            <a:ext cx="12192000" cy="7571303"/>
+          </a:xfrm>
+          <a:prstGeom prst="rect">
+            <a:avLst/>
+          </a:prstGeom>
+          <a:noFill/>
+        </p:spPr>
+        <p:txBody>
+          <a:bodyPr wrap="square" rtlCol="0">
+            <a:spAutoFit/>
+          </a:bodyPr>
+          <a:lstStyle/>
+          <a:p>
+            <a:r>
+              <a:rPr lang="en-US" dirty="0" err="1"/>
+              <a:t>Javascript</a:t>
+            </a:r>
+            <a:r>
+              <a:rPr lang="en-US" dirty="0"/>
+              <a:t> </a:t>
+            </a:r>
+          </a:p>
+          <a:p>
+            <a:endParaRPr lang="en-US" dirty="0"/>
+          </a:p>
+          <a:p>
+            <a:r>
+              <a:rPr lang="en-US" dirty="0" err="1"/>
+              <a:t>Javascript</a:t>
+            </a:r>
+            <a:r>
+              <a:rPr lang="en-US" dirty="0"/>
+              <a:t> was invented by Brendan </a:t>
+            </a:r>
+            <a:r>
+              <a:rPr lang="en-US" dirty="0" err="1"/>
+              <a:t>eich</a:t>
+            </a:r>
+            <a:r>
+              <a:rPr lang="en-US" dirty="0"/>
+              <a:t> at Netscape (with navigator 2.0) and has </a:t>
+            </a:r>
+            <a:r>
+              <a:rPr lang="en-US" dirty="0" err="1"/>
+              <a:t>appered</a:t>
+            </a:r>
+            <a:r>
+              <a:rPr lang="en-US" dirty="0"/>
+              <a:t> in all browsers</a:t>
+            </a:r>
+          </a:p>
+          <a:p>
+            <a:r>
+              <a:rPr lang="en-US" dirty="0"/>
+              <a:t>Since 1996.</a:t>
+            </a:r>
+          </a:p>
+          <a:p>
+            <a:r>
+              <a:rPr lang="en-US" dirty="0" err="1"/>
+              <a:t>Javascript</a:t>
+            </a:r>
+            <a:r>
+              <a:rPr lang="en-US" dirty="0"/>
+              <a:t> is from Netscape</a:t>
+            </a:r>
+          </a:p>
+          <a:p>
+            <a:r>
+              <a:rPr lang="en-US" dirty="0" err="1"/>
+              <a:t>Javascript</a:t>
+            </a:r>
+            <a:r>
+              <a:rPr lang="en-US" dirty="0"/>
+              <a:t> initially it was called as a live script.</a:t>
+            </a:r>
+          </a:p>
+          <a:p>
+            <a:r>
+              <a:rPr lang="en-US" dirty="0" err="1"/>
+              <a:t>Javascript</a:t>
+            </a:r>
+            <a:r>
+              <a:rPr lang="en-US" dirty="0"/>
+              <a:t> is a light </a:t>
+            </a:r>
+            <a:r>
+              <a:rPr lang="en-US" dirty="0" err="1"/>
+              <a:t>weight,interpreted</a:t>
+            </a:r>
+            <a:r>
+              <a:rPr lang="en-US" dirty="0"/>
+              <a:t> programming language that allows you to build interactivity into otherwise static html pages.</a:t>
+            </a:r>
+          </a:p>
+          <a:p>
+            <a:r>
+              <a:rPr lang="en-US" dirty="0" err="1"/>
+              <a:t>Javascript</a:t>
+            </a:r>
+            <a:r>
+              <a:rPr lang="en-US" dirty="0"/>
+              <a:t> is used in billions of the web pages to add </a:t>
+            </a:r>
+            <a:r>
+              <a:rPr lang="en-US" dirty="0" err="1"/>
+              <a:t>functionality,validate</a:t>
+            </a:r>
+            <a:r>
+              <a:rPr lang="en-US" dirty="0"/>
+              <a:t> the forms communicate with the server and much more.</a:t>
+            </a:r>
+          </a:p>
+          <a:p>
+            <a:r>
+              <a:rPr lang="en-US" dirty="0" err="1"/>
+              <a:t>Javascript</a:t>
+            </a:r>
+            <a:r>
+              <a:rPr lang="en-US" dirty="0"/>
+              <a:t> is the most popular scripting language on the internet and works in all the major browsers, such as internet explorer, </a:t>
+            </a:r>
+            <a:r>
+              <a:rPr lang="en-US" dirty="0" err="1"/>
+              <a:t>firefox,chrome,opera</a:t>
+            </a:r>
+            <a:r>
+              <a:rPr lang="en-US" dirty="0"/>
+              <a:t> and safari</a:t>
+            </a:r>
+          </a:p>
+          <a:p>
+            <a:endParaRPr lang="en-US" dirty="0"/>
+          </a:p>
+          <a:p>
+            <a:r>
+              <a:rPr lang="en-US" b="1" dirty="0"/>
+              <a:t>What should already know</a:t>
+            </a:r>
+          </a:p>
+          <a:p>
+            <a:endParaRPr lang="en-US" b="1" dirty="0"/>
+          </a:p>
+          <a:p>
+            <a:r>
+              <a:rPr lang="en-US" dirty="0"/>
+              <a:t>Before you continue you should have a basic understanding of the following </a:t>
+            </a:r>
+          </a:p>
+          <a:p>
+            <a:r>
+              <a:rPr lang="en-US" dirty="0"/>
+              <a:t> </a:t>
+            </a:r>
+          </a:p>
+          <a:p>
+            <a:r>
+              <a:rPr lang="en-US" dirty="0"/>
+              <a:t> HTML and CSS</a:t>
+            </a:r>
+          </a:p>
+          <a:p>
+            <a:endParaRPr lang="en-US" dirty="0"/>
+          </a:p>
+          <a:p>
+            <a:r>
+              <a:rPr lang="en-US" b="1" dirty="0"/>
+              <a:t>What is the </a:t>
+            </a:r>
+            <a:r>
+              <a:rPr lang="en-US" b="1" dirty="0" err="1"/>
+              <a:t>javascript</a:t>
+            </a:r>
+            <a:r>
+              <a:rPr lang="en-US" b="1" dirty="0"/>
+              <a:t> ?</a:t>
+            </a:r>
+          </a:p>
+          <a:p>
+            <a:endParaRPr lang="en-US" b="1" dirty="0"/>
+          </a:p>
+          <a:p>
+            <a:r>
+              <a:rPr lang="en-US" dirty="0" err="1"/>
+              <a:t>Javascript</a:t>
+            </a:r>
+            <a:r>
+              <a:rPr lang="en-US" dirty="0"/>
+              <a:t> was </a:t>
+            </a:r>
+            <a:r>
+              <a:rPr lang="en-US" dirty="0" err="1"/>
+              <a:t>degisined</a:t>
+            </a:r>
+            <a:r>
+              <a:rPr lang="en-US" dirty="0"/>
+              <a:t> to add interactivity to html pages </a:t>
+            </a:r>
+          </a:p>
+          <a:p>
+            <a:r>
+              <a:rPr lang="en-US" dirty="0" err="1"/>
+              <a:t>Javascript</a:t>
+            </a:r>
+            <a:r>
+              <a:rPr lang="en-US" dirty="0"/>
+              <a:t> is a scripting language</a:t>
+            </a:r>
+          </a:p>
+          <a:p>
+            <a:r>
+              <a:rPr lang="en-US" dirty="0"/>
+              <a:t>A Scripting language is a light wight programming language</a:t>
+            </a:r>
+          </a:p>
+          <a:p>
+            <a:r>
+              <a:rPr lang="en-US" dirty="0" err="1"/>
+              <a:t>Javascript</a:t>
+            </a:r>
+            <a:r>
+              <a:rPr lang="en-US" dirty="0"/>
+              <a:t> is usually embedded directly into html pages</a:t>
+            </a:r>
+          </a:p>
+          <a:p>
+            <a:endParaRPr lang="en-US" dirty="0"/>
+          </a:p>
+          <a:p>
+            <a:endParaRPr lang="en-US" dirty="0"/>
+          </a:p>
+        </p:txBody>
+      </p:sp>
+    </p:spTree>
+    <p:extLst>
+      <p:ext uri="{BB962C8B-B14F-4D97-AF65-F5344CB8AC3E}">
+        <p14:creationId xmlns:p14="http://schemas.microsoft.com/office/powerpoint/2010/main" val="851414936"/>
+      </p:ext>
+    </p:extLst>
+  </p:cSld>
+  <p:clrMapOvr>
+    <a:masterClrMapping/>
+  </p:clrMapOvr>
+</p:sld>
+</file>
+
+<file path=ppt/slides/slide61.xml><?xml version="1.0" encoding="utf-8"?>
+<p:sld xmlns:a="http://schemas.openxmlformats.org/drawingml/2006/main" xmlns:r="http://schemas.openxmlformats.org/officeDocument/2006/relationships" xmlns:p="http://schemas.openxmlformats.org/presentationml/2006/main">
+  <p:cSld>
+    <p:spTree>
+      <p:nvGrpSpPr>
+        <p:cNvPr id="1" name=""/>
+        <p:cNvGrpSpPr/>
+        <p:nvPr/>
+      </p:nvGrpSpPr>
+      <p:grpSpPr>
+        <a:xfrm>
+          <a:off x="0" y="0"/>
+          <a:ext cx="0" cy="0"/>
+          <a:chOff x="0" y="0"/>
+          <a:chExt cx="0" cy="0"/>
+        </a:xfrm>
+      </p:grpSpPr>
+      <p:sp>
+        <p:nvSpPr>
+          <p:cNvPr id="2" name="TextBox 1">
+            <a:extLst>
+              <a:ext uri="{FF2B5EF4-FFF2-40B4-BE49-F238E27FC236}">
+                <a16:creationId xmlns:a16="http://schemas.microsoft.com/office/drawing/2014/main" id="{6A405727-0639-4E1F-98C1-DCF0AE1B9A15}"/>
+              </a:ext>
+            </a:extLst>
+          </p:cNvPr>
+          <p:cNvSpPr txBox="1"/>
+          <p:nvPr/>
+        </p:nvSpPr>
+        <p:spPr>
+          <a:xfrm>
+            <a:off x="0" y="0"/>
+            <a:ext cx="12192000" cy="6740307"/>
+          </a:xfrm>
+          <a:prstGeom prst="rect">
+            <a:avLst/>
+          </a:prstGeom>
+          <a:noFill/>
+        </p:spPr>
+        <p:txBody>
+          <a:bodyPr wrap="square" rtlCol="0">
+            <a:spAutoFit/>
+          </a:bodyPr>
+          <a:lstStyle/>
+          <a:p>
+            <a:r>
+              <a:rPr lang="en-US" dirty="0" err="1"/>
+              <a:t>Javascript</a:t>
+            </a:r>
+            <a:r>
+              <a:rPr lang="en-US" dirty="0"/>
+              <a:t> is an interpreted language(means that scripts execute without preliminary compilation)</a:t>
+            </a:r>
+          </a:p>
+          <a:p>
+            <a:r>
+              <a:rPr lang="en-US" dirty="0"/>
+              <a:t>Every one can use </a:t>
+            </a:r>
+            <a:r>
+              <a:rPr lang="en-US" dirty="0" err="1"/>
+              <a:t>javascript</a:t>
+            </a:r>
+            <a:r>
+              <a:rPr lang="en-US" dirty="0"/>
+              <a:t> without purchasing the license</a:t>
+            </a:r>
+          </a:p>
+          <a:p>
+            <a:endParaRPr lang="en-US" dirty="0"/>
+          </a:p>
+          <a:p>
+            <a:r>
+              <a:rPr lang="en-US" b="1" dirty="0"/>
+              <a:t>Are java and </a:t>
+            </a:r>
+            <a:r>
+              <a:rPr lang="en-US" b="1" dirty="0" err="1"/>
+              <a:t>javascript</a:t>
+            </a:r>
+            <a:r>
+              <a:rPr lang="en-US" b="1" dirty="0"/>
+              <a:t> the same </a:t>
+            </a:r>
+          </a:p>
+          <a:p>
+            <a:endParaRPr lang="en-US" dirty="0"/>
+          </a:p>
+          <a:p>
+            <a:r>
+              <a:rPr lang="en-US" dirty="0"/>
+              <a:t>No !</a:t>
+            </a:r>
+          </a:p>
+          <a:p>
+            <a:endParaRPr lang="en-US" dirty="0"/>
+          </a:p>
+          <a:p>
+            <a:r>
+              <a:rPr lang="en-US" dirty="0"/>
+              <a:t>Java and </a:t>
+            </a:r>
+            <a:r>
+              <a:rPr lang="en-US" dirty="0" err="1"/>
+              <a:t>Javascipt</a:t>
+            </a:r>
+            <a:r>
+              <a:rPr lang="en-US" dirty="0"/>
+              <a:t> are two completely different languages in both concept and design!</a:t>
+            </a:r>
+          </a:p>
+          <a:p>
+            <a:endParaRPr lang="en-US" dirty="0"/>
+          </a:p>
+          <a:p>
+            <a:endParaRPr lang="en-US" dirty="0"/>
+          </a:p>
+          <a:p>
+            <a:r>
+              <a:rPr lang="en-US" b="1" dirty="0"/>
+              <a:t>What can </a:t>
+            </a:r>
+            <a:r>
+              <a:rPr lang="en-US" b="1" dirty="0" err="1"/>
+              <a:t>javascript</a:t>
+            </a:r>
+            <a:r>
+              <a:rPr lang="en-US" b="1" dirty="0"/>
+              <a:t> Do ?</a:t>
+            </a:r>
+          </a:p>
+          <a:p>
+            <a:endParaRPr lang="en-US" b="1" dirty="0"/>
+          </a:p>
+          <a:p>
+            <a:r>
+              <a:rPr lang="en-US" b="1" dirty="0" err="1"/>
+              <a:t>Javascript</a:t>
+            </a:r>
+            <a:r>
+              <a:rPr lang="en-US" b="1" dirty="0"/>
+              <a:t> gives html </a:t>
+            </a:r>
+            <a:r>
+              <a:rPr lang="en-US" b="1" dirty="0" err="1"/>
+              <a:t>degiser</a:t>
+            </a:r>
+            <a:r>
+              <a:rPr lang="en-US" b="1" dirty="0"/>
+              <a:t> a programming tool </a:t>
+            </a:r>
+            <a:r>
+              <a:rPr lang="en-US" dirty="0"/>
+              <a:t>– Html authors are normally not programmers , but </a:t>
+            </a:r>
+            <a:r>
+              <a:rPr lang="en-US" dirty="0" err="1"/>
+              <a:t>javascript</a:t>
+            </a:r>
+            <a:r>
+              <a:rPr lang="en-US" dirty="0"/>
+              <a:t> is a scripting language with a very simple syntax! Almost any can put small “snippets” of code into their HTML pages.</a:t>
+            </a:r>
+          </a:p>
+          <a:p>
+            <a:endParaRPr lang="en-US" dirty="0"/>
+          </a:p>
+          <a:p>
+            <a:r>
+              <a:rPr lang="en-US" b="1" dirty="0" err="1"/>
+              <a:t>Javascript</a:t>
+            </a:r>
+            <a:r>
+              <a:rPr lang="en-US" b="1" dirty="0"/>
+              <a:t> can react to events : </a:t>
+            </a:r>
+            <a:r>
+              <a:rPr lang="en-US" dirty="0"/>
+              <a:t>A </a:t>
+            </a:r>
+            <a:r>
+              <a:rPr lang="en-US" dirty="0" err="1"/>
+              <a:t>javascript</a:t>
+            </a:r>
+            <a:r>
+              <a:rPr lang="en-US" dirty="0"/>
+              <a:t> can be set to execute when something happens, like when a page has finished loading or when a user click on the html elements</a:t>
+            </a:r>
+          </a:p>
+          <a:p>
+            <a:endParaRPr lang="en-US" dirty="0"/>
+          </a:p>
+          <a:p>
+            <a:r>
+              <a:rPr lang="en-US" b="1" dirty="0" err="1"/>
+              <a:t>Javasript</a:t>
+            </a:r>
+            <a:r>
+              <a:rPr lang="en-US" b="1" dirty="0"/>
+              <a:t> can read and write html elements – A </a:t>
+            </a:r>
+            <a:r>
+              <a:rPr lang="en-US" b="1" dirty="0" err="1"/>
+              <a:t>javascript</a:t>
+            </a:r>
+            <a:r>
+              <a:rPr lang="en-US" b="1" dirty="0"/>
+              <a:t> can read and change the content of the html element</a:t>
+            </a:r>
+          </a:p>
+          <a:p>
+            <a:r>
+              <a:rPr lang="en-US" b="1" dirty="0" err="1"/>
+              <a:t>Javascript</a:t>
+            </a:r>
+            <a:r>
+              <a:rPr lang="en-US" b="1" dirty="0"/>
+              <a:t> can used to </a:t>
+            </a:r>
+            <a:r>
+              <a:rPr lang="en-US" b="1"/>
+              <a:t>validate form </a:t>
+            </a:r>
+            <a:r>
+              <a:rPr lang="en-US" b="1" dirty="0"/>
+              <a:t>data – A </a:t>
+            </a:r>
+            <a:r>
+              <a:rPr lang="en-US" b="1" dirty="0" err="1"/>
+              <a:t>Javascript</a:t>
+            </a:r>
+            <a:r>
+              <a:rPr lang="en-US" b="1" dirty="0"/>
+              <a:t> can used to validate before it is used to submitted to server. This saves the server from extra processing.                                           </a:t>
+            </a:r>
+          </a:p>
+          <a:p>
+            <a:endParaRPr lang="en-US" b="1" dirty="0"/>
+          </a:p>
+          <a:p>
+            <a:endParaRPr lang="en-US" b="1" dirty="0"/>
+          </a:p>
+          <a:p>
+            <a:endParaRPr lang="en-US" b="1" dirty="0"/>
+          </a:p>
+        </p:txBody>
+      </p:sp>
+    </p:spTree>
+    <p:extLst>
+      <p:ext uri="{BB962C8B-B14F-4D97-AF65-F5344CB8AC3E}">
+        <p14:creationId xmlns:p14="http://schemas.microsoft.com/office/powerpoint/2010/main" val="66756792"/>
+      </p:ext>
+    </p:extLst>
+  </p:cSld>
+  <p:clrMapOvr>
+    <a:masterClrMapping/>
+  </p:clrMapOvr>
+</p:sld>
+</file>
+
+<file path=ppt/slides/slide62.xml><?xml version="1.0" encoding="utf-8"?>
+<p:sld xmlns:a="http://schemas.openxmlformats.org/drawingml/2006/main" xmlns:r="http://schemas.openxmlformats.org/officeDocument/2006/relationships" xmlns:p="http://schemas.openxmlformats.org/presentationml/2006/main">
+  <p:cSld>
+    <p:spTree>
+      <p:nvGrpSpPr>
+        <p:cNvPr id="1" name=""/>
+        <p:cNvGrpSpPr/>
+        <p:nvPr/>
+      </p:nvGrpSpPr>
+      <p:grpSpPr>
+        <a:xfrm>
+          <a:off x="0" y="0"/>
+          <a:ext cx="0" cy="0"/>
+          <a:chOff x="0" y="0"/>
+          <a:chExt cx="0" cy="0"/>
+        </a:xfrm>
+      </p:grpSpPr>
+      <p:pic>
+        <p:nvPicPr>
+          <p:cNvPr id="4" name="Picture 3">
+            <a:extLst>
+              <a:ext uri="{FF2B5EF4-FFF2-40B4-BE49-F238E27FC236}">
+                <a16:creationId xmlns:a16="http://schemas.microsoft.com/office/drawing/2014/main" id="{0ADD07FA-5BC4-4D7B-B6CF-4EC2EE8D5191}"/>
+              </a:ext>
+            </a:extLst>
+          </p:cNvPr>
+          <p:cNvPicPr>
+            <a:picLocks noChangeAspect="1"/>
+          </p:cNvPicPr>
+          <p:nvPr/>
+        </p:nvPicPr>
+        <p:blipFill>
+          <a:blip r:embed="rId2"/>
+          <a:stretch>
+            <a:fillRect/>
+          </a:stretch>
+        </p:blipFill>
+        <p:spPr>
+          <a:xfrm>
+            <a:off x="276224" y="126319"/>
+            <a:ext cx="11756119" cy="6836811"/>
+          </a:xfrm>
+          <a:prstGeom prst="rect">
+            <a:avLst/>
+          </a:prstGeom>
+        </p:spPr>
+      </p:pic>
+    </p:spTree>
+    <p:extLst>
+      <p:ext uri="{BB962C8B-B14F-4D97-AF65-F5344CB8AC3E}">
+        <p14:creationId xmlns:p14="http://schemas.microsoft.com/office/powerpoint/2010/main" val="514414294"/>
+      </p:ext>
+    </p:extLst>
+  </p:cSld>
+  <p:clrMapOvr>
+    <a:masterClrMapping/>
+  </p:clrMapOvr>
+</p:sld>
+</file>
+
+<file path=ppt/slides/slide63.xml><?xml version="1.0" encoding="utf-8"?>
+<p:sld xmlns:a="http://schemas.openxmlformats.org/drawingml/2006/main" xmlns:r="http://schemas.openxmlformats.org/officeDocument/2006/relationships" xmlns:p="http://schemas.openxmlformats.org/presentationml/2006/main">
+  <p:cSld>
+    <p:spTree>
+      <p:nvGrpSpPr>
+        <p:cNvPr id="1" name=""/>
+        <p:cNvGrpSpPr/>
+        <p:nvPr/>
+      </p:nvGrpSpPr>
+      <p:grpSpPr>
+        <a:xfrm>
+          <a:off x="0" y="0"/>
+          <a:ext cx="0" cy="0"/>
+          <a:chOff x="0" y="0"/>
+          <a:chExt cx="0" cy="0"/>
+        </a:xfrm>
+      </p:grpSpPr>
+    </p:spTree>
+    <p:extLst>
+      <p:ext uri="{BB962C8B-B14F-4D97-AF65-F5344CB8AC3E}">
+        <p14:creationId xmlns:p14="http://schemas.microsoft.com/office/powerpoint/2010/main" val="3245407206"/>
+      </p:ext>
+    </p:extLst>
+  </p:cSld>
+  <p:clrMapOvr>
+    <a:masterClrMapping/>
+  </p:clrMapOvr>
+</p:sld>
+</file>
+
+<file path=ppt/slides/slide64.xml><?xml version="1.0" encoding="utf-8"?>
+<p:sld xmlns:a="http://schemas.openxmlformats.org/drawingml/2006/main" xmlns:r="http://schemas.openxmlformats.org/officeDocument/2006/relationships" xmlns:p="http://schemas.openxmlformats.org/presentationml/2006/main">
+  <p:cSld>
+    <p:spTree>
+      <p:nvGrpSpPr>
+        <p:cNvPr id="1" name=""/>
+        <p:cNvGrpSpPr/>
+        <p:nvPr/>
+      </p:nvGrpSpPr>
+      <p:grpSpPr>
+        <a:xfrm>
+          <a:off x="0" y="0"/>
+          <a:ext cx="0" cy="0"/>
+          <a:chOff x="0" y="0"/>
+          <a:chExt cx="0" cy="0"/>
+        </a:xfrm>
+      </p:grpSpPr>
+    </p:spTree>
+    <p:extLst>
+      <p:ext uri="{BB962C8B-B14F-4D97-AF65-F5344CB8AC3E}">
+        <p14:creationId xmlns:p14="http://schemas.microsoft.com/office/powerpoint/2010/main" val="1411035177"/>
+      </p:ext>
+    </p:extLst>
+  </p:cSld>
+  <p:clrMapOvr>
+    <a:masterClrMapping/>
+  </p:clrMapOvr>
+</p:sld>
+</file>
+
+<file path=ppt/slides/slide65.xml><?xml version="1.0" encoding="utf-8"?>
+<p:sld xmlns:a="http://schemas.openxmlformats.org/drawingml/2006/main" xmlns:r="http://schemas.openxmlformats.org/officeDocument/2006/relationships" xmlns:p="http://schemas.openxmlformats.org/presentationml/2006/main">
+  <p:cSld>
+    <p:spTree>
+      <p:nvGrpSpPr>
+        <p:cNvPr id="1" name=""/>
+        <p:cNvGrpSpPr/>
+        <p:nvPr/>
+      </p:nvGrpSpPr>
+      <p:grpSpPr>
+        <a:xfrm>
+          <a:off x="0" y="0"/>
+          <a:ext cx="0" cy="0"/>
+          <a:chOff x="0" y="0"/>
+          <a:chExt cx="0" cy="0"/>
+        </a:xfrm>
+      </p:grpSpPr>
+    </p:spTree>
+    <p:extLst>
+      <p:ext uri="{BB962C8B-B14F-4D97-AF65-F5344CB8AC3E}">
+        <p14:creationId xmlns:p14="http://schemas.microsoft.com/office/powerpoint/2010/main" val="2611504492"/>
+      </p:ext>
+    </p:extLst>
+  </p:cSld>
+  <p:clrMapOvr>
+    <a:masterClrMapping/>
+  </p:clrMapOvr>
+</p:sld>
+</file>
+
+<file path=ppt/slides/slide66.xml><?xml version="1.0" encoding="utf-8"?>
+<p:sld xmlns:a="http://schemas.openxmlformats.org/drawingml/2006/main" xmlns:r="http://schemas.openxmlformats.org/officeDocument/2006/relationships" xmlns:p="http://schemas.openxmlformats.org/presentationml/2006/main">
+  <p:cSld>
+    <p:spTree>
+      <p:nvGrpSpPr>
+        <p:cNvPr id="1" name=""/>
+        <p:cNvGrpSpPr/>
+        <p:nvPr/>
+      </p:nvGrpSpPr>
+      <p:grpSpPr>
+        <a:xfrm>
+          <a:off x="0" y="0"/>
+          <a:ext cx="0" cy="0"/>
+          <a:chOff x="0" y="0"/>
+          <a:chExt cx="0" cy="0"/>
+        </a:xfrm>
+      </p:grpSpPr>
+    </p:spTree>
+    <p:extLst>
+      <p:ext uri="{BB962C8B-B14F-4D97-AF65-F5344CB8AC3E}">
+        <p14:creationId xmlns:p14="http://schemas.microsoft.com/office/powerpoint/2010/main" val="432236282"/>
+      </p:ext>
+    </p:extLst>
+  </p:cSld>
+  <p:clrMapOvr>
+    <a:masterClrMapping/>
+  </p:clrMapOvr>
+</p:sld>
+</file>
+
+<file path=ppt/slides/slide67.xml><?xml version="1.0" encoding="utf-8"?>
+<p:sld xmlns:a="http://schemas.openxmlformats.org/drawingml/2006/main" xmlns:r="http://schemas.openxmlformats.org/officeDocument/2006/relationships" xmlns:p="http://schemas.openxmlformats.org/presentationml/2006/main">
+  <p:cSld>
+    <p:spTree>
+      <p:nvGrpSpPr>
+        <p:cNvPr id="1" name=""/>
+        <p:cNvGrpSpPr/>
+        <p:nvPr/>
+      </p:nvGrpSpPr>
+      <p:grpSpPr>
+        <a:xfrm>
+          <a:off x="0" y="0"/>
+          <a:ext cx="0" cy="0"/>
+          <a:chOff x="0" y="0"/>
+          <a:chExt cx="0" cy="0"/>
+        </a:xfrm>
+      </p:grpSpPr>
+    </p:spTree>
+    <p:extLst>
+      <p:ext uri="{BB962C8B-B14F-4D97-AF65-F5344CB8AC3E}">
+        <p14:creationId xmlns:p14="http://schemas.microsoft.com/office/powerpoint/2010/main" val="2877147168"/>
+      </p:ext>
+    </p:extLst>
+  </p:cSld>
+  <p:clrMapOvr>
+    <a:masterClrMapping/>
+  </p:clrMapOvr>
+</p:sld>
+</file>
+
+<file path=ppt/slides/slide68.xml><?xml version="1.0" encoding="utf-8"?>
+<p:sld xmlns:a="http://schemas.openxmlformats.org/drawingml/2006/main" xmlns:r="http://schemas.openxmlformats.org/officeDocument/2006/relationships" xmlns:p="http://schemas.openxmlformats.org/presentationml/2006/main">
+  <p:cSld>
+    <p:spTree>
+      <p:nvGrpSpPr>
+        <p:cNvPr id="1" name=""/>
+        <p:cNvGrpSpPr/>
+        <p:nvPr/>
+      </p:nvGrpSpPr>
+      <p:grpSpPr>
+        <a:xfrm>
+          <a:off x="0" y="0"/>
+          <a:ext cx="0" cy="0"/>
+          <a:chOff x="0" y="0"/>
+          <a:chExt cx="0" cy="0"/>
+        </a:xfrm>
+      </p:grpSpPr>
+    </p:spTree>
+    <p:extLst>
+      <p:ext uri="{BB962C8B-B14F-4D97-AF65-F5344CB8AC3E}">
+        <p14:creationId xmlns:p14="http://schemas.microsoft.com/office/powerpoint/2010/main" val="2930649435"/>
+      </p:ext>
+    </p:extLst>
+  </p:cSld>
+  <p:clrMapOvr>
+    <a:masterClrMapping/>
+  </p:clrMapOvr>
+</p:sld>
+</file>
+
+<file path=ppt/slides/slide69.xml><?xml version="1.0" encoding="utf-8"?>
+<p:sld xmlns:a="http://schemas.openxmlformats.org/drawingml/2006/main" xmlns:r="http://schemas.openxmlformats.org/officeDocument/2006/relationships" xmlns:p="http://schemas.openxmlformats.org/presentationml/2006/main">
+  <p:cSld>
+    <p:spTree>
+      <p:nvGrpSpPr>
+        <p:cNvPr id="1" name=""/>
+        <p:cNvGrpSpPr/>
+        <p:nvPr/>
+      </p:nvGrpSpPr>
+      <p:grpSpPr>
+        <a:xfrm>
+          <a:off x="0" y="0"/>
+          <a:ext cx="0" cy="0"/>
+          <a:chOff x="0" y="0"/>
+          <a:chExt cx="0" cy="0"/>
+        </a:xfrm>
+      </p:grpSpPr>
+    </p:spTree>
+    <p:extLst>
+      <p:ext uri="{BB962C8B-B14F-4D97-AF65-F5344CB8AC3E}">
+        <p14:creationId xmlns:p14="http://schemas.microsoft.com/office/powerpoint/2010/main" val="2997558465"/>
+      </p:ext>
+    </p:extLst>
+  </p:cSld>
+  <p:clrMapOvr>
+    <a:masterClrMapping/>
+  </p:clrMapOvr>
+</p:sld>
+</file>
+
 <file path=ppt/slides/slide7.xml><?xml version="1.0" encoding="utf-8"?>
 <p:sld xmlns:a="http://schemas.openxmlformats.org/drawingml/2006/main" xmlns:r="http://schemas.openxmlformats.org/officeDocument/2006/relationships" xmlns:p="http://schemas.openxmlformats.org/presentationml/2006/main">
   <p:cSld>
@@ -11376,6 +13879,306 @@
     <p:extLst>
       <p:ext uri="{BB962C8B-B14F-4D97-AF65-F5344CB8AC3E}">
         <p14:creationId xmlns:p14="http://schemas.microsoft.com/office/powerpoint/2010/main" val="1904697032"/>
+      </p:ext>
+    </p:extLst>
+  </p:cSld>
+  <p:clrMapOvr>
+    <a:masterClrMapping/>
+  </p:clrMapOvr>
+</p:sld>
+</file>
+
+<file path=ppt/slides/slide70.xml><?xml version="1.0" encoding="utf-8"?>
+<p:sld xmlns:a="http://schemas.openxmlformats.org/drawingml/2006/main" xmlns:r="http://schemas.openxmlformats.org/officeDocument/2006/relationships" xmlns:p="http://schemas.openxmlformats.org/presentationml/2006/main">
+  <p:cSld>
+    <p:spTree>
+      <p:nvGrpSpPr>
+        <p:cNvPr id="1" name=""/>
+        <p:cNvGrpSpPr/>
+        <p:nvPr/>
+      </p:nvGrpSpPr>
+      <p:grpSpPr>
+        <a:xfrm>
+          <a:off x="0" y="0"/>
+          <a:ext cx="0" cy="0"/>
+          <a:chOff x="0" y="0"/>
+          <a:chExt cx="0" cy="0"/>
+        </a:xfrm>
+      </p:grpSpPr>
+    </p:spTree>
+    <p:extLst>
+      <p:ext uri="{BB962C8B-B14F-4D97-AF65-F5344CB8AC3E}">
+        <p14:creationId xmlns:p14="http://schemas.microsoft.com/office/powerpoint/2010/main" val="544162110"/>
+      </p:ext>
+    </p:extLst>
+  </p:cSld>
+  <p:clrMapOvr>
+    <a:masterClrMapping/>
+  </p:clrMapOvr>
+</p:sld>
+</file>
+
+<file path=ppt/slides/slide71.xml><?xml version="1.0" encoding="utf-8"?>
+<p:sld xmlns:a="http://schemas.openxmlformats.org/drawingml/2006/main" xmlns:r="http://schemas.openxmlformats.org/officeDocument/2006/relationships" xmlns:p="http://schemas.openxmlformats.org/presentationml/2006/main">
+  <p:cSld>
+    <p:spTree>
+      <p:nvGrpSpPr>
+        <p:cNvPr id="1" name=""/>
+        <p:cNvGrpSpPr/>
+        <p:nvPr/>
+      </p:nvGrpSpPr>
+      <p:grpSpPr>
+        <a:xfrm>
+          <a:off x="0" y="0"/>
+          <a:ext cx="0" cy="0"/>
+          <a:chOff x="0" y="0"/>
+          <a:chExt cx="0" cy="0"/>
+        </a:xfrm>
+      </p:grpSpPr>
+    </p:spTree>
+    <p:extLst>
+      <p:ext uri="{BB962C8B-B14F-4D97-AF65-F5344CB8AC3E}">
+        <p14:creationId xmlns:p14="http://schemas.microsoft.com/office/powerpoint/2010/main" val="4273610871"/>
+      </p:ext>
+    </p:extLst>
+  </p:cSld>
+  <p:clrMapOvr>
+    <a:masterClrMapping/>
+  </p:clrMapOvr>
+</p:sld>
+</file>
+
+<file path=ppt/slides/slide72.xml><?xml version="1.0" encoding="utf-8"?>
+<p:sld xmlns:a="http://schemas.openxmlformats.org/drawingml/2006/main" xmlns:r="http://schemas.openxmlformats.org/officeDocument/2006/relationships" xmlns:p="http://schemas.openxmlformats.org/presentationml/2006/main">
+  <p:cSld>
+    <p:spTree>
+      <p:nvGrpSpPr>
+        <p:cNvPr id="1" name=""/>
+        <p:cNvGrpSpPr/>
+        <p:nvPr/>
+      </p:nvGrpSpPr>
+      <p:grpSpPr>
+        <a:xfrm>
+          <a:off x="0" y="0"/>
+          <a:ext cx="0" cy="0"/>
+          <a:chOff x="0" y="0"/>
+          <a:chExt cx="0" cy="0"/>
+        </a:xfrm>
+      </p:grpSpPr>
+    </p:spTree>
+    <p:extLst>
+      <p:ext uri="{BB962C8B-B14F-4D97-AF65-F5344CB8AC3E}">
+        <p14:creationId xmlns:p14="http://schemas.microsoft.com/office/powerpoint/2010/main" val="1249323892"/>
+      </p:ext>
+    </p:extLst>
+  </p:cSld>
+  <p:clrMapOvr>
+    <a:masterClrMapping/>
+  </p:clrMapOvr>
+</p:sld>
+</file>
+
+<file path=ppt/slides/slide73.xml><?xml version="1.0" encoding="utf-8"?>
+<p:sld xmlns:a="http://schemas.openxmlformats.org/drawingml/2006/main" xmlns:r="http://schemas.openxmlformats.org/officeDocument/2006/relationships" xmlns:p="http://schemas.openxmlformats.org/presentationml/2006/main">
+  <p:cSld>
+    <p:spTree>
+      <p:nvGrpSpPr>
+        <p:cNvPr id="1" name=""/>
+        <p:cNvGrpSpPr/>
+        <p:nvPr/>
+      </p:nvGrpSpPr>
+      <p:grpSpPr>
+        <a:xfrm>
+          <a:off x="0" y="0"/>
+          <a:ext cx="0" cy="0"/>
+          <a:chOff x="0" y="0"/>
+          <a:chExt cx="0" cy="0"/>
+        </a:xfrm>
+      </p:grpSpPr>
+    </p:spTree>
+    <p:extLst>
+      <p:ext uri="{BB962C8B-B14F-4D97-AF65-F5344CB8AC3E}">
+        <p14:creationId xmlns:p14="http://schemas.microsoft.com/office/powerpoint/2010/main" val="2181948882"/>
+      </p:ext>
+    </p:extLst>
+  </p:cSld>
+  <p:clrMapOvr>
+    <a:masterClrMapping/>
+  </p:clrMapOvr>
+</p:sld>
+</file>
+
+<file path=ppt/slides/slide74.xml><?xml version="1.0" encoding="utf-8"?>
+<p:sld xmlns:a="http://schemas.openxmlformats.org/drawingml/2006/main" xmlns:r="http://schemas.openxmlformats.org/officeDocument/2006/relationships" xmlns:p="http://schemas.openxmlformats.org/presentationml/2006/main">
+  <p:cSld>
+    <p:spTree>
+      <p:nvGrpSpPr>
+        <p:cNvPr id="1" name=""/>
+        <p:cNvGrpSpPr/>
+        <p:nvPr/>
+      </p:nvGrpSpPr>
+      <p:grpSpPr>
+        <a:xfrm>
+          <a:off x="0" y="0"/>
+          <a:ext cx="0" cy="0"/>
+          <a:chOff x="0" y="0"/>
+          <a:chExt cx="0" cy="0"/>
+        </a:xfrm>
+      </p:grpSpPr>
+    </p:spTree>
+    <p:extLst>
+      <p:ext uri="{BB962C8B-B14F-4D97-AF65-F5344CB8AC3E}">
+        <p14:creationId xmlns:p14="http://schemas.microsoft.com/office/powerpoint/2010/main" val="1528456467"/>
+      </p:ext>
+    </p:extLst>
+  </p:cSld>
+  <p:clrMapOvr>
+    <a:masterClrMapping/>
+  </p:clrMapOvr>
+</p:sld>
+</file>
+
+<file path=ppt/slides/slide75.xml><?xml version="1.0" encoding="utf-8"?>
+<p:sld xmlns:a="http://schemas.openxmlformats.org/drawingml/2006/main" xmlns:r="http://schemas.openxmlformats.org/officeDocument/2006/relationships" xmlns:p="http://schemas.openxmlformats.org/presentationml/2006/main">
+  <p:cSld>
+    <p:spTree>
+      <p:nvGrpSpPr>
+        <p:cNvPr id="1" name=""/>
+        <p:cNvGrpSpPr/>
+        <p:nvPr/>
+      </p:nvGrpSpPr>
+      <p:grpSpPr>
+        <a:xfrm>
+          <a:off x="0" y="0"/>
+          <a:ext cx="0" cy="0"/>
+          <a:chOff x="0" y="0"/>
+          <a:chExt cx="0" cy="0"/>
+        </a:xfrm>
+      </p:grpSpPr>
+    </p:spTree>
+    <p:extLst>
+      <p:ext uri="{BB962C8B-B14F-4D97-AF65-F5344CB8AC3E}">
+        <p14:creationId xmlns:p14="http://schemas.microsoft.com/office/powerpoint/2010/main" val="1794817583"/>
+      </p:ext>
+    </p:extLst>
+  </p:cSld>
+  <p:clrMapOvr>
+    <a:masterClrMapping/>
+  </p:clrMapOvr>
+</p:sld>
+</file>
+
+<file path=ppt/slides/slide76.xml><?xml version="1.0" encoding="utf-8"?>
+<p:sld xmlns:a="http://schemas.openxmlformats.org/drawingml/2006/main" xmlns:r="http://schemas.openxmlformats.org/officeDocument/2006/relationships" xmlns:p="http://schemas.openxmlformats.org/presentationml/2006/main">
+  <p:cSld>
+    <p:spTree>
+      <p:nvGrpSpPr>
+        <p:cNvPr id="1" name=""/>
+        <p:cNvGrpSpPr/>
+        <p:nvPr/>
+      </p:nvGrpSpPr>
+      <p:grpSpPr>
+        <a:xfrm>
+          <a:off x="0" y="0"/>
+          <a:ext cx="0" cy="0"/>
+          <a:chOff x="0" y="0"/>
+          <a:chExt cx="0" cy="0"/>
+        </a:xfrm>
+      </p:grpSpPr>
+    </p:spTree>
+    <p:extLst>
+      <p:ext uri="{BB962C8B-B14F-4D97-AF65-F5344CB8AC3E}">
+        <p14:creationId xmlns:p14="http://schemas.microsoft.com/office/powerpoint/2010/main" val="4014544064"/>
+      </p:ext>
+    </p:extLst>
+  </p:cSld>
+  <p:clrMapOvr>
+    <a:masterClrMapping/>
+  </p:clrMapOvr>
+</p:sld>
+</file>
+
+<file path=ppt/slides/slide77.xml><?xml version="1.0" encoding="utf-8"?>
+<p:sld xmlns:a="http://schemas.openxmlformats.org/drawingml/2006/main" xmlns:r="http://schemas.openxmlformats.org/officeDocument/2006/relationships" xmlns:p="http://schemas.openxmlformats.org/presentationml/2006/main">
+  <p:cSld>
+    <p:spTree>
+      <p:nvGrpSpPr>
+        <p:cNvPr id="1" name=""/>
+        <p:cNvGrpSpPr/>
+        <p:nvPr/>
+      </p:nvGrpSpPr>
+      <p:grpSpPr>
+        <a:xfrm>
+          <a:off x="0" y="0"/>
+          <a:ext cx="0" cy="0"/>
+          <a:chOff x="0" y="0"/>
+          <a:chExt cx="0" cy="0"/>
+        </a:xfrm>
+      </p:grpSpPr>
+    </p:spTree>
+    <p:extLst>
+      <p:ext uri="{BB962C8B-B14F-4D97-AF65-F5344CB8AC3E}">
+        <p14:creationId xmlns:p14="http://schemas.microsoft.com/office/powerpoint/2010/main" val="308186371"/>
+      </p:ext>
+    </p:extLst>
+  </p:cSld>
+  <p:clrMapOvr>
+    <a:masterClrMapping/>
+  </p:clrMapOvr>
+</p:sld>
+</file>
+
+<file path=ppt/slides/slide78.xml><?xml version="1.0" encoding="utf-8"?>
+<p:sld xmlns:a="http://schemas.openxmlformats.org/drawingml/2006/main" xmlns:r="http://schemas.openxmlformats.org/officeDocument/2006/relationships" xmlns:p="http://schemas.openxmlformats.org/presentationml/2006/main">
+  <p:cSld>
+    <p:spTree>
+      <p:nvGrpSpPr>
+        <p:cNvPr id="1" name=""/>
+        <p:cNvGrpSpPr/>
+        <p:nvPr/>
+      </p:nvGrpSpPr>
+      <p:grpSpPr>
+        <a:xfrm>
+          <a:off x="0" y="0"/>
+          <a:ext cx="0" cy="0"/>
+          <a:chOff x="0" y="0"/>
+          <a:chExt cx="0" cy="0"/>
+        </a:xfrm>
+      </p:grpSpPr>
+    </p:spTree>
+    <p:extLst>
+      <p:ext uri="{BB962C8B-B14F-4D97-AF65-F5344CB8AC3E}">
+        <p14:creationId xmlns:p14="http://schemas.microsoft.com/office/powerpoint/2010/main" val="2643627937"/>
+      </p:ext>
+    </p:extLst>
+  </p:cSld>
+  <p:clrMapOvr>
+    <a:masterClrMapping/>
+  </p:clrMapOvr>
+</p:sld>
+</file>
+
+<file path=ppt/slides/slide79.xml><?xml version="1.0" encoding="utf-8"?>
+<p:sld xmlns:a="http://schemas.openxmlformats.org/drawingml/2006/main" xmlns:r="http://schemas.openxmlformats.org/officeDocument/2006/relationships" xmlns:p="http://schemas.openxmlformats.org/presentationml/2006/main">
+  <p:cSld>
+    <p:spTree>
+      <p:nvGrpSpPr>
+        <p:cNvPr id="1" name=""/>
+        <p:cNvGrpSpPr/>
+        <p:nvPr/>
+      </p:nvGrpSpPr>
+      <p:grpSpPr>
+        <a:xfrm>
+          <a:off x="0" y="0"/>
+          <a:ext cx="0" cy="0"/>
+          <a:chOff x="0" y="0"/>
+          <a:chExt cx="0" cy="0"/>
+        </a:xfrm>
+      </p:grpSpPr>
+    </p:spTree>
+    <p:extLst>
+      <p:ext uri="{BB962C8B-B14F-4D97-AF65-F5344CB8AC3E}">
+        <p14:creationId xmlns:p14="http://schemas.microsoft.com/office/powerpoint/2010/main" val="3961817185"/>
       </p:ext>
     </p:extLst>
   </p:cSld>
@@ -11574,6 +14377,657 @@
     <p:extLst>
       <p:ext uri="{BB962C8B-B14F-4D97-AF65-F5344CB8AC3E}">
         <p14:creationId xmlns:p14="http://schemas.microsoft.com/office/powerpoint/2010/main" val="179919782"/>
+      </p:ext>
+    </p:extLst>
+  </p:cSld>
+  <p:clrMapOvr>
+    <a:masterClrMapping/>
+  </p:clrMapOvr>
+</p:sld>
+</file>
+
+<file path=ppt/slides/slide80.xml><?xml version="1.0" encoding="utf-8"?>
+<p:sld xmlns:a="http://schemas.openxmlformats.org/drawingml/2006/main" xmlns:r="http://schemas.openxmlformats.org/officeDocument/2006/relationships" xmlns:p="http://schemas.openxmlformats.org/presentationml/2006/main">
+  <p:cSld>
+    <p:spTree>
+      <p:nvGrpSpPr>
+        <p:cNvPr id="1" name=""/>
+        <p:cNvGrpSpPr/>
+        <p:nvPr/>
+      </p:nvGrpSpPr>
+      <p:grpSpPr>
+        <a:xfrm>
+          <a:off x="0" y="0"/>
+          <a:ext cx="0" cy="0"/>
+          <a:chOff x="0" y="0"/>
+          <a:chExt cx="0" cy="0"/>
+        </a:xfrm>
+      </p:grpSpPr>
+      <p:sp>
+        <p:nvSpPr>
+          <p:cNvPr id="2" name="TextBox 1">
+            <a:extLst>
+              <a:ext uri="{FF2B5EF4-FFF2-40B4-BE49-F238E27FC236}">
+                <a16:creationId xmlns:a16="http://schemas.microsoft.com/office/drawing/2014/main" id="{137032E7-20A3-459C-915F-BBBD913E542C}"/>
+              </a:ext>
+            </a:extLst>
+          </p:cNvPr>
+          <p:cNvSpPr txBox="1"/>
+          <p:nvPr/>
+        </p:nvSpPr>
+        <p:spPr>
+          <a:xfrm>
+            <a:off x="0" y="0"/>
+            <a:ext cx="12192000" cy="923330"/>
+          </a:xfrm>
+          <a:prstGeom prst="rect">
+            <a:avLst/>
+          </a:prstGeom>
+          <a:noFill/>
+        </p:spPr>
+        <p:txBody>
+          <a:bodyPr wrap="square" rtlCol="0">
+            <a:spAutoFit/>
+          </a:bodyPr>
+          <a:lstStyle/>
+          <a:p>
+            <a:r>
+              <a:rPr lang="en-US" dirty="0" err="1"/>
+              <a:t>Javascript</a:t>
+            </a:r>
+            <a:r>
+              <a:rPr lang="en-US" dirty="0"/>
+              <a:t> variables</a:t>
+            </a:r>
+          </a:p>
+          <a:p>
+            <a:endParaRPr lang="en-US" dirty="0"/>
+          </a:p>
+          <a:p>
+            <a:endParaRPr lang="en-US" dirty="0"/>
+          </a:p>
+        </p:txBody>
+      </p:sp>
+      <p:pic>
+        <p:nvPicPr>
+          <p:cNvPr id="4" name="Picture 3">
+            <a:extLst>
+              <a:ext uri="{FF2B5EF4-FFF2-40B4-BE49-F238E27FC236}">
+                <a16:creationId xmlns:a16="http://schemas.microsoft.com/office/drawing/2014/main" id="{D052B503-52F8-4460-B7FB-4B20474ECC49}"/>
+              </a:ext>
+            </a:extLst>
+          </p:cNvPr>
+          <p:cNvPicPr>
+            <a:picLocks noChangeAspect="1"/>
+          </p:cNvPicPr>
+          <p:nvPr/>
+        </p:nvPicPr>
+        <p:blipFill>
+          <a:blip r:embed="rId2">
+            <a:extLst>
+              <a:ext uri="{28A0092B-C50C-407E-A947-70E740481C1C}">
+                <a14:useLocalDpi xmlns:a14="http://schemas.microsoft.com/office/drawing/2010/main" val="0"/>
+              </a:ext>
+            </a:extLst>
+          </a:blip>
+          <a:stretch>
+            <a:fillRect/>
+          </a:stretch>
+        </p:blipFill>
+        <p:spPr>
+          <a:xfrm>
+            <a:off x="1" y="0"/>
+            <a:ext cx="10244137" cy="6858000"/>
+          </a:xfrm>
+          <a:prstGeom prst="rect">
+            <a:avLst/>
+          </a:prstGeom>
+        </p:spPr>
+      </p:pic>
+    </p:spTree>
+    <p:extLst>
+      <p:ext uri="{BB962C8B-B14F-4D97-AF65-F5344CB8AC3E}">
+        <p14:creationId xmlns:p14="http://schemas.microsoft.com/office/powerpoint/2010/main" val="1973814726"/>
+      </p:ext>
+    </p:extLst>
+  </p:cSld>
+  <p:clrMapOvr>
+    <a:masterClrMapping/>
+  </p:clrMapOvr>
+</p:sld>
+</file>
+
+<file path=ppt/slides/slide81.xml><?xml version="1.0" encoding="utf-8"?>
+<p:sld xmlns:a="http://schemas.openxmlformats.org/drawingml/2006/main" xmlns:r="http://schemas.openxmlformats.org/officeDocument/2006/relationships" xmlns:p="http://schemas.openxmlformats.org/presentationml/2006/main">
+  <p:cSld>
+    <p:spTree>
+      <p:nvGrpSpPr>
+        <p:cNvPr id="1" name=""/>
+        <p:cNvGrpSpPr/>
+        <p:nvPr/>
+      </p:nvGrpSpPr>
+      <p:grpSpPr>
+        <a:xfrm>
+          <a:off x="0" y="0"/>
+          <a:ext cx="0" cy="0"/>
+          <a:chOff x="0" y="0"/>
+          <a:chExt cx="0" cy="0"/>
+        </a:xfrm>
+      </p:grpSpPr>
+      <p:pic>
+        <p:nvPicPr>
+          <p:cNvPr id="4" name="Picture 3">
+            <a:extLst>
+              <a:ext uri="{FF2B5EF4-FFF2-40B4-BE49-F238E27FC236}">
+                <a16:creationId xmlns:a16="http://schemas.microsoft.com/office/drawing/2014/main" id="{C621187F-4252-43D3-A547-1B5C318FCE95}"/>
+              </a:ext>
+            </a:extLst>
+          </p:cNvPr>
+          <p:cNvPicPr>
+            <a:picLocks noChangeAspect="1"/>
+          </p:cNvPicPr>
+          <p:nvPr/>
+        </p:nvPicPr>
+        <p:blipFill>
+          <a:blip r:embed="rId2"/>
+          <a:stretch>
+            <a:fillRect/>
+          </a:stretch>
+        </p:blipFill>
+        <p:spPr>
+          <a:xfrm>
+            <a:off x="0" y="0"/>
+            <a:ext cx="10234613" cy="6858000"/>
+          </a:xfrm>
+          <a:prstGeom prst="rect">
+            <a:avLst/>
+          </a:prstGeom>
+        </p:spPr>
+      </p:pic>
+    </p:spTree>
+    <p:extLst>
+      <p:ext uri="{BB962C8B-B14F-4D97-AF65-F5344CB8AC3E}">
+        <p14:creationId xmlns:p14="http://schemas.microsoft.com/office/powerpoint/2010/main" val="3796622152"/>
+      </p:ext>
+    </p:extLst>
+  </p:cSld>
+  <p:clrMapOvr>
+    <a:masterClrMapping/>
+  </p:clrMapOvr>
+</p:sld>
+</file>
+
+<file path=ppt/slides/slide82.xml><?xml version="1.0" encoding="utf-8"?>
+<p:sld xmlns:a="http://schemas.openxmlformats.org/drawingml/2006/main" xmlns:r="http://schemas.openxmlformats.org/officeDocument/2006/relationships" xmlns:p="http://schemas.openxmlformats.org/presentationml/2006/main">
+  <p:cSld>
+    <p:spTree>
+      <p:nvGrpSpPr>
+        <p:cNvPr id="1" name=""/>
+        <p:cNvGrpSpPr/>
+        <p:nvPr/>
+      </p:nvGrpSpPr>
+      <p:grpSpPr>
+        <a:xfrm>
+          <a:off x="0" y="0"/>
+          <a:ext cx="0" cy="0"/>
+          <a:chOff x="0" y="0"/>
+          <a:chExt cx="0" cy="0"/>
+        </a:xfrm>
+      </p:grpSpPr>
+      <p:pic>
+        <p:nvPicPr>
+          <p:cNvPr id="4" name="Picture 3">
+            <a:extLst>
+              <a:ext uri="{FF2B5EF4-FFF2-40B4-BE49-F238E27FC236}">
+                <a16:creationId xmlns:a16="http://schemas.microsoft.com/office/drawing/2014/main" id="{420A5EC3-7FA3-4D24-A556-9A7E8E369548}"/>
+              </a:ext>
+            </a:extLst>
+          </p:cNvPr>
+          <p:cNvPicPr>
+            <a:picLocks noChangeAspect="1"/>
+          </p:cNvPicPr>
+          <p:nvPr/>
+        </p:nvPicPr>
+        <p:blipFill>
+          <a:blip r:embed="rId2"/>
+          <a:stretch>
+            <a:fillRect/>
+          </a:stretch>
+        </p:blipFill>
+        <p:spPr>
+          <a:xfrm>
+            <a:off x="0" y="0"/>
+            <a:ext cx="12192000" cy="6858000"/>
+          </a:xfrm>
+          <a:prstGeom prst="rect">
+            <a:avLst/>
+          </a:prstGeom>
+        </p:spPr>
+      </p:pic>
+    </p:spTree>
+    <p:extLst>
+      <p:ext uri="{BB962C8B-B14F-4D97-AF65-F5344CB8AC3E}">
+        <p14:creationId xmlns:p14="http://schemas.microsoft.com/office/powerpoint/2010/main" val="2865949875"/>
+      </p:ext>
+    </p:extLst>
+  </p:cSld>
+  <p:clrMapOvr>
+    <a:masterClrMapping/>
+  </p:clrMapOvr>
+</p:sld>
+</file>
+
+<file path=ppt/slides/slide83.xml><?xml version="1.0" encoding="utf-8"?>
+<p:sld xmlns:a="http://schemas.openxmlformats.org/drawingml/2006/main" xmlns:r="http://schemas.openxmlformats.org/officeDocument/2006/relationships" xmlns:p="http://schemas.openxmlformats.org/presentationml/2006/main">
+  <p:cSld>
+    <p:spTree>
+      <p:nvGrpSpPr>
+        <p:cNvPr id="1" name=""/>
+        <p:cNvGrpSpPr/>
+        <p:nvPr/>
+      </p:nvGrpSpPr>
+      <p:grpSpPr>
+        <a:xfrm>
+          <a:off x="0" y="0"/>
+          <a:ext cx="0" cy="0"/>
+          <a:chOff x="0" y="0"/>
+          <a:chExt cx="0" cy="0"/>
+        </a:xfrm>
+      </p:grpSpPr>
+      <p:pic>
+        <p:nvPicPr>
+          <p:cNvPr id="3" name="Picture 2">
+            <a:extLst>
+              <a:ext uri="{FF2B5EF4-FFF2-40B4-BE49-F238E27FC236}">
+                <a16:creationId xmlns:a16="http://schemas.microsoft.com/office/drawing/2014/main" id="{234E8F7F-9C6A-42CF-8974-BCDDBE4853BF}"/>
+              </a:ext>
+            </a:extLst>
+          </p:cNvPr>
+          <p:cNvPicPr>
+            <a:picLocks noChangeAspect="1"/>
+          </p:cNvPicPr>
+          <p:nvPr/>
+        </p:nvPicPr>
+        <p:blipFill>
+          <a:blip r:embed="rId2"/>
+          <a:stretch>
+            <a:fillRect/>
+          </a:stretch>
+        </p:blipFill>
+        <p:spPr>
+          <a:xfrm>
+            <a:off x="0" y="128592"/>
+            <a:ext cx="12191999" cy="6858000"/>
+          </a:xfrm>
+          <a:prstGeom prst="rect">
+            <a:avLst/>
+          </a:prstGeom>
+        </p:spPr>
+      </p:pic>
+    </p:spTree>
+    <p:extLst>
+      <p:ext uri="{BB962C8B-B14F-4D97-AF65-F5344CB8AC3E}">
+        <p14:creationId xmlns:p14="http://schemas.microsoft.com/office/powerpoint/2010/main" val="2039729964"/>
+      </p:ext>
+    </p:extLst>
+  </p:cSld>
+  <p:clrMapOvr>
+    <a:masterClrMapping/>
+  </p:clrMapOvr>
+</p:sld>
+</file>
+
+<file path=ppt/slides/slide84.xml><?xml version="1.0" encoding="utf-8"?>
+<p:sld xmlns:a="http://schemas.openxmlformats.org/drawingml/2006/main" xmlns:r="http://schemas.openxmlformats.org/officeDocument/2006/relationships" xmlns:p="http://schemas.openxmlformats.org/presentationml/2006/main">
+  <p:cSld>
+    <p:spTree>
+      <p:nvGrpSpPr>
+        <p:cNvPr id="1" name=""/>
+        <p:cNvGrpSpPr/>
+        <p:nvPr/>
+      </p:nvGrpSpPr>
+      <p:grpSpPr>
+        <a:xfrm>
+          <a:off x="0" y="0"/>
+          <a:ext cx="0" cy="0"/>
+          <a:chOff x="0" y="0"/>
+          <a:chExt cx="0" cy="0"/>
+        </a:xfrm>
+      </p:grpSpPr>
+      <p:pic>
+        <p:nvPicPr>
+          <p:cNvPr id="3" name="Picture 2">
+            <a:extLst>
+              <a:ext uri="{FF2B5EF4-FFF2-40B4-BE49-F238E27FC236}">
+                <a16:creationId xmlns:a16="http://schemas.microsoft.com/office/drawing/2014/main" id="{16D4B453-C9FD-4FAC-BDEB-FBDF3E897B0C}"/>
+              </a:ext>
+            </a:extLst>
+          </p:cNvPr>
+          <p:cNvPicPr>
+            <a:picLocks noChangeAspect="1"/>
+          </p:cNvPicPr>
+          <p:nvPr/>
+        </p:nvPicPr>
+        <p:blipFill>
+          <a:blip r:embed="rId2"/>
+          <a:stretch>
+            <a:fillRect/>
+          </a:stretch>
+        </p:blipFill>
+        <p:spPr>
+          <a:xfrm>
+            <a:off x="-19050" y="0"/>
+            <a:ext cx="12211049" cy="6858000"/>
+          </a:xfrm>
+          <a:prstGeom prst="rect">
+            <a:avLst/>
+          </a:prstGeom>
+        </p:spPr>
+      </p:pic>
+    </p:spTree>
+    <p:extLst>
+      <p:ext uri="{BB962C8B-B14F-4D97-AF65-F5344CB8AC3E}">
+        <p14:creationId xmlns:p14="http://schemas.microsoft.com/office/powerpoint/2010/main" val="3961001069"/>
+      </p:ext>
+    </p:extLst>
+  </p:cSld>
+  <p:clrMapOvr>
+    <a:masterClrMapping/>
+  </p:clrMapOvr>
+</p:sld>
+</file>
+
+<file path=ppt/slides/slide85.xml><?xml version="1.0" encoding="utf-8"?>
+<p:sld xmlns:a="http://schemas.openxmlformats.org/drawingml/2006/main" xmlns:r="http://schemas.openxmlformats.org/officeDocument/2006/relationships" xmlns:p="http://schemas.openxmlformats.org/presentationml/2006/main">
+  <p:cSld>
+    <p:spTree>
+      <p:nvGrpSpPr>
+        <p:cNvPr id="1" name=""/>
+        <p:cNvGrpSpPr/>
+        <p:nvPr/>
+      </p:nvGrpSpPr>
+      <p:grpSpPr>
+        <a:xfrm>
+          <a:off x="0" y="0"/>
+          <a:ext cx="0" cy="0"/>
+          <a:chOff x="0" y="0"/>
+          <a:chExt cx="0" cy="0"/>
+        </a:xfrm>
+      </p:grpSpPr>
+      <p:pic>
+        <p:nvPicPr>
+          <p:cNvPr id="3" name="Picture 2">
+            <a:extLst>
+              <a:ext uri="{FF2B5EF4-FFF2-40B4-BE49-F238E27FC236}">
+                <a16:creationId xmlns:a16="http://schemas.microsoft.com/office/drawing/2014/main" id="{F49ACE42-D7E6-4B92-BB6F-EAF39E2AF042}"/>
+              </a:ext>
+            </a:extLst>
+          </p:cNvPr>
+          <p:cNvPicPr>
+            <a:picLocks noChangeAspect="1"/>
+          </p:cNvPicPr>
+          <p:nvPr/>
+        </p:nvPicPr>
+        <p:blipFill>
+          <a:blip r:embed="rId2"/>
+          <a:stretch>
+            <a:fillRect/>
+          </a:stretch>
+        </p:blipFill>
+        <p:spPr>
+          <a:xfrm>
+            <a:off x="0" y="85724"/>
+            <a:ext cx="12192000" cy="6557961"/>
+          </a:xfrm>
+          <a:prstGeom prst="rect">
+            <a:avLst/>
+          </a:prstGeom>
+        </p:spPr>
+      </p:pic>
+    </p:spTree>
+    <p:extLst>
+      <p:ext uri="{BB962C8B-B14F-4D97-AF65-F5344CB8AC3E}">
+        <p14:creationId xmlns:p14="http://schemas.microsoft.com/office/powerpoint/2010/main" val="2938550804"/>
+      </p:ext>
+    </p:extLst>
+  </p:cSld>
+  <p:clrMapOvr>
+    <a:masterClrMapping/>
+  </p:clrMapOvr>
+</p:sld>
+</file>
+
+<file path=ppt/slides/slide86.xml><?xml version="1.0" encoding="utf-8"?>
+<p:sld xmlns:a="http://schemas.openxmlformats.org/drawingml/2006/main" xmlns:r="http://schemas.openxmlformats.org/officeDocument/2006/relationships" xmlns:p="http://schemas.openxmlformats.org/presentationml/2006/main">
+  <p:cSld>
+    <p:spTree>
+      <p:nvGrpSpPr>
+        <p:cNvPr id="1" name=""/>
+        <p:cNvGrpSpPr/>
+        <p:nvPr/>
+      </p:nvGrpSpPr>
+      <p:grpSpPr>
+        <a:xfrm>
+          <a:off x="0" y="0"/>
+          <a:ext cx="0" cy="0"/>
+          <a:chOff x="0" y="0"/>
+          <a:chExt cx="0" cy="0"/>
+        </a:xfrm>
+      </p:grpSpPr>
+      <p:pic>
+        <p:nvPicPr>
+          <p:cNvPr id="3" name="Picture 2">
+            <a:extLst>
+              <a:ext uri="{FF2B5EF4-FFF2-40B4-BE49-F238E27FC236}">
+                <a16:creationId xmlns:a16="http://schemas.microsoft.com/office/drawing/2014/main" id="{E6E9FB74-363E-49AD-802C-50E128F5CFD8}"/>
+              </a:ext>
+            </a:extLst>
+          </p:cNvPr>
+          <p:cNvPicPr>
+            <a:picLocks noChangeAspect="1"/>
+          </p:cNvPicPr>
+          <p:nvPr/>
+        </p:nvPicPr>
+        <p:blipFill>
+          <a:blip r:embed="rId2"/>
+          <a:stretch>
+            <a:fillRect/>
+          </a:stretch>
+        </p:blipFill>
+        <p:spPr>
+          <a:xfrm>
+            <a:off x="0" y="142875"/>
+            <a:ext cx="12192000" cy="6715125"/>
+          </a:xfrm>
+          <a:prstGeom prst="rect">
+            <a:avLst/>
+          </a:prstGeom>
+        </p:spPr>
+      </p:pic>
+    </p:spTree>
+    <p:extLst>
+      <p:ext uri="{BB962C8B-B14F-4D97-AF65-F5344CB8AC3E}">
+        <p14:creationId xmlns:p14="http://schemas.microsoft.com/office/powerpoint/2010/main" val="454357261"/>
+      </p:ext>
+    </p:extLst>
+  </p:cSld>
+  <p:clrMapOvr>
+    <a:masterClrMapping/>
+  </p:clrMapOvr>
+</p:sld>
+</file>
+
+<file path=ppt/slides/slide87.xml><?xml version="1.0" encoding="utf-8"?>
+<p:sld xmlns:a="http://schemas.openxmlformats.org/drawingml/2006/main" xmlns:r="http://schemas.openxmlformats.org/officeDocument/2006/relationships" xmlns:p="http://schemas.openxmlformats.org/presentationml/2006/main">
+  <p:cSld>
+    <p:spTree>
+      <p:nvGrpSpPr>
+        <p:cNvPr id="1" name=""/>
+        <p:cNvGrpSpPr/>
+        <p:nvPr/>
+      </p:nvGrpSpPr>
+      <p:grpSpPr>
+        <a:xfrm>
+          <a:off x="0" y="0"/>
+          <a:ext cx="0" cy="0"/>
+          <a:chOff x="0" y="0"/>
+          <a:chExt cx="0" cy="0"/>
+        </a:xfrm>
+      </p:grpSpPr>
+      <p:pic>
+        <p:nvPicPr>
+          <p:cNvPr id="3" name="Picture 2">
+            <a:extLst>
+              <a:ext uri="{FF2B5EF4-FFF2-40B4-BE49-F238E27FC236}">
+                <a16:creationId xmlns:a16="http://schemas.microsoft.com/office/drawing/2014/main" id="{1D6BAC81-EFBC-4A05-812A-28B137EFE12B}"/>
+              </a:ext>
+            </a:extLst>
+          </p:cNvPr>
+          <p:cNvPicPr>
+            <a:picLocks noChangeAspect="1"/>
+          </p:cNvPicPr>
+          <p:nvPr/>
+        </p:nvPicPr>
+        <p:blipFill>
+          <a:blip r:embed="rId2"/>
+          <a:stretch>
+            <a:fillRect/>
+          </a:stretch>
+        </p:blipFill>
+        <p:spPr>
+          <a:xfrm>
+            <a:off x="0" y="0"/>
+            <a:ext cx="12192000" cy="6858000"/>
+          </a:xfrm>
+          <a:prstGeom prst="rect">
+            <a:avLst/>
+          </a:prstGeom>
+        </p:spPr>
+      </p:pic>
+    </p:spTree>
+    <p:extLst>
+      <p:ext uri="{BB962C8B-B14F-4D97-AF65-F5344CB8AC3E}">
+        <p14:creationId xmlns:p14="http://schemas.microsoft.com/office/powerpoint/2010/main" val="3885658521"/>
+      </p:ext>
+    </p:extLst>
+  </p:cSld>
+  <p:clrMapOvr>
+    <a:masterClrMapping/>
+  </p:clrMapOvr>
+</p:sld>
+</file>
+
+<file path=ppt/slides/slide88.xml><?xml version="1.0" encoding="utf-8"?>
+<p:sld xmlns:a="http://schemas.openxmlformats.org/drawingml/2006/main" xmlns:r="http://schemas.openxmlformats.org/officeDocument/2006/relationships" xmlns:p="http://schemas.openxmlformats.org/presentationml/2006/main">
+  <p:cSld>
+    <p:spTree>
+      <p:nvGrpSpPr>
+        <p:cNvPr id="1" name=""/>
+        <p:cNvGrpSpPr/>
+        <p:nvPr/>
+      </p:nvGrpSpPr>
+      <p:grpSpPr>
+        <a:xfrm>
+          <a:off x="0" y="0"/>
+          <a:ext cx="0" cy="0"/>
+          <a:chOff x="0" y="0"/>
+          <a:chExt cx="0" cy="0"/>
+        </a:xfrm>
+      </p:grpSpPr>
+      <p:pic>
+        <p:nvPicPr>
+          <p:cNvPr id="4" name="Picture 3">
+            <a:extLst>
+              <a:ext uri="{FF2B5EF4-FFF2-40B4-BE49-F238E27FC236}">
+                <a16:creationId xmlns:a16="http://schemas.microsoft.com/office/drawing/2014/main" id="{70DF2260-DCFD-4061-B304-EFE1CA68453D}"/>
+              </a:ext>
+            </a:extLst>
+          </p:cNvPr>
+          <p:cNvPicPr>
+            <a:picLocks noChangeAspect="1"/>
+          </p:cNvPicPr>
+          <p:nvPr/>
+        </p:nvPicPr>
+        <p:blipFill>
+          <a:blip r:embed="rId2"/>
+          <a:stretch>
+            <a:fillRect/>
+          </a:stretch>
+        </p:blipFill>
+        <p:spPr>
+          <a:xfrm>
+            <a:off x="-1" y="1"/>
+            <a:ext cx="12191999" cy="6858000"/>
+          </a:xfrm>
+          <a:prstGeom prst="rect">
+            <a:avLst/>
+          </a:prstGeom>
+        </p:spPr>
+      </p:pic>
+    </p:spTree>
+    <p:extLst>
+      <p:ext uri="{BB962C8B-B14F-4D97-AF65-F5344CB8AC3E}">
+        <p14:creationId xmlns:p14="http://schemas.microsoft.com/office/powerpoint/2010/main" val="270828751"/>
+      </p:ext>
+    </p:extLst>
+  </p:cSld>
+  <p:clrMapOvr>
+    <a:masterClrMapping/>
+  </p:clrMapOvr>
+</p:sld>
+</file>
+
+<file path=ppt/slides/slide89.xml><?xml version="1.0" encoding="utf-8"?>
+<p:sld xmlns:a="http://schemas.openxmlformats.org/drawingml/2006/main" xmlns:r="http://schemas.openxmlformats.org/officeDocument/2006/relationships" xmlns:p="http://schemas.openxmlformats.org/presentationml/2006/main">
+  <p:cSld>
+    <p:spTree>
+      <p:nvGrpSpPr>
+        <p:cNvPr id="1" name=""/>
+        <p:cNvGrpSpPr/>
+        <p:nvPr/>
+      </p:nvGrpSpPr>
+      <p:grpSpPr>
+        <a:xfrm>
+          <a:off x="0" y="0"/>
+          <a:ext cx="0" cy="0"/>
+          <a:chOff x="0" y="0"/>
+          <a:chExt cx="0" cy="0"/>
+        </a:xfrm>
+      </p:grpSpPr>
+      <p:pic>
+        <p:nvPicPr>
+          <p:cNvPr id="3" name="Picture 2">
+            <a:extLst>
+              <a:ext uri="{FF2B5EF4-FFF2-40B4-BE49-F238E27FC236}">
+                <a16:creationId xmlns:a16="http://schemas.microsoft.com/office/drawing/2014/main" id="{5BD5B99C-1065-44BA-B805-9E62BF8CCF82}"/>
+              </a:ext>
+            </a:extLst>
+          </p:cNvPr>
+          <p:cNvPicPr>
+            <a:picLocks noChangeAspect="1"/>
+          </p:cNvPicPr>
+          <p:nvPr/>
+        </p:nvPicPr>
+        <p:blipFill>
+          <a:blip r:embed="rId2"/>
+          <a:stretch>
+            <a:fillRect/>
+          </a:stretch>
+        </p:blipFill>
+        <p:spPr>
+          <a:xfrm>
+            <a:off x="0" y="128588"/>
+            <a:ext cx="12192000" cy="6729412"/>
+          </a:xfrm>
+          <a:prstGeom prst="rect">
+            <a:avLst/>
+          </a:prstGeom>
+        </p:spPr>
+      </p:pic>
+    </p:spTree>
+    <p:extLst>
+      <p:ext uri="{BB962C8B-B14F-4D97-AF65-F5344CB8AC3E}">
+        <p14:creationId xmlns:p14="http://schemas.microsoft.com/office/powerpoint/2010/main" val="3533856943"/>
       </p:ext>
     </p:extLst>
   </p:cSld>
@@ -12136,6 +15590,606 @@
 </p:sld>
 </file>
 
+<file path=ppt/slides/slide90.xml><?xml version="1.0" encoding="utf-8"?>
+<p:sld xmlns:a="http://schemas.openxmlformats.org/drawingml/2006/main" xmlns:r="http://schemas.openxmlformats.org/officeDocument/2006/relationships" xmlns:p="http://schemas.openxmlformats.org/presentationml/2006/main">
+  <p:cSld>
+    <p:spTree>
+      <p:nvGrpSpPr>
+        <p:cNvPr id="1" name=""/>
+        <p:cNvGrpSpPr/>
+        <p:nvPr/>
+      </p:nvGrpSpPr>
+      <p:grpSpPr>
+        <a:xfrm>
+          <a:off x="0" y="0"/>
+          <a:ext cx="0" cy="0"/>
+          <a:chOff x="0" y="0"/>
+          <a:chExt cx="0" cy="0"/>
+        </a:xfrm>
+      </p:grpSpPr>
+      <p:pic>
+        <p:nvPicPr>
+          <p:cNvPr id="3" name="Picture 2">
+            <a:extLst>
+              <a:ext uri="{FF2B5EF4-FFF2-40B4-BE49-F238E27FC236}">
+                <a16:creationId xmlns:a16="http://schemas.microsoft.com/office/drawing/2014/main" id="{6D0B9F50-1452-4B34-86E9-8D0C51416B71}"/>
+              </a:ext>
+            </a:extLst>
+          </p:cNvPr>
+          <p:cNvPicPr>
+            <a:picLocks noChangeAspect="1"/>
+          </p:cNvPicPr>
+          <p:nvPr/>
+        </p:nvPicPr>
+        <p:blipFill>
+          <a:blip r:embed="rId2"/>
+          <a:stretch>
+            <a:fillRect/>
+          </a:stretch>
+        </p:blipFill>
+        <p:spPr>
+          <a:xfrm>
+            <a:off x="108870" y="400049"/>
+            <a:ext cx="12083130" cy="6329363"/>
+          </a:xfrm>
+          <a:prstGeom prst="rect">
+            <a:avLst/>
+          </a:prstGeom>
+        </p:spPr>
+      </p:pic>
+    </p:spTree>
+    <p:extLst>
+      <p:ext uri="{BB962C8B-B14F-4D97-AF65-F5344CB8AC3E}">
+        <p14:creationId xmlns:p14="http://schemas.microsoft.com/office/powerpoint/2010/main" val="86575885"/>
+      </p:ext>
+    </p:extLst>
+  </p:cSld>
+  <p:clrMapOvr>
+    <a:masterClrMapping/>
+  </p:clrMapOvr>
+</p:sld>
+</file>
+
+<file path=ppt/slides/slide91.xml><?xml version="1.0" encoding="utf-8"?>
+<p:sld xmlns:a="http://schemas.openxmlformats.org/drawingml/2006/main" xmlns:r="http://schemas.openxmlformats.org/officeDocument/2006/relationships" xmlns:p="http://schemas.openxmlformats.org/presentationml/2006/main">
+  <p:cSld>
+    <p:spTree>
+      <p:nvGrpSpPr>
+        <p:cNvPr id="1" name=""/>
+        <p:cNvGrpSpPr/>
+        <p:nvPr/>
+      </p:nvGrpSpPr>
+      <p:grpSpPr>
+        <a:xfrm>
+          <a:off x="0" y="0"/>
+          <a:ext cx="0" cy="0"/>
+          <a:chOff x="0" y="0"/>
+          <a:chExt cx="0" cy="0"/>
+        </a:xfrm>
+      </p:grpSpPr>
+      <p:pic>
+        <p:nvPicPr>
+          <p:cNvPr id="3" name="Picture 2">
+            <a:extLst>
+              <a:ext uri="{FF2B5EF4-FFF2-40B4-BE49-F238E27FC236}">
+                <a16:creationId xmlns:a16="http://schemas.microsoft.com/office/drawing/2014/main" id="{C717E4E8-25EA-4101-BF0C-CCDAD47CBCEC}"/>
+              </a:ext>
+            </a:extLst>
+          </p:cNvPr>
+          <p:cNvPicPr>
+            <a:picLocks noChangeAspect="1"/>
+          </p:cNvPicPr>
+          <p:nvPr/>
+        </p:nvPicPr>
+        <p:blipFill>
+          <a:blip r:embed="rId2"/>
+          <a:stretch>
+            <a:fillRect/>
+          </a:stretch>
+        </p:blipFill>
+        <p:spPr>
+          <a:xfrm>
+            <a:off x="0" y="0"/>
+            <a:ext cx="12192000" cy="6857999"/>
+          </a:xfrm>
+          <a:prstGeom prst="rect">
+            <a:avLst/>
+          </a:prstGeom>
+        </p:spPr>
+      </p:pic>
+    </p:spTree>
+    <p:extLst>
+      <p:ext uri="{BB962C8B-B14F-4D97-AF65-F5344CB8AC3E}">
+        <p14:creationId xmlns:p14="http://schemas.microsoft.com/office/powerpoint/2010/main" val="1956878422"/>
+      </p:ext>
+    </p:extLst>
+  </p:cSld>
+  <p:clrMapOvr>
+    <a:masterClrMapping/>
+  </p:clrMapOvr>
+</p:sld>
+</file>
+
+<file path=ppt/slides/slide92.xml><?xml version="1.0" encoding="utf-8"?>
+<p:sld xmlns:a="http://schemas.openxmlformats.org/drawingml/2006/main" xmlns:r="http://schemas.openxmlformats.org/officeDocument/2006/relationships" xmlns:p="http://schemas.openxmlformats.org/presentationml/2006/main">
+  <p:cSld>
+    <p:spTree>
+      <p:nvGrpSpPr>
+        <p:cNvPr id="1" name=""/>
+        <p:cNvGrpSpPr/>
+        <p:nvPr/>
+      </p:nvGrpSpPr>
+      <p:grpSpPr>
+        <a:xfrm>
+          <a:off x="0" y="0"/>
+          <a:ext cx="0" cy="0"/>
+          <a:chOff x="0" y="0"/>
+          <a:chExt cx="0" cy="0"/>
+        </a:xfrm>
+      </p:grpSpPr>
+      <p:pic>
+        <p:nvPicPr>
+          <p:cNvPr id="3" name="Picture 2">
+            <a:extLst>
+              <a:ext uri="{FF2B5EF4-FFF2-40B4-BE49-F238E27FC236}">
+                <a16:creationId xmlns:a16="http://schemas.microsoft.com/office/drawing/2014/main" id="{6346A41F-8F78-40C6-9102-3ADC14BDCF3E}"/>
+              </a:ext>
+            </a:extLst>
+          </p:cNvPr>
+          <p:cNvPicPr>
+            <a:picLocks noChangeAspect="1"/>
+          </p:cNvPicPr>
+          <p:nvPr/>
+        </p:nvPicPr>
+        <p:blipFill>
+          <a:blip r:embed="rId2"/>
+          <a:stretch>
+            <a:fillRect/>
+          </a:stretch>
+        </p:blipFill>
+        <p:spPr>
+          <a:xfrm>
+            <a:off x="-128588" y="1"/>
+            <a:ext cx="10277475" cy="7000874"/>
+          </a:xfrm>
+          <a:prstGeom prst="rect">
+            <a:avLst/>
+          </a:prstGeom>
+        </p:spPr>
+      </p:pic>
+    </p:spTree>
+    <p:extLst>
+      <p:ext uri="{BB962C8B-B14F-4D97-AF65-F5344CB8AC3E}">
+        <p14:creationId xmlns:p14="http://schemas.microsoft.com/office/powerpoint/2010/main" val="1993364284"/>
+      </p:ext>
+    </p:extLst>
+  </p:cSld>
+  <p:clrMapOvr>
+    <a:masterClrMapping/>
+  </p:clrMapOvr>
+</p:sld>
+</file>
+
+<file path=ppt/slides/slide93.xml><?xml version="1.0" encoding="utf-8"?>
+<p:sld xmlns:a="http://schemas.openxmlformats.org/drawingml/2006/main" xmlns:r="http://schemas.openxmlformats.org/officeDocument/2006/relationships" xmlns:p="http://schemas.openxmlformats.org/presentationml/2006/main">
+  <p:cSld>
+    <p:spTree>
+      <p:nvGrpSpPr>
+        <p:cNvPr id="1" name=""/>
+        <p:cNvGrpSpPr/>
+        <p:nvPr/>
+      </p:nvGrpSpPr>
+      <p:grpSpPr>
+        <a:xfrm>
+          <a:off x="0" y="0"/>
+          <a:ext cx="0" cy="0"/>
+          <a:chOff x="0" y="0"/>
+          <a:chExt cx="0" cy="0"/>
+        </a:xfrm>
+      </p:grpSpPr>
+      <p:pic>
+        <p:nvPicPr>
+          <p:cNvPr id="3" name="Picture 2">
+            <a:extLst>
+              <a:ext uri="{FF2B5EF4-FFF2-40B4-BE49-F238E27FC236}">
+                <a16:creationId xmlns:a16="http://schemas.microsoft.com/office/drawing/2014/main" id="{D4314F17-A524-4F0F-B84A-6441C0D0AEDF}"/>
+              </a:ext>
+            </a:extLst>
+          </p:cNvPr>
+          <p:cNvPicPr>
+            <a:picLocks noChangeAspect="1"/>
+          </p:cNvPicPr>
+          <p:nvPr/>
+        </p:nvPicPr>
+        <p:blipFill>
+          <a:blip r:embed="rId2"/>
+          <a:stretch>
+            <a:fillRect/>
+          </a:stretch>
+        </p:blipFill>
+        <p:spPr>
+          <a:xfrm>
+            <a:off x="0" y="100013"/>
+            <a:ext cx="12192000" cy="6757987"/>
+          </a:xfrm>
+          <a:prstGeom prst="rect">
+            <a:avLst/>
+          </a:prstGeom>
+        </p:spPr>
+      </p:pic>
+    </p:spTree>
+    <p:extLst>
+      <p:ext uri="{BB962C8B-B14F-4D97-AF65-F5344CB8AC3E}">
+        <p14:creationId xmlns:p14="http://schemas.microsoft.com/office/powerpoint/2010/main" val="1155193754"/>
+      </p:ext>
+    </p:extLst>
+  </p:cSld>
+  <p:clrMapOvr>
+    <a:masterClrMapping/>
+  </p:clrMapOvr>
+</p:sld>
+</file>
+
+<file path=ppt/slides/slide94.xml><?xml version="1.0" encoding="utf-8"?>
+<p:sld xmlns:a="http://schemas.openxmlformats.org/drawingml/2006/main" xmlns:r="http://schemas.openxmlformats.org/officeDocument/2006/relationships" xmlns:p="http://schemas.openxmlformats.org/presentationml/2006/main">
+  <p:cSld>
+    <p:spTree>
+      <p:nvGrpSpPr>
+        <p:cNvPr id="1" name=""/>
+        <p:cNvGrpSpPr/>
+        <p:nvPr/>
+      </p:nvGrpSpPr>
+      <p:grpSpPr>
+        <a:xfrm>
+          <a:off x="0" y="0"/>
+          <a:ext cx="0" cy="0"/>
+          <a:chOff x="0" y="0"/>
+          <a:chExt cx="0" cy="0"/>
+        </a:xfrm>
+      </p:grpSpPr>
+      <p:pic>
+        <p:nvPicPr>
+          <p:cNvPr id="3" name="Picture 2">
+            <a:extLst>
+              <a:ext uri="{FF2B5EF4-FFF2-40B4-BE49-F238E27FC236}">
+                <a16:creationId xmlns:a16="http://schemas.microsoft.com/office/drawing/2014/main" id="{B14395AC-512C-4C4E-8F4C-A5B8262D86FA}"/>
+              </a:ext>
+            </a:extLst>
+          </p:cNvPr>
+          <p:cNvPicPr>
+            <a:picLocks noChangeAspect="1"/>
+          </p:cNvPicPr>
+          <p:nvPr/>
+        </p:nvPicPr>
+        <p:blipFill>
+          <a:blip r:embed="rId2"/>
+          <a:stretch>
+            <a:fillRect/>
+          </a:stretch>
+        </p:blipFill>
+        <p:spPr>
+          <a:xfrm>
+            <a:off x="0" y="100013"/>
+            <a:ext cx="12001500" cy="6757987"/>
+          </a:xfrm>
+          <a:prstGeom prst="rect">
+            <a:avLst/>
+          </a:prstGeom>
+        </p:spPr>
+      </p:pic>
+    </p:spTree>
+    <p:extLst>
+      <p:ext uri="{BB962C8B-B14F-4D97-AF65-F5344CB8AC3E}">
+        <p14:creationId xmlns:p14="http://schemas.microsoft.com/office/powerpoint/2010/main" val="2280580848"/>
+      </p:ext>
+    </p:extLst>
+  </p:cSld>
+  <p:clrMapOvr>
+    <a:masterClrMapping/>
+  </p:clrMapOvr>
+</p:sld>
+</file>
+
+<file path=ppt/slides/slide95.xml><?xml version="1.0" encoding="utf-8"?>
+<p:sld xmlns:a="http://schemas.openxmlformats.org/drawingml/2006/main" xmlns:r="http://schemas.openxmlformats.org/officeDocument/2006/relationships" xmlns:p="http://schemas.openxmlformats.org/presentationml/2006/main">
+  <p:cSld>
+    <p:spTree>
+      <p:nvGrpSpPr>
+        <p:cNvPr id="1" name=""/>
+        <p:cNvGrpSpPr/>
+        <p:nvPr/>
+      </p:nvGrpSpPr>
+      <p:grpSpPr>
+        <a:xfrm>
+          <a:off x="0" y="0"/>
+          <a:ext cx="0" cy="0"/>
+          <a:chOff x="0" y="0"/>
+          <a:chExt cx="0" cy="0"/>
+        </a:xfrm>
+      </p:grpSpPr>
+      <p:pic>
+        <p:nvPicPr>
+          <p:cNvPr id="3" name="Picture 2">
+            <a:extLst>
+              <a:ext uri="{FF2B5EF4-FFF2-40B4-BE49-F238E27FC236}">
+                <a16:creationId xmlns:a16="http://schemas.microsoft.com/office/drawing/2014/main" id="{A4308581-3C3C-4888-9331-80C535269787}"/>
+              </a:ext>
+            </a:extLst>
+          </p:cNvPr>
+          <p:cNvPicPr>
+            <a:picLocks noChangeAspect="1"/>
+          </p:cNvPicPr>
+          <p:nvPr/>
+        </p:nvPicPr>
+        <p:blipFill>
+          <a:blip r:embed="rId2"/>
+          <a:stretch>
+            <a:fillRect/>
+          </a:stretch>
+        </p:blipFill>
+        <p:spPr>
+          <a:xfrm>
+            <a:off x="0" y="1"/>
+            <a:ext cx="12192000" cy="6858000"/>
+          </a:xfrm>
+          <a:prstGeom prst="rect">
+            <a:avLst/>
+          </a:prstGeom>
+        </p:spPr>
+      </p:pic>
+    </p:spTree>
+    <p:extLst>
+      <p:ext uri="{BB962C8B-B14F-4D97-AF65-F5344CB8AC3E}">
+        <p14:creationId xmlns:p14="http://schemas.microsoft.com/office/powerpoint/2010/main" val="245870322"/>
+      </p:ext>
+    </p:extLst>
+  </p:cSld>
+  <p:clrMapOvr>
+    <a:masterClrMapping/>
+  </p:clrMapOvr>
+</p:sld>
+</file>
+
+<file path=ppt/slides/slide96.xml><?xml version="1.0" encoding="utf-8"?>
+<p:sld xmlns:a="http://schemas.openxmlformats.org/drawingml/2006/main" xmlns:r="http://schemas.openxmlformats.org/officeDocument/2006/relationships" xmlns:p="http://schemas.openxmlformats.org/presentationml/2006/main">
+  <p:cSld>
+    <p:spTree>
+      <p:nvGrpSpPr>
+        <p:cNvPr id="1" name=""/>
+        <p:cNvGrpSpPr/>
+        <p:nvPr/>
+      </p:nvGrpSpPr>
+      <p:grpSpPr>
+        <a:xfrm>
+          <a:off x="0" y="0"/>
+          <a:ext cx="0" cy="0"/>
+          <a:chOff x="0" y="0"/>
+          <a:chExt cx="0" cy="0"/>
+        </a:xfrm>
+      </p:grpSpPr>
+      <p:pic>
+        <p:nvPicPr>
+          <p:cNvPr id="3" name="Picture 2">
+            <a:extLst>
+              <a:ext uri="{FF2B5EF4-FFF2-40B4-BE49-F238E27FC236}">
+                <a16:creationId xmlns:a16="http://schemas.microsoft.com/office/drawing/2014/main" id="{161876D2-09BC-4294-B320-CFBD905B56E3}"/>
+              </a:ext>
+            </a:extLst>
+          </p:cNvPr>
+          <p:cNvPicPr>
+            <a:picLocks noChangeAspect="1"/>
+          </p:cNvPicPr>
+          <p:nvPr/>
+        </p:nvPicPr>
+        <p:blipFill>
+          <a:blip r:embed="rId2"/>
+          <a:stretch>
+            <a:fillRect/>
+          </a:stretch>
+        </p:blipFill>
+        <p:spPr>
+          <a:xfrm>
+            <a:off x="628650" y="614362"/>
+            <a:ext cx="7962900" cy="4829175"/>
+          </a:xfrm>
+          <a:prstGeom prst="rect">
+            <a:avLst/>
+          </a:prstGeom>
+        </p:spPr>
+      </p:pic>
+    </p:spTree>
+    <p:extLst>
+      <p:ext uri="{BB962C8B-B14F-4D97-AF65-F5344CB8AC3E}">
+        <p14:creationId xmlns:p14="http://schemas.microsoft.com/office/powerpoint/2010/main" val="1861354385"/>
+      </p:ext>
+    </p:extLst>
+  </p:cSld>
+  <p:clrMapOvr>
+    <a:masterClrMapping/>
+  </p:clrMapOvr>
+</p:sld>
+</file>
+
+<file path=ppt/slides/slide97.xml><?xml version="1.0" encoding="utf-8"?>
+<p:sld xmlns:a="http://schemas.openxmlformats.org/drawingml/2006/main" xmlns:r="http://schemas.openxmlformats.org/officeDocument/2006/relationships" xmlns:p="http://schemas.openxmlformats.org/presentationml/2006/main">
+  <p:cSld>
+    <p:spTree>
+      <p:nvGrpSpPr>
+        <p:cNvPr id="1" name=""/>
+        <p:cNvGrpSpPr/>
+        <p:nvPr/>
+      </p:nvGrpSpPr>
+      <p:grpSpPr>
+        <a:xfrm>
+          <a:off x="0" y="0"/>
+          <a:ext cx="0" cy="0"/>
+          <a:chOff x="0" y="0"/>
+          <a:chExt cx="0" cy="0"/>
+        </a:xfrm>
+      </p:grpSpPr>
+      <p:pic>
+        <p:nvPicPr>
+          <p:cNvPr id="3" name="Picture 2">
+            <a:extLst>
+              <a:ext uri="{FF2B5EF4-FFF2-40B4-BE49-F238E27FC236}">
+                <a16:creationId xmlns:a16="http://schemas.microsoft.com/office/drawing/2014/main" id="{0234CB74-D211-4A04-BF5D-2B4B4A48BBAB}"/>
+              </a:ext>
+            </a:extLst>
+          </p:cNvPr>
+          <p:cNvPicPr>
+            <a:picLocks noChangeAspect="1"/>
+          </p:cNvPicPr>
+          <p:nvPr/>
+        </p:nvPicPr>
+        <p:blipFill>
+          <a:blip r:embed="rId2"/>
+          <a:stretch>
+            <a:fillRect/>
+          </a:stretch>
+        </p:blipFill>
+        <p:spPr>
+          <a:xfrm>
+            <a:off x="0" y="257175"/>
+            <a:ext cx="12192000" cy="6600825"/>
+          </a:xfrm>
+          <a:prstGeom prst="rect">
+            <a:avLst/>
+          </a:prstGeom>
+        </p:spPr>
+      </p:pic>
+    </p:spTree>
+    <p:extLst>
+      <p:ext uri="{BB962C8B-B14F-4D97-AF65-F5344CB8AC3E}">
+        <p14:creationId xmlns:p14="http://schemas.microsoft.com/office/powerpoint/2010/main" val="4211299284"/>
+      </p:ext>
+    </p:extLst>
+  </p:cSld>
+  <p:clrMapOvr>
+    <a:masterClrMapping/>
+  </p:clrMapOvr>
+</p:sld>
+</file>
+
+<file path=ppt/slides/slide98.xml><?xml version="1.0" encoding="utf-8"?>
+<p:sld xmlns:a="http://schemas.openxmlformats.org/drawingml/2006/main" xmlns:r="http://schemas.openxmlformats.org/officeDocument/2006/relationships" xmlns:p="http://schemas.openxmlformats.org/presentationml/2006/main">
+  <p:cSld>
+    <p:spTree>
+      <p:nvGrpSpPr>
+        <p:cNvPr id="1" name=""/>
+        <p:cNvGrpSpPr/>
+        <p:nvPr/>
+      </p:nvGrpSpPr>
+      <p:grpSpPr>
+        <a:xfrm>
+          <a:off x="0" y="0"/>
+          <a:ext cx="0" cy="0"/>
+          <a:chOff x="0" y="0"/>
+          <a:chExt cx="0" cy="0"/>
+        </a:xfrm>
+      </p:grpSpPr>
+      <p:pic>
+        <p:nvPicPr>
+          <p:cNvPr id="3" name="Picture 2">
+            <a:extLst>
+              <a:ext uri="{FF2B5EF4-FFF2-40B4-BE49-F238E27FC236}">
+                <a16:creationId xmlns:a16="http://schemas.microsoft.com/office/drawing/2014/main" id="{AE4EB972-F13A-4532-B9AD-1CF831FFE389}"/>
+              </a:ext>
+            </a:extLst>
+          </p:cNvPr>
+          <p:cNvPicPr>
+            <a:picLocks noChangeAspect="1"/>
+          </p:cNvPicPr>
+          <p:nvPr/>
+        </p:nvPicPr>
+        <p:blipFill>
+          <a:blip r:embed="rId2"/>
+          <a:stretch>
+            <a:fillRect/>
+          </a:stretch>
+        </p:blipFill>
+        <p:spPr>
+          <a:xfrm>
+            <a:off x="0" y="242889"/>
+            <a:ext cx="12458700" cy="6743700"/>
+          </a:xfrm>
+          <a:prstGeom prst="rect">
+            <a:avLst/>
+          </a:prstGeom>
+        </p:spPr>
+      </p:pic>
+    </p:spTree>
+    <p:extLst>
+      <p:ext uri="{BB962C8B-B14F-4D97-AF65-F5344CB8AC3E}">
+        <p14:creationId xmlns:p14="http://schemas.microsoft.com/office/powerpoint/2010/main" val="1581270067"/>
+      </p:ext>
+    </p:extLst>
+  </p:cSld>
+  <p:clrMapOvr>
+    <a:masterClrMapping/>
+  </p:clrMapOvr>
+</p:sld>
+</file>
+
+<file path=ppt/slides/slide99.xml><?xml version="1.0" encoding="utf-8"?>
+<p:sld xmlns:a="http://schemas.openxmlformats.org/drawingml/2006/main" xmlns:r="http://schemas.openxmlformats.org/officeDocument/2006/relationships" xmlns:p="http://schemas.openxmlformats.org/presentationml/2006/main">
+  <p:cSld>
+    <p:spTree>
+      <p:nvGrpSpPr>
+        <p:cNvPr id="1" name=""/>
+        <p:cNvGrpSpPr/>
+        <p:nvPr/>
+      </p:nvGrpSpPr>
+      <p:grpSpPr>
+        <a:xfrm>
+          <a:off x="0" y="0"/>
+          <a:ext cx="0" cy="0"/>
+          <a:chOff x="0" y="0"/>
+          <a:chExt cx="0" cy="0"/>
+        </a:xfrm>
+      </p:grpSpPr>
+      <p:pic>
+        <p:nvPicPr>
+          <p:cNvPr id="3" name="Picture 2">
+            <a:extLst>
+              <a:ext uri="{FF2B5EF4-FFF2-40B4-BE49-F238E27FC236}">
+                <a16:creationId xmlns:a16="http://schemas.microsoft.com/office/drawing/2014/main" id="{897A2E77-001B-4A56-908C-6C260EF502F2}"/>
+              </a:ext>
+            </a:extLst>
+          </p:cNvPr>
+          <p:cNvPicPr>
+            <a:picLocks noChangeAspect="1"/>
+          </p:cNvPicPr>
+          <p:nvPr/>
+        </p:nvPicPr>
+        <p:blipFill>
+          <a:blip r:embed="rId2"/>
+          <a:stretch>
+            <a:fillRect/>
+          </a:stretch>
+        </p:blipFill>
+        <p:spPr>
+          <a:xfrm>
+            <a:off x="142876" y="100014"/>
+            <a:ext cx="12049124" cy="6538912"/>
+          </a:xfrm>
+          <a:prstGeom prst="rect">
+            <a:avLst/>
+          </a:prstGeom>
+        </p:spPr>
+      </p:pic>
+    </p:spTree>
+    <p:extLst>
+      <p:ext uri="{BB962C8B-B14F-4D97-AF65-F5344CB8AC3E}">
+        <p14:creationId xmlns:p14="http://schemas.microsoft.com/office/powerpoint/2010/main" val="1136032521"/>
+      </p:ext>
+    </p:extLst>
+  </p:cSld>
+  <p:clrMapOvr>
+    <a:masterClrMapping/>
+  </p:clrMapOvr>
+</p:sld>
+</file>
+
 <file path=ppt/theme/theme1.xml><?xml version="1.0" encoding="utf-8"?>
 <a:theme xmlns:a="http://schemas.openxmlformats.org/drawingml/2006/main" name="Facet">
   <a:themeElements>

--- a/HTML CSS JS.pptx
+++ b/HTML CSS JS.pptx
@@ -119,6 +119,16 @@
     <p:sldId id="367" r:id="rId113"/>
     <p:sldId id="368" r:id="rId114"/>
     <p:sldId id="369" r:id="rId115"/>
+    <p:sldId id="370" r:id="rId116"/>
+    <p:sldId id="371" r:id="rId117"/>
+    <p:sldId id="372" r:id="rId118"/>
+    <p:sldId id="373" r:id="rId119"/>
+    <p:sldId id="374" r:id="rId120"/>
+    <p:sldId id="375" r:id="rId121"/>
+    <p:sldId id="376" r:id="rId122"/>
+    <p:sldId id="377" r:id="rId123"/>
+    <p:sldId id="378" r:id="rId124"/>
+    <p:sldId id="379" r:id="rId125"/>
   </p:sldIdLst>
   <p:sldSz cx="12192000" cy="6858000"/>
   <p:notesSz cx="6858000" cy="9144000"/>
@@ -959,7 +969,7 @@
           <a:p>
             <a:fld id="{51A48B9A-BD19-4C2A-9336-280312A26A2B}" type="datetimeFigureOut">
               <a:rPr lang="en-US" smtClean="0"/>
-              <a:t>6/29/2021</a:t>
+              <a:t>7/1/2021</a:t>
             </a:fld>
             <a:endParaRPr lang="en-US" dirty="0"/>
           </a:p>
@@ -1210,7 +1220,7 @@
           <a:p>
             <a:fld id="{51A48B9A-BD19-4C2A-9336-280312A26A2B}" type="datetimeFigureOut">
               <a:rPr lang="en-US" smtClean="0"/>
-              <a:t>6/29/2021</a:t>
+              <a:t>7/1/2021</a:t>
             </a:fld>
             <a:endParaRPr lang="en-US" dirty="0"/>
           </a:p>
@@ -1524,7 +1534,7 @@
           <a:p>
             <a:fld id="{51A48B9A-BD19-4C2A-9336-280312A26A2B}" type="datetimeFigureOut">
               <a:rPr lang="en-US" smtClean="0"/>
-              <a:t>6/29/2021</a:t>
+              <a:t>7/1/2021</a:t>
             </a:fld>
             <a:endParaRPr lang="en-US" dirty="0"/>
           </a:p>
@@ -1865,7 +1875,7 @@
           <a:p>
             <a:fld id="{51A48B9A-BD19-4C2A-9336-280312A26A2B}" type="datetimeFigureOut">
               <a:rPr lang="en-US" smtClean="0"/>
-              <a:t>6/29/2021</a:t>
+              <a:t>7/1/2021</a:t>
             </a:fld>
             <a:endParaRPr lang="en-US" dirty="0"/>
           </a:p>
@@ -2179,7 +2189,7 @@
           <a:p>
             <a:fld id="{51A48B9A-BD19-4C2A-9336-280312A26A2B}" type="datetimeFigureOut">
               <a:rPr lang="en-US" smtClean="0"/>
-              <a:t>6/29/2021</a:t>
+              <a:t>7/1/2021</a:t>
             </a:fld>
             <a:endParaRPr lang="en-US" dirty="0"/>
           </a:p>
@@ -2572,7 +2582,7 @@
           <a:p>
             <a:fld id="{51A48B9A-BD19-4C2A-9336-280312A26A2B}" type="datetimeFigureOut">
               <a:rPr lang="en-US" smtClean="0"/>
-              <a:t>6/29/2021</a:t>
+              <a:t>7/1/2021</a:t>
             </a:fld>
             <a:endParaRPr lang="en-US" dirty="0"/>
           </a:p>
@@ -2742,7 +2752,7 @@
           <a:p>
             <a:fld id="{51A48B9A-BD19-4C2A-9336-280312A26A2B}" type="datetimeFigureOut">
               <a:rPr lang="en-US" smtClean="0"/>
-              <a:t>6/29/2021</a:t>
+              <a:t>7/1/2021</a:t>
             </a:fld>
             <a:endParaRPr lang="en-US" dirty="0"/>
           </a:p>
@@ -2922,7 +2932,7 @@
           <a:p>
             <a:fld id="{51A48B9A-BD19-4C2A-9336-280312A26A2B}" type="datetimeFigureOut">
               <a:rPr lang="en-US" smtClean="0"/>
-              <a:t>6/29/2021</a:t>
+              <a:t>7/1/2021</a:t>
             </a:fld>
             <a:endParaRPr lang="en-US" dirty="0"/>
           </a:p>
@@ -3098,7 +3108,7 @@
           <a:p>
             <a:fld id="{51A48B9A-BD19-4C2A-9336-280312A26A2B}" type="datetimeFigureOut">
               <a:rPr lang="en-US" smtClean="0"/>
-              <a:t>6/29/2021</a:t>
+              <a:t>7/1/2021</a:t>
             </a:fld>
             <a:endParaRPr lang="en-US" dirty="0"/>
           </a:p>
@@ -3345,7 +3355,7 @@
           <a:p>
             <a:fld id="{51A48B9A-BD19-4C2A-9336-280312A26A2B}" type="datetimeFigureOut">
               <a:rPr lang="en-US" smtClean="0"/>
-              <a:t>6/29/2021</a:t>
+              <a:t>7/1/2021</a:t>
             </a:fld>
             <a:endParaRPr lang="en-US" dirty="0"/>
           </a:p>
@@ -3577,7 +3587,7 @@
           <a:p>
             <a:fld id="{51A48B9A-BD19-4C2A-9336-280312A26A2B}" type="datetimeFigureOut">
               <a:rPr lang="en-US" smtClean="0"/>
-              <a:t>6/29/2021</a:t>
+              <a:t>7/1/2021</a:t>
             </a:fld>
             <a:endParaRPr lang="en-US" dirty="0"/>
           </a:p>
@@ -3951,7 +3961,7 @@
           <a:p>
             <a:fld id="{51A48B9A-BD19-4C2A-9336-280312A26A2B}" type="datetimeFigureOut">
               <a:rPr lang="en-US" smtClean="0"/>
-              <a:t>6/29/2021</a:t>
+              <a:t>7/1/2021</a:t>
             </a:fld>
             <a:endParaRPr lang="en-US" dirty="0"/>
           </a:p>
@@ -4074,7 +4084,7 @@
           <a:p>
             <a:fld id="{51A48B9A-BD19-4C2A-9336-280312A26A2B}" type="datetimeFigureOut">
               <a:rPr lang="en-US" smtClean="0"/>
-              <a:t>6/29/2021</a:t>
+              <a:t>7/1/2021</a:t>
             </a:fld>
             <a:endParaRPr lang="en-US" dirty="0"/>
           </a:p>
@@ -4169,7 +4179,7 @@
           <a:p>
             <a:fld id="{51A48B9A-BD19-4C2A-9336-280312A26A2B}" type="datetimeFigureOut">
               <a:rPr lang="en-US" smtClean="0"/>
-              <a:t>6/29/2021</a:t>
+              <a:t>7/1/2021</a:t>
             </a:fld>
             <a:endParaRPr lang="en-US" dirty="0"/>
           </a:p>
@@ -4424,7 +4434,7 @@
           <a:p>
             <a:fld id="{51A48B9A-BD19-4C2A-9336-280312A26A2B}" type="datetimeFigureOut">
               <a:rPr lang="en-US" smtClean="0"/>
-              <a:t>6/29/2021</a:t>
+              <a:t>7/1/2021</a:t>
             </a:fld>
             <a:endParaRPr lang="en-US" dirty="0"/>
           </a:p>
@@ -4687,7 +4697,7 @@
           <a:p>
             <a:fld id="{51A48B9A-BD19-4C2A-9336-280312A26A2B}" type="datetimeFigureOut">
               <a:rPr lang="en-US" smtClean="0"/>
-              <a:t>6/29/2021</a:t>
+              <a:t>7/1/2021</a:t>
             </a:fld>
             <a:endParaRPr lang="en-US" dirty="0"/>
           </a:p>
@@ -5430,7 +5440,7 @@
           <a:p>
             <a:fld id="{51A48B9A-BD19-4C2A-9336-280312A26A2B}" type="datetimeFigureOut">
               <a:rPr lang="en-US" smtClean="0"/>
-              <a:t>6/29/2021</a:t>
+              <a:t>7/1/2021</a:t>
             </a:fld>
             <a:endParaRPr lang="en-US" dirty="0"/>
           </a:p>
@@ -7529,6 +7539,1220 @@
 </p:sld>
 </file>
 
+<file path=ppt/slides/slide115.xml><?xml version="1.0" encoding="utf-8"?>
+<p:sld xmlns:a="http://schemas.openxmlformats.org/drawingml/2006/main" xmlns:r="http://schemas.openxmlformats.org/officeDocument/2006/relationships" xmlns:p="http://schemas.openxmlformats.org/presentationml/2006/main">
+  <p:cSld>
+    <p:spTree>
+      <p:nvGrpSpPr>
+        <p:cNvPr id="1" name=""/>
+        <p:cNvGrpSpPr/>
+        <p:nvPr/>
+      </p:nvGrpSpPr>
+      <p:grpSpPr>
+        <a:xfrm>
+          <a:off x="0" y="0"/>
+          <a:ext cx="0" cy="0"/>
+          <a:chOff x="0" y="0"/>
+          <a:chExt cx="0" cy="0"/>
+        </a:xfrm>
+      </p:grpSpPr>
+      <p:sp>
+        <p:nvSpPr>
+          <p:cNvPr id="2" name="TextBox 1">
+            <a:extLst>
+              <a:ext uri="{FF2B5EF4-FFF2-40B4-BE49-F238E27FC236}">
+                <a16:creationId xmlns:a16="http://schemas.microsoft.com/office/drawing/2014/main" id="{B26FCFE5-2CEF-45B9-A85A-DE6522D6D72B}"/>
+              </a:ext>
+            </a:extLst>
+          </p:cNvPr>
+          <p:cNvSpPr txBox="1"/>
+          <p:nvPr/>
+        </p:nvSpPr>
+        <p:spPr>
+          <a:xfrm>
+            <a:off x="0" y="0"/>
+            <a:ext cx="12192000" cy="7848302"/>
+          </a:xfrm>
+          <a:prstGeom prst="rect">
+            <a:avLst/>
+          </a:prstGeom>
+          <a:noFill/>
+        </p:spPr>
+        <p:txBody>
+          <a:bodyPr wrap="square" rtlCol="0">
+            <a:spAutoFit/>
+          </a:bodyPr>
+          <a:lstStyle/>
+          <a:p>
+            <a:r>
+              <a:rPr lang="en-US" dirty="0"/>
+              <a:t>Strings : Used for storing and </a:t>
+            </a:r>
+            <a:r>
+              <a:rPr lang="en-US" dirty="0" err="1"/>
+              <a:t>manuplating</a:t>
+            </a:r>
+            <a:r>
+              <a:rPr lang="en-US" dirty="0"/>
+              <a:t> the text</a:t>
+            </a:r>
+          </a:p>
+          <a:p>
+            <a:endParaRPr lang="en-US" dirty="0"/>
+          </a:p>
+          <a:p>
+            <a:r>
+              <a:rPr lang="en-US" dirty="0"/>
+              <a:t>String are in any language group of characters inside the quotes(single or double quotes)</a:t>
+            </a:r>
+          </a:p>
+          <a:p>
+            <a:endParaRPr lang="en-US" dirty="0"/>
+          </a:p>
+          <a:p>
+            <a:r>
+              <a:rPr lang="en-US" dirty="0"/>
+              <a:t>Let Sandeep = “good morning”</a:t>
+            </a:r>
+          </a:p>
+          <a:p>
+            <a:endParaRPr lang="en-US" dirty="0"/>
+          </a:p>
+          <a:p>
+            <a:r>
+              <a:rPr lang="en-US" dirty="0"/>
+              <a:t>Let </a:t>
+            </a:r>
+            <a:r>
+              <a:rPr lang="en-US" dirty="0" err="1"/>
+              <a:t>sanvik</a:t>
+            </a:r>
+            <a:r>
+              <a:rPr lang="en-US" dirty="0"/>
+              <a:t> = ‘good boy’</a:t>
+            </a:r>
+          </a:p>
+          <a:p>
+            <a:endParaRPr lang="en-US" dirty="0"/>
+          </a:p>
+          <a:p>
+            <a:r>
+              <a:rPr lang="en-US" dirty="0"/>
+              <a:t>We can use the quotes inside the string as long as they don't match the quotes surrounding the string</a:t>
+            </a:r>
+          </a:p>
+          <a:p>
+            <a:endParaRPr lang="en-US" dirty="0"/>
+          </a:p>
+          <a:p>
+            <a:r>
+              <a:rPr lang="en-US" dirty="0"/>
+              <a:t>Let Kishore = “Testing the ‘spring’ framework”;  //valid syntax</a:t>
+            </a:r>
+          </a:p>
+          <a:p>
+            <a:r>
+              <a:rPr lang="en-US" dirty="0"/>
+              <a:t>Let ram = ‘Testing the “hibernate” framework’  // valid syntax</a:t>
+            </a:r>
+          </a:p>
+          <a:p>
+            <a:endParaRPr lang="en-US" dirty="0"/>
+          </a:p>
+          <a:p>
+            <a:r>
+              <a:rPr lang="en-US" dirty="0"/>
+              <a:t>Build in properties.</a:t>
+            </a:r>
+          </a:p>
+          <a:p>
+            <a:endParaRPr lang="en-US" dirty="0"/>
+          </a:p>
+          <a:p>
+            <a:r>
+              <a:rPr lang="en-US" dirty="0"/>
+              <a:t>Length – </a:t>
+            </a:r>
+            <a:r>
+              <a:rPr lang="en-US" dirty="0" err="1"/>
+              <a:t>string.length</a:t>
+            </a:r>
+            <a:r>
+              <a:rPr lang="en-US" dirty="0"/>
+              <a:t> // gives the number of characters in the string.</a:t>
+            </a:r>
+          </a:p>
+          <a:p>
+            <a:endParaRPr lang="en-US" dirty="0"/>
+          </a:p>
+          <a:p>
+            <a:r>
+              <a:rPr lang="en-US" dirty="0"/>
+              <a:t>Escape characters:</a:t>
+            </a:r>
+          </a:p>
+          <a:p>
+            <a:endParaRPr lang="en-US" dirty="0"/>
+          </a:p>
+          <a:p>
+            <a:r>
+              <a:rPr lang="en-US" b="0" i="0" dirty="0">
+                <a:solidFill>
+                  <a:srgbClr val="000000"/>
+                </a:solidFill>
+                <a:effectLst/>
+                <a:latin typeface="Verdana" panose="020B0604030504040204" pitchFamily="34" charset="0"/>
+              </a:rPr>
+              <a:t>strings must be written within quotes, JavaScript will misunderstand this string</a:t>
+            </a:r>
+          </a:p>
+          <a:p>
+            <a:endParaRPr lang="en-US" dirty="0">
+              <a:solidFill>
+                <a:srgbClr val="000000"/>
+              </a:solidFill>
+              <a:latin typeface="Verdana" panose="020B0604030504040204" pitchFamily="34" charset="0"/>
+            </a:endParaRPr>
+          </a:p>
+          <a:p>
+            <a:r>
+              <a:rPr lang="en-US" b="0" i="0" dirty="0">
+                <a:solidFill>
+                  <a:srgbClr val="0000CD"/>
+                </a:solidFill>
+                <a:effectLst/>
+                <a:latin typeface="Consolas" panose="020B0609020204030204" pitchFamily="49" charset="0"/>
+              </a:rPr>
+              <a:t>Let</a:t>
+            </a:r>
+            <a:r>
+              <a:rPr lang="en-US" dirty="0">
+                <a:solidFill>
+                  <a:srgbClr val="000000"/>
+                </a:solidFill>
+                <a:latin typeface="Consolas" panose="020B0609020204030204" pitchFamily="49" charset="0"/>
+              </a:rPr>
+              <a:t> test</a:t>
+            </a:r>
+            <a:r>
+              <a:rPr lang="en-US" b="0" i="0" dirty="0">
+                <a:solidFill>
+                  <a:srgbClr val="000000"/>
+                </a:solidFill>
+                <a:effectLst/>
+                <a:latin typeface="Consolas" panose="020B0609020204030204" pitchFamily="49" charset="0"/>
+              </a:rPr>
+              <a:t> = </a:t>
+            </a:r>
+            <a:r>
+              <a:rPr lang="en-US" b="0" i="0" dirty="0">
+                <a:solidFill>
+                  <a:srgbClr val="A52A2A"/>
+                </a:solidFill>
+                <a:effectLst/>
+                <a:latin typeface="Consolas" panose="020B0609020204030204" pitchFamily="49" charset="0"/>
+              </a:rPr>
+              <a:t>“good morning  “</a:t>
+            </a:r>
+            <a:r>
+              <a:rPr lang="en-US" dirty="0" err="1">
+                <a:solidFill>
+                  <a:srgbClr val="000000"/>
+                </a:solidFill>
+                <a:latin typeface="Consolas" panose="020B0609020204030204" pitchFamily="49" charset="0"/>
+              </a:rPr>
+              <a:t>sandeep</a:t>
+            </a:r>
+            <a:r>
+              <a:rPr lang="en-US" b="0" i="0" dirty="0">
+                <a:solidFill>
+                  <a:srgbClr val="A52A2A"/>
+                </a:solidFill>
+                <a:effectLst/>
+                <a:latin typeface="Consolas" panose="020B0609020204030204" pitchFamily="49" charset="0"/>
+              </a:rPr>
+              <a:t>" you can do it"</a:t>
+            </a:r>
+            <a:r>
+              <a:rPr lang="en-US" b="0" i="0" dirty="0">
+                <a:solidFill>
+                  <a:srgbClr val="000000"/>
+                </a:solidFill>
+                <a:effectLst/>
+                <a:latin typeface="Consolas" panose="020B0609020204030204" pitchFamily="49" charset="0"/>
+              </a:rPr>
+              <a:t>;</a:t>
+            </a:r>
+            <a:endParaRPr lang="en-US" dirty="0"/>
+          </a:p>
+          <a:p>
+            <a:endParaRPr lang="en-US" dirty="0"/>
+          </a:p>
+          <a:p>
+            <a:endParaRPr lang="en-US" dirty="0"/>
+          </a:p>
+          <a:p>
+            <a:endParaRPr lang="en-US" dirty="0"/>
+          </a:p>
+          <a:p>
+            <a:endParaRPr lang="en-US" dirty="0"/>
+          </a:p>
+          <a:p>
+            <a:endParaRPr lang="en-US" dirty="0"/>
+          </a:p>
+          <a:p>
+            <a:endParaRPr lang="en-US" dirty="0"/>
+          </a:p>
+        </p:txBody>
+      </p:sp>
+    </p:spTree>
+    <p:extLst>
+      <p:ext uri="{BB962C8B-B14F-4D97-AF65-F5344CB8AC3E}">
+        <p14:creationId xmlns:p14="http://schemas.microsoft.com/office/powerpoint/2010/main" val="2830331901"/>
+      </p:ext>
+    </p:extLst>
+  </p:cSld>
+  <p:clrMapOvr>
+    <a:masterClrMapping/>
+  </p:clrMapOvr>
+</p:sld>
+</file>
+
+<file path=ppt/slides/slide116.xml><?xml version="1.0" encoding="utf-8"?>
+<p:sld xmlns:a="http://schemas.openxmlformats.org/drawingml/2006/main" xmlns:r="http://schemas.openxmlformats.org/officeDocument/2006/relationships" xmlns:p="http://schemas.openxmlformats.org/presentationml/2006/main">
+  <p:cSld>
+    <p:spTree>
+      <p:nvGrpSpPr>
+        <p:cNvPr id="1" name=""/>
+        <p:cNvGrpSpPr/>
+        <p:nvPr/>
+      </p:nvGrpSpPr>
+      <p:grpSpPr>
+        <a:xfrm>
+          <a:off x="0" y="0"/>
+          <a:ext cx="0" cy="0"/>
+          <a:chOff x="0" y="0"/>
+          <a:chExt cx="0" cy="0"/>
+        </a:xfrm>
+      </p:grpSpPr>
+      <p:sp>
+        <p:nvSpPr>
+          <p:cNvPr id="2" name="TextBox 1">
+            <a:extLst>
+              <a:ext uri="{FF2B5EF4-FFF2-40B4-BE49-F238E27FC236}">
+                <a16:creationId xmlns:a16="http://schemas.microsoft.com/office/drawing/2014/main" id="{A69153D8-E3A1-479B-B220-4D38617783CE}"/>
+              </a:ext>
+            </a:extLst>
+          </p:cNvPr>
+          <p:cNvSpPr txBox="1"/>
+          <p:nvPr/>
+        </p:nvSpPr>
+        <p:spPr>
+          <a:xfrm>
+            <a:off x="103031" y="90152"/>
+            <a:ext cx="12192000" cy="6463308"/>
+          </a:xfrm>
+          <a:prstGeom prst="rect">
+            <a:avLst/>
+          </a:prstGeom>
+          <a:noFill/>
+        </p:spPr>
+        <p:txBody>
+          <a:bodyPr wrap="square" rtlCol="0">
+            <a:spAutoFit/>
+          </a:bodyPr>
+          <a:lstStyle/>
+          <a:p>
+            <a:r>
+              <a:rPr lang="en-US" dirty="0"/>
+              <a:t>The string will be chopped to "good morning".</a:t>
+            </a:r>
+          </a:p>
+          <a:p>
+            <a:endParaRPr lang="en-US" dirty="0"/>
+          </a:p>
+          <a:p>
+            <a:r>
+              <a:rPr lang="en-US" dirty="0"/>
+              <a:t>The solution to avoid this problem, is to use the backslash escape character.</a:t>
+            </a:r>
+          </a:p>
+          <a:p>
+            <a:endParaRPr lang="en-US" dirty="0"/>
+          </a:p>
+          <a:p>
+            <a:r>
+              <a:rPr lang="en-US" dirty="0"/>
+              <a:t>The backslash (\) escape character turns special characters into string characters</a:t>
+            </a:r>
+          </a:p>
+          <a:p>
+            <a:endParaRPr lang="en-US" dirty="0"/>
+          </a:p>
+          <a:p>
+            <a:r>
+              <a:rPr lang="en-US" dirty="0"/>
+              <a:t>let text = "good morning \"</a:t>
+            </a:r>
+            <a:r>
+              <a:rPr lang="en-US" dirty="0" err="1"/>
+              <a:t>sandeep</a:t>
+            </a:r>
+            <a:r>
+              <a:rPr lang="en-US" dirty="0"/>
+              <a:t>\" you can do it.";</a:t>
+            </a:r>
+          </a:p>
+          <a:p>
+            <a:endParaRPr lang="en-US" dirty="0"/>
+          </a:p>
+          <a:p>
+            <a:r>
+              <a:rPr lang="en-US" dirty="0"/>
+              <a:t>let test= ’good morning \’</a:t>
+            </a:r>
+            <a:r>
+              <a:rPr lang="en-US" dirty="0" err="1"/>
+              <a:t>sandeep</a:t>
+            </a:r>
+            <a:r>
+              <a:rPr lang="en-US" dirty="0"/>
+              <a:t>.’;</a:t>
+            </a:r>
+          </a:p>
+          <a:p>
+            <a:endParaRPr lang="en-US" dirty="0"/>
+          </a:p>
+          <a:p>
+            <a:r>
+              <a:rPr lang="en-US" dirty="0"/>
+              <a:t>let test = "The character \\ is called backslash.";</a:t>
+            </a:r>
+          </a:p>
+          <a:p>
+            <a:endParaRPr lang="en-US" dirty="0"/>
+          </a:p>
+          <a:p>
+            <a:r>
+              <a:rPr lang="en-US" dirty="0"/>
+              <a:t>You can also break up a code line within a text string with a single backslash</a:t>
+            </a:r>
+          </a:p>
+          <a:p>
+            <a:endParaRPr lang="en-US" dirty="0"/>
+          </a:p>
+          <a:p>
+            <a:r>
+              <a:rPr lang="en-US" dirty="0" err="1"/>
+              <a:t>document.getElementById</a:t>
+            </a:r>
+            <a:r>
+              <a:rPr lang="en-US" dirty="0"/>
+              <a:t>("demo").</a:t>
+            </a:r>
+            <a:r>
+              <a:rPr lang="en-US" dirty="0" err="1"/>
+              <a:t>innerHTML</a:t>
+            </a:r>
+            <a:r>
+              <a:rPr lang="en-US" dirty="0"/>
+              <a:t> = "Hello \</a:t>
+            </a:r>
+          </a:p>
+          <a:p>
+            <a:r>
+              <a:rPr lang="en-US" dirty="0" err="1"/>
+              <a:t>sandeep</a:t>
+            </a:r>
+            <a:r>
+              <a:rPr lang="en-US" dirty="0"/>
+              <a:t>!";</a:t>
+            </a:r>
+          </a:p>
+          <a:p>
+            <a:endParaRPr lang="en-US" dirty="0"/>
+          </a:p>
+          <a:p>
+            <a:r>
+              <a:rPr lang="en-US" dirty="0" err="1"/>
+              <a:t>document.getElementById</a:t>
+            </a:r>
+            <a:r>
+              <a:rPr lang="en-US" dirty="0"/>
+              <a:t>("demo").</a:t>
+            </a:r>
+            <a:r>
+              <a:rPr lang="en-US" dirty="0" err="1"/>
+              <a:t>innerHTML</a:t>
+            </a:r>
+            <a:r>
+              <a:rPr lang="en-US" dirty="0"/>
+              <a:t> = "Hello " +</a:t>
+            </a:r>
+          </a:p>
+          <a:p>
+            <a:r>
+              <a:rPr lang="en-US" dirty="0"/>
+              <a:t>"Dolly!";  // best way</a:t>
+            </a:r>
+          </a:p>
+          <a:p>
+            <a:endParaRPr lang="en-US" dirty="0">
+              <a:solidFill>
+                <a:srgbClr val="000000"/>
+              </a:solidFill>
+              <a:latin typeface="Consolas" panose="020B0609020204030204" pitchFamily="49" charset="0"/>
+            </a:endParaRPr>
+          </a:p>
+          <a:p>
+            <a:endParaRPr lang="en-US" b="0" i="0" dirty="0">
+              <a:solidFill>
+                <a:srgbClr val="000000"/>
+              </a:solidFill>
+              <a:effectLst/>
+              <a:latin typeface="Consolas" panose="020B0609020204030204" pitchFamily="49" charset="0"/>
+            </a:endParaRPr>
+          </a:p>
+          <a:p>
+            <a:endParaRPr lang="en-US" dirty="0">
+              <a:solidFill>
+                <a:srgbClr val="000000"/>
+              </a:solidFill>
+              <a:latin typeface="Consolas" panose="020B0609020204030204" pitchFamily="49" charset="0"/>
+            </a:endParaRPr>
+          </a:p>
+          <a:p>
+            <a:endParaRPr lang="en-US" dirty="0"/>
+          </a:p>
+        </p:txBody>
+      </p:sp>
+    </p:spTree>
+    <p:extLst>
+      <p:ext uri="{BB962C8B-B14F-4D97-AF65-F5344CB8AC3E}">
+        <p14:creationId xmlns:p14="http://schemas.microsoft.com/office/powerpoint/2010/main" val="178474551"/>
+      </p:ext>
+    </p:extLst>
+  </p:cSld>
+  <p:clrMapOvr>
+    <a:masterClrMapping/>
+  </p:clrMapOvr>
+</p:sld>
+</file>
+
+<file path=ppt/slides/slide117.xml><?xml version="1.0" encoding="utf-8"?>
+<p:sld xmlns:a="http://schemas.openxmlformats.org/drawingml/2006/main" xmlns:r="http://schemas.openxmlformats.org/officeDocument/2006/relationships" xmlns:p="http://schemas.openxmlformats.org/presentationml/2006/main">
+  <p:cSld>
+    <p:spTree>
+      <p:nvGrpSpPr>
+        <p:cNvPr id="1" name=""/>
+        <p:cNvGrpSpPr/>
+        <p:nvPr/>
+      </p:nvGrpSpPr>
+      <p:grpSpPr>
+        <a:xfrm>
+          <a:off x="0" y="0"/>
+          <a:ext cx="0" cy="0"/>
+          <a:chOff x="0" y="0"/>
+          <a:chExt cx="0" cy="0"/>
+        </a:xfrm>
+      </p:grpSpPr>
+      <p:sp>
+        <p:nvSpPr>
+          <p:cNvPr id="2" name="TextBox 1">
+            <a:extLst>
+              <a:ext uri="{FF2B5EF4-FFF2-40B4-BE49-F238E27FC236}">
+                <a16:creationId xmlns:a16="http://schemas.microsoft.com/office/drawing/2014/main" id="{4C25E14B-5946-4100-8316-A382F5602F78}"/>
+              </a:ext>
+            </a:extLst>
+          </p:cNvPr>
+          <p:cNvSpPr txBox="1"/>
+          <p:nvPr/>
+        </p:nvSpPr>
+        <p:spPr>
+          <a:xfrm>
+            <a:off x="0" y="0"/>
+            <a:ext cx="12192000" cy="7294305"/>
+          </a:xfrm>
+          <a:prstGeom prst="rect">
+            <a:avLst/>
+          </a:prstGeom>
+          <a:noFill/>
+        </p:spPr>
+        <p:txBody>
+          <a:bodyPr wrap="square" rtlCol="0">
+            <a:spAutoFit/>
+          </a:bodyPr>
+          <a:lstStyle/>
+          <a:p>
+            <a:r>
+              <a:rPr lang="en-US" dirty="0"/>
+              <a:t>Normally, JavaScript strings are primitive values, created from literals:</a:t>
+            </a:r>
+          </a:p>
+          <a:p>
+            <a:endParaRPr lang="en-US" dirty="0"/>
+          </a:p>
+          <a:p>
+            <a:r>
+              <a:rPr lang="en-US" dirty="0"/>
+              <a:t>let </a:t>
+            </a:r>
+            <a:r>
+              <a:rPr lang="en-US" dirty="0" err="1"/>
+              <a:t>firstName</a:t>
+            </a:r>
+            <a:r>
+              <a:rPr lang="en-US" dirty="0"/>
+              <a:t> = “</a:t>
+            </a:r>
+            <a:r>
+              <a:rPr lang="en-US" dirty="0" err="1"/>
+              <a:t>sanvik</a:t>
+            </a:r>
+            <a:r>
+              <a:rPr lang="en-US" dirty="0"/>
+              <a:t>";</a:t>
+            </a:r>
+          </a:p>
+          <a:p>
+            <a:endParaRPr lang="en-US" dirty="0"/>
+          </a:p>
+          <a:p>
+            <a:r>
+              <a:rPr lang="en-US" dirty="0"/>
+              <a:t>But strings can also be defined as objects with the keyword new:</a:t>
+            </a:r>
+          </a:p>
+          <a:p>
+            <a:endParaRPr lang="en-US" dirty="0"/>
+          </a:p>
+          <a:p>
+            <a:r>
+              <a:rPr lang="en-US" dirty="0"/>
+              <a:t>let </a:t>
+            </a:r>
+            <a:r>
+              <a:rPr lang="en-US" dirty="0" err="1"/>
+              <a:t>firstName</a:t>
+            </a:r>
+            <a:r>
+              <a:rPr lang="en-US" dirty="0"/>
+              <a:t> = new String(“</a:t>
+            </a:r>
+            <a:r>
+              <a:rPr lang="en-US" dirty="0" err="1"/>
+              <a:t>sandeep</a:t>
+            </a:r>
+            <a:r>
+              <a:rPr lang="en-US" dirty="0"/>
+              <a:t>");</a:t>
+            </a:r>
+          </a:p>
+          <a:p>
+            <a:endParaRPr lang="en-US" dirty="0"/>
+          </a:p>
+          <a:p>
+            <a:r>
+              <a:rPr lang="en-US" dirty="0"/>
+              <a:t>String methods:</a:t>
+            </a:r>
+          </a:p>
+          <a:p>
+            <a:endParaRPr lang="en-US" dirty="0"/>
+          </a:p>
+          <a:p>
+            <a:r>
+              <a:rPr lang="en-US" dirty="0"/>
+              <a:t>String methods help you to work with strings.</a:t>
+            </a:r>
+          </a:p>
+          <a:p>
+            <a:endParaRPr lang="en-US" dirty="0"/>
+          </a:p>
+          <a:p>
+            <a:r>
+              <a:rPr lang="en-US" dirty="0"/>
+              <a:t>with JavaScript, methods and properties are also available to primitive values, because JavaScript treats primitive values as objects when executing methods and properties.</a:t>
+            </a:r>
+          </a:p>
+          <a:p>
+            <a:endParaRPr lang="en-US" dirty="0"/>
+          </a:p>
+          <a:p>
+            <a:r>
+              <a:rPr lang="en-US" dirty="0"/>
+              <a:t>Extracting String Parts</a:t>
+            </a:r>
+          </a:p>
+          <a:p>
+            <a:r>
+              <a:rPr lang="en-US" dirty="0"/>
+              <a:t>There are 3 methods for extracting a part of a string:</a:t>
+            </a:r>
+          </a:p>
+          <a:p>
+            <a:endParaRPr lang="en-US" dirty="0"/>
+          </a:p>
+          <a:p>
+            <a:r>
+              <a:rPr lang="en-US" dirty="0"/>
+              <a:t>slice(start, end)  : slice() extracts a part of a string and returns the extracted part in a new string</a:t>
+            </a:r>
+          </a:p>
+          <a:p>
+            <a:endParaRPr lang="en-US" dirty="0"/>
+          </a:p>
+          <a:p>
+            <a:r>
+              <a:rPr lang="en-US" dirty="0"/>
+              <a:t>Syntax</a:t>
+            </a:r>
+          </a:p>
+          <a:p>
+            <a:r>
+              <a:rPr lang="en-US" dirty="0" err="1"/>
+              <a:t>str.slice</a:t>
+            </a:r>
+            <a:r>
+              <a:rPr lang="en-US" dirty="0"/>
+              <a:t>(8,10)</a:t>
+            </a:r>
+          </a:p>
+          <a:p>
+            <a:endParaRPr lang="en-US" dirty="0"/>
+          </a:p>
+          <a:p>
+            <a:r>
+              <a:rPr lang="en-US" dirty="0"/>
+              <a:t>substring(start, end) : JavaScript counts positions from zero. First position is 0.</a:t>
+            </a:r>
+          </a:p>
+          <a:p>
+            <a:r>
+              <a:rPr lang="en-US" dirty="0"/>
+              <a:t>If a parameter is negative, the position is counted from the end of the string</a:t>
+            </a:r>
+          </a:p>
+        </p:txBody>
+      </p:sp>
+    </p:spTree>
+    <p:extLst>
+      <p:ext uri="{BB962C8B-B14F-4D97-AF65-F5344CB8AC3E}">
+        <p14:creationId xmlns:p14="http://schemas.microsoft.com/office/powerpoint/2010/main" val="3571988112"/>
+      </p:ext>
+    </p:extLst>
+  </p:cSld>
+  <p:clrMapOvr>
+    <a:masterClrMapping/>
+  </p:clrMapOvr>
+</p:sld>
+</file>
+
+<file path=ppt/slides/slide118.xml><?xml version="1.0" encoding="utf-8"?>
+<p:sld xmlns:a="http://schemas.openxmlformats.org/drawingml/2006/main" xmlns:r="http://schemas.openxmlformats.org/officeDocument/2006/relationships" xmlns:p="http://schemas.openxmlformats.org/presentationml/2006/main">
+  <p:cSld>
+    <p:spTree>
+      <p:nvGrpSpPr>
+        <p:cNvPr id="1" name=""/>
+        <p:cNvGrpSpPr/>
+        <p:nvPr/>
+      </p:nvGrpSpPr>
+      <p:grpSpPr>
+        <a:xfrm>
+          <a:off x="0" y="0"/>
+          <a:ext cx="0" cy="0"/>
+          <a:chOff x="0" y="0"/>
+          <a:chExt cx="0" cy="0"/>
+        </a:xfrm>
+      </p:grpSpPr>
+      <p:sp>
+        <p:nvSpPr>
+          <p:cNvPr id="2" name="TextBox 1">
+            <a:extLst>
+              <a:ext uri="{FF2B5EF4-FFF2-40B4-BE49-F238E27FC236}">
+                <a16:creationId xmlns:a16="http://schemas.microsoft.com/office/drawing/2014/main" id="{CF530FEA-11BB-41F7-BE4D-3DE8689CE6AB}"/>
+              </a:ext>
+            </a:extLst>
+          </p:cNvPr>
+          <p:cNvSpPr txBox="1"/>
+          <p:nvPr/>
+        </p:nvSpPr>
+        <p:spPr>
+          <a:xfrm>
+            <a:off x="0" y="115910"/>
+            <a:ext cx="12192000" cy="6742090"/>
+          </a:xfrm>
+          <a:prstGeom prst="rect">
+            <a:avLst/>
+          </a:prstGeom>
+          <a:noFill/>
+        </p:spPr>
+        <p:txBody>
+          <a:bodyPr wrap="square" rtlCol="0">
+            <a:spAutoFit/>
+          </a:bodyPr>
+          <a:lstStyle/>
+          <a:p>
+            <a:endParaRPr lang="en-US" dirty="0"/>
+          </a:p>
+        </p:txBody>
+      </p:sp>
+      <p:sp>
+        <p:nvSpPr>
+          <p:cNvPr id="3" name="TextBox 2">
+            <a:extLst>
+              <a:ext uri="{FF2B5EF4-FFF2-40B4-BE49-F238E27FC236}">
+                <a16:creationId xmlns:a16="http://schemas.microsoft.com/office/drawing/2014/main" id="{97B95318-440E-4FA3-8941-2CC89A56516C}"/>
+              </a:ext>
+            </a:extLst>
+          </p:cNvPr>
+          <p:cNvSpPr txBox="1"/>
+          <p:nvPr/>
+        </p:nvSpPr>
+        <p:spPr>
+          <a:xfrm>
+            <a:off x="0" y="0"/>
+            <a:ext cx="12192000" cy="7571303"/>
+          </a:xfrm>
+          <a:prstGeom prst="rect">
+            <a:avLst/>
+          </a:prstGeom>
+          <a:noFill/>
+        </p:spPr>
+        <p:txBody>
+          <a:bodyPr wrap="square" rtlCol="0">
+            <a:spAutoFit/>
+          </a:bodyPr>
+          <a:lstStyle/>
+          <a:p>
+            <a:r>
+              <a:rPr lang="en-US" dirty="0"/>
+              <a:t>substring(start, end)</a:t>
+            </a:r>
+          </a:p>
+          <a:p>
+            <a:r>
+              <a:rPr lang="en-US" dirty="0"/>
+              <a:t>substring() is similar to slice().</a:t>
+            </a:r>
+          </a:p>
+          <a:p>
+            <a:endParaRPr lang="en-US" dirty="0"/>
+          </a:p>
+          <a:p>
+            <a:r>
+              <a:rPr lang="en-US" dirty="0"/>
+              <a:t>The difference is that substring() cannot accept negative indexes.</a:t>
+            </a:r>
+          </a:p>
+          <a:p>
+            <a:endParaRPr lang="en-US" dirty="0"/>
+          </a:p>
+          <a:p>
+            <a:r>
+              <a:rPr lang="en-US" dirty="0" err="1"/>
+              <a:t>substr</a:t>
+            </a:r>
+            <a:r>
+              <a:rPr lang="en-US" dirty="0"/>
+              <a:t>(start, length)</a:t>
+            </a:r>
+          </a:p>
+          <a:p>
+            <a:endParaRPr lang="en-US" dirty="0"/>
+          </a:p>
+          <a:p>
+            <a:r>
+              <a:rPr lang="en-US" dirty="0" err="1"/>
+              <a:t>substr</a:t>
+            </a:r>
+            <a:r>
+              <a:rPr lang="en-US" dirty="0"/>
+              <a:t>() is similar to slice().</a:t>
+            </a:r>
+          </a:p>
+          <a:p>
+            <a:endParaRPr lang="en-US" dirty="0"/>
+          </a:p>
+          <a:p>
+            <a:r>
+              <a:rPr lang="en-US" dirty="0"/>
+              <a:t>The difference is that the second parameter specifies the length of the extracted part.</a:t>
+            </a:r>
+          </a:p>
+          <a:p>
+            <a:endParaRPr lang="en-US" dirty="0"/>
+          </a:p>
+          <a:p>
+            <a:r>
+              <a:rPr lang="en-US" dirty="0"/>
+              <a:t>If the first parameter is negative, the position counts from the end of the string.</a:t>
+            </a:r>
+          </a:p>
+          <a:p>
+            <a:endParaRPr lang="en-US" dirty="0"/>
+          </a:p>
+          <a:p>
+            <a:r>
+              <a:rPr lang="en-US" dirty="0"/>
+              <a:t>Replace()</a:t>
+            </a:r>
+          </a:p>
+          <a:p>
+            <a:endParaRPr lang="en-US" dirty="0"/>
+          </a:p>
+          <a:p>
+            <a:r>
+              <a:rPr lang="en-US" dirty="0"/>
+              <a:t>The replace() method replaces a specified value with another value in a string</a:t>
+            </a:r>
+          </a:p>
+          <a:p>
+            <a:endParaRPr lang="en-US" dirty="0"/>
+          </a:p>
+          <a:p>
+            <a:r>
+              <a:rPr lang="en-US" dirty="0"/>
+              <a:t>let text = “Sandeep is in class!";</a:t>
+            </a:r>
+          </a:p>
+          <a:p>
+            <a:r>
+              <a:rPr lang="en-US" dirty="0"/>
+              <a:t>let </a:t>
+            </a:r>
+            <a:r>
+              <a:rPr lang="en-US" dirty="0" err="1"/>
+              <a:t>newText</a:t>
+            </a:r>
+            <a:r>
+              <a:rPr lang="en-US" dirty="0"/>
+              <a:t> = </a:t>
+            </a:r>
+            <a:r>
+              <a:rPr lang="en-US" dirty="0" err="1"/>
+              <a:t>text.replace</a:t>
+            </a:r>
+            <a:r>
+              <a:rPr lang="en-US" dirty="0"/>
+              <a:t>(“</a:t>
+            </a:r>
+            <a:r>
+              <a:rPr lang="en-US" dirty="0" err="1"/>
+              <a:t>sandeep</a:t>
+            </a:r>
+            <a:r>
+              <a:rPr lang="en-US" dirty="0"/>
+              <a:t>", “</a:t>
+            </a:r>
+            <a:r>
+              <a:rPr lang="en-US" dirty="0" err="1"/>
+              <a:t>kishore</a:t>
+            </a:r>
+            <a:r>
+              <a:rPr lang="en-US" dirty="0"/>
+              <a:t>");</a:t>
+            </a:r>
+          </a:p>
+          <a:p>
+            <a:endParaRPr lang="en-US" dirty="0"/>
+          </a:p>
+          <a:p>
+            <a:r>
+              <a:rPr lang="en-US" dirty="0"/>
+              <a:t>the replace() method is case sensitive.</a:t>
+            </a:r>
+          </a:p>
+          <a:p>
+            <a:r>
+              <a:rPr lang="en-US" dirty="0"/>
+              <a:t>To replace case insensitive, use a regular expression with an /</a:t>
+            </a:r>
+            <a:r>
+              <a:rPr lang="en-US" dirty="0" err="1"/>
+              <a:t>i</a:t>
+            </a:r>
+            <a:r>
+              <a:rPr lang="en-US" dirty="0"/>
+              <a:t> flag </a:t>
+            </a:r>
+          </a:p>
+          <a:p>
+            <a:endParaRPr lang="en-US" dirty="0"/>
+          </a:p>
+          <a:p>
+            <a:r>
+              <a:rPr lang="en-US" dirty="0"/>
+              <a:t>let text = "Please visit </a:t>
+            </a:r>
+            <a:r>
+              <a:rPr lang="en-US" dirty="0" err="1"/>
+              <a:t>tcs</a:t>
+            </a:r>
+            <a:r>
+              <a:rPr lang="en-US" dirty="0"/>
+              <a:t>";</a:t>
+            </a:r>
+          </a:p>
+          <a:p>
+            <a:r>
+              <a:rPr lang="en-US" dirty="0"/>
+              <a:t>let </a:t>
+            </a:r>
+            <a:r>
+              <a:rPr lang="en-US" dirty="0" err="1"/>
+              <a:t>newText</a:t>
+            </a:r>
+            <a:r>
+              <a:rPr lang="en-US" dirty="0"/>
+              <a:t> = </a:t>
+            </a:r>
+            <a:r>
+              <a:rPr lang="en-US" dirty="0" err="1"/>
+              <a:t>text.replace</a:t>
+            </a:r>
+            <a:r>
+              <a:rPr lang="en-US" dirty="0"/>
+              <a:t>(/TCS/</a:t>
+            </a:r>
+            <a:r>
+              <a:rPr lang="en-US" dirty="0" err="1"/>
+              <a:t>i</a:t>
+            </a:r>
+            <a:r>
+              <a:rPr lang="en-US" dirty="0"/>
+              <a:t>, "</a:t>
+            </a:r>
+            <a:r>
+              <a:rPr lang="en-US" dirty="0" err="1"/>
+              <a:t>infosis</a:t>
+            </a:r>
+            <a:r>
+              <a:rPr lang="en-US" dirty="0"/>
+              <a:t>");</a:t>
+            </a:r>
+          </a:p>
+          <a:p>
+            <a:endParaRPr lang="en-US" dirty="0"/>
+          </a:p>
+          <a:p>
+            <a:endParaRPr lang="en-US" dirty="0"/>
+          </a:p>
+        </p:txBody>
+      </p:sp>
+    </p:spTree>
+    <p:extLst>
+      <p:ext uri="{BB962C8B-B14F-4D97-AF65-F5344CB8AC3E}">
+        <p14:creationId xmlns:p14="http://schemas.microsoft.com/office/powerpoint/2010/main" val="395704109"/>
+      </p:ext>
+    </p:extLst>
+  </p:cSld>
+  <p:clrMapOvr>
+    <a:masterClrMapping/>
+  </p:clrMapOvr>
+</p:sld>
+</file>
+
+<file path=ppt/slides/slide119.xml><?xml version="1.0" encoding="utf-8"?>
+<p:sld xmlns:a="http://schemas.openxmlformats.org/drawingml/2006/main" xmlns:r="http://schemas.openxmlformats.org/officeDocument/2006/relationships" xmlns:p="http://schemas.openxmlformats.org/presentationml/2006/main">
+  <p:cSld>
+    <p:spTree>
+      <p:nvGrpSpPr>
+        <p:cNvPr id="1" name=""/>
+        <p:cNvGrpSpPr/>
+        <p:nvPr/>
+      </p:nvGrpSpPr>
+      <p:grpSpPr>
+        <a:xfrm>
+          <a:off x="0" y="0"/>
+          <a:ext cx="0" cy="0"/>
+          <a:chOff x="0" y="0"/>
+          <a:chExt cx="0" cy="0"/>
+        </a:xfrm>
+      </p:grpSpPr>
+      <p:sp>
+        <p:nvSpPr>
+          <p:cNvPr id="2" name="TextBox 1">
+            <a:extLst>
+              <a:ext uri="{FF2B5EF4-FFF2-40B4-BE49-F238E27FC236}">
+                <a16:creationId xmlns:a16="http://schemas.microsoft.com/office/drawing/2014/main" id="{87AFC30F-7D38-4F8C-AE11-21F597AEF338}"/>
+              </a:ext>
+            </a:extLst>
+          </p:cNvPr>
+          <p:cNvSpPr txBox="1"/>
+          <p:nvPr/>
+        </p:nvSpPr>
+        <p:spPr>
+          <a:xfrm>
+            <a:off x="90152" y="103031"/>
+            <a:ext cx="11822806" cy="1754326"/>
+          </a:xfrm>
+          <a:prstGeom prst="rect">
+            <a:avLst/>
+          </a:prstGeom>
+          <a:noFill/>
+        </p:spPr>
+        <p:txBody>
+          <a:bodyPr wrap="square" rtlCol="0">
+            <a:spAutoFit/>
+          </a:bodyPr>
+          <a:lstStyle/>
+          <a:p>
+            <a:r>
+              <a:rPr lang="en-US" dirty="0"/>
+              <a:t>To replace all matches, use a regular expression with a /g flag</a:t>
+            </a:r>
+          </a:p>
+          <a:p>
+            <a:endParaRPr lang="en-US" dirty="0"/>
+          </a:p>
+          <a:p>
+            <a:r>
+              <a:rPr lang="en-US" b="0" i="0" dirty="0">
+                <a:solidFill>
+                  <a:srgbClr val="0000CD"/>
+                </a:solidFill>
+                <a:effectLst/>
+                <a:latin typeface="Consolas" panose="020B0609020204030204" pitchFamily="49" charset="0"/>
+              </a:rPr>
+              <a:t>let</a:t>
+            </a:r>
+            <a:r>
+              <a:rPr lang="en-US" b="0" i="0" dirty="0">
+                <a:solidFill>
+                  <a:srgbClr val="000000"/>
+                </a:solidFill>
+                <a:effectLst/>
+                <a:latin typeface="Consolas" panose="020B0609020204030204" pitchFamily="49" charset="0"/>
+              </a:rPr>
+              <a:t> text = </a:t>
+            </a:r>
+            <a:r>
+              <a:rPr lang="en-US" b="0" i="0" dirty="0">
+                <a:solidFill>
+                  <a:srgbClr val="A52A2A"/>
+                </a:solidFill>
+                <a:effectLst/>
+                <a:latin typeface="Consolas" panose="020B0609020204030204" pitchFamily="49" charset="0"/>
+              </a:rPr>
+              <a:t>"Please visit Microsoft and Microsoft!"</a:t>
+            </a:r>
+            <a:r>
+              <a:rPr lang="en-US" b="0" i="0" dirty="0">
+                <a:solidFill>
+                  <a:srgbClr val="000000"/>
+                </a:solidFill>
+                <a:effectLst/>
+                <a:latin typeface="Consolas" panose="020B0609020204030204" pitchFamily="49" charset="0"/>
+              </a:rPr>
+              <a:t>;</a:t>
+            </a:r>
+            <a:br>
+              <a:rPr lang="en-US" dirty="0"/>
+            </a:br>
+            <a:r>
+              <a:rPr lang="en-US" b="0" i="0" dirty="0">
+                <a:solidFill>
+                  <a:srgbClr val="0000CD"/>
+                </a:solidFill>
+                <a:effectLst/>
+                <a:latin typeface="Consolas" panose="020B0609020204030204" pitchFamily="49" charset="0"/>
+              </a:rPr>
+              <a:t>let</a:t>
+            </a:r>
+            <a:r>
+              <a:rPr lang="en-US" b="0" i="0" dirty="0">
+                <a:solidFill>
+                  <a:srgbClr val="000000"/>
+                </a:solidFill>
+                <a:effectLst/>
+                <a:latin typeface="Consolas" panose="020B0609020204030204" pitchFamily="49" charset="0"/>
+              </a:rPr>
+              <a:t> </a:t>
+            </a:r>
+            <a:r>
+              <a:rPr lang="en-US" b="0" i="0" dirty="0" err="1">
+                <a:solidFill>
+                  <a:srgbClr val="000000"/>
+                </a:solidFill>
+                <a:effectLst/>
+                <a:latin typeface="Consolas" panose="020B0609020204030204" pitchFamily="49" charset="0"/>
+              </a:rPr>
+              <a:t>newText</a:t>
+            </a:r>
+            <a:r>
+              <a:rPr lang="en-US" b="0" i="0" dirty="0">
+                <a:solidFill>
+                  <a:srgbClr val="000000"/>
+                </a:solidFill>
+                <a:effectLst/>
+                <a:latin typeface="Consolas" panose="020B0609020204030204" pitchFamily="49" charset="0"/>
+              </a:rPr>
+              <a:t> = </a:t>
+            </a:r>
+            <a:r>
+              <a:rPr lang="en-US" b="0" i="0" dirty="0" err="1">
+                <a:solidFill>
+                  <a:srgbClr val="000000"/>
+                </a:solidFill>
+                <a:effectLst/>
+                <a:latin typeface="Consolas" panose="020B0609020204030204" pitchFamily="49" charset="0"/>
+              </a:rPr>
+              <a:t>text.replace</a:t>
+            </a:r>
+            <a:r>
+              <a:rPr lang="en-US" b="0" i="0" dirty="0">
+                <a:solidFill>
+                  <a:srgbClr val="000000"/>
+                </a:solidFill>
+                <a:effectLst/>
+                <a:latin typeface="Consolas" panose="020B0609020204030204" pitchFamily="49" charset="0"/>
+              </a:rPr>
+              <a:t>(/Microsoft/g, </a:t>
+            </a:r>
+            <a:r>
+              <a:rPr lang="en-US" b="0" i="0" dirty="0">
+                <a:solidFill>
+                  <a:srgbClr val="A52A2A"/>
+                </a:solidFill>
+                <a:effectLst/>
+                <a:latin typeface="Consolas" panose="020B0609020204030204" pitchFamily="49" charset="0"/>
+              </a:rPr>
+              <a:t>“TCS"</a:t>
+            </a:r>
+            <a:r>
+              <a:rPr lang="en-US" b="0" i="0" dirty="0">
+                <a:solidFill>
+                  <a:srgbClr val="000000"/>
+                </a:solidFill>
+                <a:effectLst/>
+                <a:latin typeface="Consolas" panose="020B0609020204030204" pitchFamily="49" charset="0"/>
+              </a:rPr>
+              <a:t>);</a:t>
+            </a:r>
+            <a:endParaRPr lang="en-US" dirty="0"/>
+          </a:p>
+          <a:p>
+            <a:endParaRPr lang="en-US" dirty="0"/>
+          </a:p>
+          <a:p>
+            <a:endParaRPr lang="en-US" dirty="0"/>
+          </a:p>
+        </p:txBody>
+      </p:sp>
+    </p:spTree>
+    <p:extLst>
+      <p:ext uri="{BB962C8B-B14F-4D97-AF65-F5344CB8AC3E}">
+        <p14:creationId xmlns:p14="http://schemas.microsoft.com/office/powerpoint/2010/main" val="2592189834"/>
+      </p:ext>
+    </p:extLst>
+  </p:cSld>
+  <p:clrMapOvr>
+    <a:masterClrMapping/>
+  </p:clrMapOvr>
+</p:sld>
+</file>
+
 <file path=ppt/slides/slide12.xml><?xml version="1.0" encoding="utf-8"?>
 <p:sld xmlns:a="http://schemas.openxmlformats.org/drawingml/2006/main" xmlns:r="http://schemas.openxmlformats.org/officeDocument/2006/relationships" xmlns:p="http://schemas.openxmlformats.org/presentationml/2006/main">
   <p:cSld>
@@ -7684,6 +8908,156 @@
     <p:extLst>
       <p:ext uri="{BB962C8B-B14F-4D97-AF65-F5344CB8AC3E}">
         <p14:creationId xmlns:p14="http://schemas.microsoft.com/office/powerpoint/2010/main" val="4061859621"/>
+      </p:ext>
+    </p:extLst>
+  </p:cSld>
+  <p:clrMapOvr>
+    <a:masterClrMapping/>
+  </p:clrMapOvr>
+</p:sld>
+</file>
+
+<file path=ppt/slides/slide120.xml><?xml version="1.0" encoding="utf-8"?>
+<p:sld xmlns:a="http://schemas.openxmlformats.org/drawingml/2006/main" xmlns:r="http://schemas.openxmlformats.org/officeDocument/2006/relationships" xmlns:p="http://schemas.openxmlformats.org/presentationml/2006/main">
+  <p:cSld>
+    <p:spTree>
+      <p:nvGrpSpPr>
+        <p:cNvPr id="1" name=""/>
+        <p:cNvGrpSpPr/>
+        <p:nvPr/>
+      </p:nvGrpSpPr>
+      <p:grpSpPr>
+        <a:xfrm>
+          <a:off x="0" y="0"/>
+          <a:ext cx="0" cy="0"/>
+          <a:chOff x="0" y="0"/>
+          <a:chExt cx="0" cy="0"/>
+        </a:xfrm>
+      </p:grpSpPr>
+    </p:spTree>
+    <p:extLst>
+      <p:ext uri="{BB962C8B-B14F-4D97-AF65-F5344CB8AC3E}">
+        <p14:creationId xmlns:p14="http://schemas.microsoft.com/office/powerpoint/2010/main" val="773819294"/>
+      </p:ext>
+    </p:extLst>
+  </p:cSld>
+  <p:clrMapOvr>
+    <a:masterClrMapping/>
+  </p:clrMapOvr>
+</p:sld>
+</file>
+
+<file path=ppt/slides/slide121.xml><?xml version="1.0" encoding="utf-8"?>
+<p:sld xmlns:a="http://schemas.openxmlformats.org/drawingml/2006/main" xmlns:r="http://schemas.openxmlformats.org/officeDocument/2006/relationships" xmlns:p="http://schemas.openxmlformats.org/presentationml/2006/main">
+  <p:cSld>
+    <p:spTree>
+      <p:nvGrpSpPr>
+        <p:cNvPr id="1" name=""/>
+        <p:cNvGrpSpPr/>
+        <p:nvPr/>
+      </p:nvGrpSpPr>
+      <p:grpSpPr>
+        <a:xfrm>
+          <a:off x="0" y="0"/>
+          <a:ext cx="0" cy="0"/>
+          <a:chOff x="0" y="0"/>
+          <a:chExt cx="0" cy="0"/>
+        </a:xfrm>
+      </p:grpSpPr>
+    </p:spTree>
+    <p:extLst>
+      <p:ext uri="{BB962C8B-B14F-4D97-AF65-F5344CB8AC3E}">
+        <p14:creationId xmlns:p14="http://schemas.microsoft.com/office/powerpoint/2010/main" val="1953351089"/>
+      </p:ext>
+    </p:extLst>
+  </p:cSld>
+  <p:clrMapOvr>
+    <a:masterClrMapping/>
+  </p:clrMapOvr>
+</p:sld>
+</file>
+
+<file path=ppt/slides/slide122.xml><?xml version="1.0" encoding="utf-8"?>
+<p:sld xmlns:a="http://schemas.openxmlformats.org/drawingml/2006/main" xmlns:r="http://schemas.openxmlformats.org/officeDocument/2006/relationships" xmlns:p="http://schemas.openxmlformats.org/presentationml/2006/main">
+  <p:cSld>
+    <p:spTree>
+      <p:nvGrpSpPr>
+        <p:cNvPr id="1" name=""/>
+        <p:cNvGrpSpPr/>
+        <p:nvPr/>
+      </p:nvGrpSpPr>
+      <p:grpSpPr>
+        <a:xfrm>
+          <a:off x="0" y="0"/>
+          <a:ext cx="0" cy="0"/>
+          <a:chOff x="0" y="0"/>
+          <a:chExt cx="0" cy="0"/>
+        </a:xfrm>
+      </p:grpSpPr>
+    </p:spTree>
+    <p:extLst>
+      <p:ext uri="{BB962C8B-B14F-4D97-AF65-F5344CB8AC3E}">
+        <p14:creationId xmlns:p14="http://schemas.microsoft.com/office/powerpoint/2010/main" val="2032150570"/>
+      </p:ext>
+    </p:extLst>
+  </p:cSld>
+  <p:clrMapOvr>
+    <a:masterClrMapping/>
+  </p:clrMapOvr>
+</p:sld>
+</file>
+
+<file path=ppt/slides/slide123.xml><?xml version="1.0" encoding="utf-8"?>
+<p:sld xmlns:a="http://schemas.openxmlformats.org/drawingml/2006/main" xmlns:r="http://schemas.openxmlformats.org/officeDocument/2006/relationships" xmlns:p="http://schemas.openxmlformats.org/presentationml/2006/main">
+  <p:cSld>
+    <p:spTree>
+      <p:nvGrpSpPr>
+        <p:cNvPr id="1" name=""/>
+        <p:cNvGrpSpPr/>
+        <p:nvPr/>
+      </p:nvGrpSpPr>
+      <p:grpSpPr>
+        <a:xfrm>
+          <a:off x="0" y="0"/>
+          <a:ext cx="0" cy="0"/>
+          <a:chOff x="0" y="0"/>
+          <a:chExt cx="0" cy="0"/>
+        </a:xfrm>
+      </p:grpSpPr>
+    </p:spTree>
+    <p:extLst>
+      <p:ext uri="{BB962C8B-B14F-4D97-AF65-F5344CB8AC3E}">
+        <p14:creationId xmlns:p14="http://schemas.microsoft.com/office/powerpoint/2010/main" val="3977572334"/>
+      </p:ext>
+    </p:extLst>
+  </p:cSld>
+  <p:clrMapOvr>
+    <a:masterClrMapping/>
+  </p:clrMapOvr>
+</p:sld>
+</file>
+
+<file path=ppt/slides/slide124.xml><?xml version="1.0" encoding="utf-8"?>
+<p:sld xmlns:a="http://schemas.openxmlformats.org/drawingml/2006/main" xmlns:r="http://schemas.openxmlformats.org/officeDocument/2006/relationships" xmlns:p="http://schemas.openxmlformats.org/presentationml/2006/main">
+  <p:cSld>
+    <p:spTree>
+      <p:nvGrpSpPr>
+        <p:cNvPr id="1" name=""/>
+        <p:cNvGrpSpPr/>
+        <p:nvPr/>
+      </p:nvGrpSpPr>
+      <p:grpSpPr>
+        <a:xfrm>
+          <a:off x="0" y="0"/>
+          <a:ext cx="0" cy="0"/>
+          <a:chOff x="0" y="0"/>
+          <a:chExt cx="0" cy="0"/>
+        </a:xfrm>
+      </p:grpSpPr>
+    </p:spTree>
+    <p:extLst>
+      <p:ext uri="{BB962C8B-B14F-4D97-AF65-F5344CB8AC3E}">
+        <p14:creationId xmlns:p14="http://schemas.microsoft.com/office/powerpoint/2010/main" val="1212962950"/>
       </p:ext>
     </p:extLst>
   </p:cSld>
